--- a/swift基礎訓練6堂課/第2堂基本運算子、字串和字元/基本運算子、字串和字元.pptx
+++ b/swift基礎訓練6堂課/第2堂基本運算子、字串和字元/基本運算子、字串和字元.pptx
@@ -33045,7 +33045,7 @@
         <p:spPr>
           <a:xfrm>
             <a:off x="483408" y="966876"/>
-            <a:ext cx="3726804" cy="1602741"/>
+            <a:ext cx="2964829" cy="1805065"/>
           </a:xfrm>
           <a:prstGeom prst="rect">
             <a:avLst/>
@@ -33065,9 +33065,9 @@
           </a:bodyPr>
           <a:lstStyle/>
           <a:p>
-            <a:pPr marL="457200" indent="-317500" defTabSz="457200">
+            <a:pPr marL="393700" indent="-254000" defTabSz="457200">
               <a:lnSpc>
-                <a:spcPts val="2600"/>
+                <a:spcPts val="1700"/>
               </a:lnSpc>
               <a:spcBef>
                 <a:spcPts val="0"/>
@@ -33078,14 +33078,14 @@
               <a:buSzPct val="100000"/>
               <a:buFont typeface="Menlo"/>
               <a:buChar char="•"/>
-              <a:defRPr b="0" sz="900">
-                <a:solidFill>
-                  <a:srgbClr val="AA0D91"/>
-                </a:solidFill>
-                <a:latin typeface="Menlo"/>
-                <a:ea typeface="Menlo"/>
-                <a:cs typeface="Menlo"/>
-                <a:sym typeface="Menlo"/>
+              <a:defRPr b="0" sz="1100">
+                <a:solidFill>
+                  <a:srgbClr val="5C2699"/>
+                </a:solidFill>
+                <a:latin typeface="Arial"/>
+                <a:ea typeface="Arial"/>
+                <a:cs typeface="Arial"/>
+                <a:sym typeface="Arial"/>
               </a:defRPr>
             </a:pPr>
             <a:r>
@@ -33165,9 +33165,9 @@
             </a:endParaRPr>
           </a:p>
           <a:p>
-            <a:pPr marL="457200" indent="-317500" defTabSz="457200">
+            <a:pPr marL="393700" indent="-254000" defTabSz="457200">
               <a:lnSpc>
-                <a:spcPts val="2600"/>
+                <a:spcPts val="1700"/>
               </a:lnSpc>
               <a:spcBef>
                 <a:spcPts val="0"/>
@@ -33178,14 +33178,14 @@
               <a:buSzPct val="100000"/>
               <a:buFont typeface="Menlo"/>
               <a:buChar char="•"/>
-              <a:defRPr b="0" sz="900">
-                <a:solidFill>
-                  <a:srgbClr val="C41A16"/>
-                </a:solidFill>
-                <a:latin typeface="Menlo"/>
-                <a:ea typeface="Menlo"/>
-                <a:cs typeface="Menlo"/>
-                <a:sym typeface="Menlo"/>
+              <a:defRPr b="0" sz="1100">
+                <a:solidFill>
+                  <a:srgbClr val="5C2699"/>
+                </a:solidFill>
+                <a:latin typeface="Arial"/>
+                <a:ea typeface="Arial"/>
+                <a:cs typeface="Arial"/>
+                <a:sym typeface="Arial"/>
               </a:defRPr>
             </a:pPr>
             <a:r>
@@ -33300,9 +33300,9 @@
             </a:endParaRPr>
           </a:p>
           <a:p>
-            <a:pPr marL="457200" indent="-317500" defTabSz="457200">
+            <a:pPr marL="393700" indent="-254000" defTabSz="457200">
               <a:lnSpc>
-                <a:spcPts val="2600"/>
+                <a:spcPts val="1700"/>
               </a:lnSpc>
               <a:spcBef>
                 <a:spcPts val="0"/>
@@ -33313,14 +33313,14 @@
               <a:buSzPct val="100000"/>
               <a:buFont typeface="Menlo"/>
               <a:buChar char="•"/>
-              <a:defRPr b="0" sz="900">
-                <a:solidFill>
-                  <a:srgbClr val="333333"/>
-                </a:solidFill>
-                <a:latin typeface="Menlo"/>
-                <a:ea typeface="Menlo"/>
-                <a:cs typeface="Menlo"/>
-                <a:sym typeface="Menlo"/>
+              <a:defRPr b="0" sz="1100">
+                <a:solidFill>
+                  <a:srgbClr val="5C2699"/>
+                </a:solidFill>
+                <a:latin typeface="Arial"/>
+                <a:ea typeface="Arial"/>
+                <a:cs typeface="Arial"/>
+                <a:sym typeface="Arial"/>
               </a:defRPr>
             </a:pPr>
             <a:r>
@@ -33328,9 +33328,9 @@
             </a:r>
           </a:p>
           <a:p>
-            <a:pPr marL="457200" indent="-317500" defTabSz="457200">
+            <a:pPr marL="393700" indent="-254000" defTabSz="457200">
               <a:lnSpc>
-                <a:spcPts val="2300"/>
+                <a:spcPts val="1700"/>
               </a:lnSpc>
               <a:spcBef>
                 <a:spcPts val="0"/>
@@ -33341,14 +33341,14 @@
               <a:buSzPct val="100000"/>
               <a:buFont typeface="Menlo"/>
               <a:buChar char="•"/>
-              <a:defRPr b="0" sz="900">
-                <a:solidFill>
-                  <a:srgbClr val="007400"/>
-                </a:solidFill>
-                <a:latin typeface="Menlo"/>
-                <a:ea typeface="Menlo"/>
-                <a:cs typeface="Menlo"/>
-                <a:sym typeface="Menlo"/>
+              <a:defRPr b="0" sz="1100">
+                <a:solidFill>
+                  <a:srgbClr val="5C2699"/>
+                </a:solidFill>
+                <a:latin typeface="Arial"/>
+                <a:ea typeface="Arial"/>
+                <a:cs typeface="Arial"/>
+                <a:sym typeface="Arial"/>
               </a:defRPr>
             </a:pPr>
             <a:r>
@@ -33361,9 +33361,9 @@
             </a:endParaRPr>
           </a:p>
           <a:p>
-            <a:pPr marL="457200" indent="-317500" defTabSz="457200">
+            <a:pPr marL="393700" indent="-254000" defTabSz="457200">
               <a:lnSpc>
-                <a:spcPts val="2600"/>
+                <a:spcPts val="1700"/>
               </a:lnSpc>
               <a:spcBef>
                 <a:spcPts val="0"/>
@@ -33374,14 +33374,14 @@
               <a:buSzPct val="100000"/>
               <a:buFont typeface="Menlo"/>
               <a:buChar char="•"/>
-              <a:defRPr b="0" sz="900">
-                <a:solidFill>
-                  <a:srgbClr val="007400"/>
-                </a:solidFill>
-                <a:latin typeface="Menlo"/>
-                <a:ea typeface="Menlo"/>
-                <a:cs typeface="Menlo"/>
-                <a:sym typeface="Menlo"/>
+              <a:defRPr b="0" sz="1100">
+                <a:solidFill>
+                  <a:srgbClr val="5C2699"/>
+                </a:solidFill>
+                <a:latin typeface="Arial"/>
+                <a:ea typeface="Arial"/>
+                <a:cs typeface="Arial"/>
+                <a:sym typeface="Arial"/>
               </a:defRPr>
             </a:pPr>
             <a:r>
@@ -33394,9 +33394,9 @@
             </a:endParaRPr>
           </a:p>
           <a:p>
-            <a:pPr marL="457200" indent="-317500" defTabSz="457200">
+            <a:pPr marL="393700" indent="-254000" defTabSz="457200">
               <a:lnSpc>
-                <a:spcPts val="2600"/>
+                <a:spcPts val="1700"/>
               </a:lnSpc>
               <a:spcBef>
                 <a:spcPts val="0"/>
@@ -33407,14 +33407,14 @@
               <a:buSzPct val="100000"/>
               <a:buFont typeface="Menlo"/>
               <a:buChar char="•"/>
-              <a:defRPr b="0" sz="900">
-                <a:solidFill>
-                  <a:srgbClr val="007400"/>
-                </a:solidFill>
-                <a:latin typeface="Menlo"/>
-                <a:ea typeface="Menlo"/>
-                <a:cs typeface="Menlo"/>
-                <a:sym typeface="Menlo"/>
+              <a:defRPr b="0" sz="1100">
+                <a:solidFill>
+                  <a:srgbClr val="5C2699"/>
+                </a:solidFill>
+                <a:latin typeface="Arial"/>
+                <a:ea typeface="Arial"/>
+                <a:cs typeface="Arial"/>
+                <a:sym typeface="Arial"/>
               </a:defRPr>
             </a:pPr>
             <a:r>
@@ -33427,9 +33427,9 @@
             </a:endParaRPr>
           </a:p>
           <a:p>
-            <a:pPr marL="457200" indent="-317500" defTabSz="457200">
+            <a:pPr marL="393700" indent="-254000" defTabSz="457200">
               <a:lnSpc>
-                <a:spcPts val="2600"/>
+                <a:spcPts val="1700"/>
               </a:lnSpc>
               <a:spcBef>
                 <a:spcPts val="0"/>
@@ -33440,14 +33440,14 @@
               <a:buSzPct val="100000"/>
               <a:buFont typeface="Menlo"/>
               <a:buChar char="•"/>
-              <a:defRPr b="0" sz="900">
-                <a:solidFill>
-                  <a:srgbClr val="007400"/>
-                </a:solidFill>
-                <a:latin typeface="Menlo"/>
-                <a:ea typeface="Menlo"/>
-                <a:cs typeface="Menlo"/>
-                <a:sym typeface="Menlo"/>
+              <a:defRPr b="0" sz="1100">
+                <a:solidFill>
+                  <a:srgbClr val="5C2699"/>
+                </a:solidFill>
+                <a:latin typeface="Arial"/>
+                <a:ea typeface="Arial"/>
+                <a:cs typeface="Arial"/>
+                <a:sym typeface="Arial"/>
               </a:defRPr>
             </a:pPr>
             <a:r>
@@ -33460,9 +33460,9 @@
             </a:endParaRPr>
           </a:p>
           <a:p>
-            <a:pPr marL="457200" indent="-317500" defTabSz="457200">
+            <a:pPr marL="393700" indent="-254000" defTabSz="457200">
               <a:lnSpc>
-                <a:spcPts val="2600"/>
+                <a:spcPts val="1700"/>
               </a:lnSpc>
               <a:spcBef>
                 <a:spcPts val="0"/>
@@ -33473,14 +33473,14 @@
               <a:buSzPct val="100000"/>
               <a:buFont typeface="Menlo"/>
               <a:buChar char="•"/>
-              <a:defRPr b="0" sz="900">
-                <a:solidFill>
-                  <a:srgbClr val="007400"/>
-                </a:solidFill>
-                <a:latin typeface="Menlo"/>
-                <a:ea typeface="Menlo"/>
-                <a:cs typeface="Menlo"/>
-                <a:sym typeface="Menlo"/>
+              <a:defRPr b="0" sz="1100">
+                <a:solidFill>
+                  <a:srgbClr val="5C2699"/>
+                </a:solidFill>
+                <a:latin typeface="Arial"/>
+                <a:ea typeface="Arial"/>
+                <a:cs typeface="Arial"/>
+                <a:sym typeface="Arial"/>
               </a:defRPr>
             </a:pPr>
             <a:r>
@@ -33498,7 +33498,7 @@
         <p:spPr>
           <a:xfrm>
             <a:off x="509313" y="2912265"/>
-            <a:ext cx="4070876" cy="1704341"/>
+            <a:ext cx="3279290" cy="2020966"/>
           </a:xfrm>
           <a:prstGeom prst="rect">
             <a:avLst/>
@@ -33518,9 +33518,9 @@
           </a:bodyPr>
           <a:lstStyle/>
           <a:p>
-            <a:pPr marL="457200" indent="-317500" defTabSz="457200">
+            <a:pPr marL="393700" indent="-254000" defTabSz="457200">
               <a:lnSpc>
-                <a:spcPts val="2300"/>
+                <a:spcPts val="1700"/>
               </a:lnSpc>
               <a:spcBef>
                 <a:spcPts val="0"/>
@@ -33531,14 +33531,14 @@
               <a:buSzPct val="100000"/>
               <a:buFont typeface="Menlo"/>
               <a:buChar char="•"/>
-              <a:defRPr b="0" sz="900">
-                <a:solidFill>
-                  <a:srgbClr val="C41A16"/>
-                </a:solidFill>
-                <a:latin typeface="Menlo"/>
-                <a:ea typeface="Menlo"/>
-                <a:cs typeface="Menlo"/>
-                <a:sym typeface="Menlo"/>
+              <a:defRPr b="0" sz="1100">
+                <a:solidFill>
+                  <a:srgbClr val="5C2699"/>
+                </a:solidFill>
+                <a:latin typeface="Arial"/>
+                <a:ea typeface="Arial"/>
+                <a:cs typeface="Arial"/>
+                <a:sym typeface="Arial"/>
               </a:defRPr>
             </a:pPr>
             <a:r>
@@ -33624,9 +33624,9 @@
             </a:endParaRPr>
           </a:p>
           <a:p>
-            <a:pPr marL="457200" indent="-317500" defTabSz="457200">
+            <a:pPr marL="393700" indent="-254000" defTabSz="457200">
               <a:lnSpc>
-                <a:spcPts val="2300"/>
+                <a:spcPts val="1700"/>
               </a:lnSpc>
               <a:spcBef>
                 <a:spcPts val="0"/>
@@ -33637,14 +33637,14 @@
               <a:buSzPct val="100000"/>
               <a:buFont typeface="Menlo"/>
               <a:buChar char="•"/>
-              <a:defRPr b="0" sz="900">
-                <a:solidFill>
-                  <a:srgbClr val="AA0D91"/>
-                </a:solidFill>
-                <a:latin typeface="Menlo"/>
-                <a:ea typeface="Menlo"/>
-                <a:cs typeface="Menlo"/>
-                <a:sym typeface="Menlo"/>
+              <a:defRPr b="0" sz="1100">
+                <a:solidFill>
+                  <a:srgbClr val="5C2699"/>
+                </a:solidFill>
+                <a:latin typeface="Arial"/>
+                <a:ea typeface="Arial"/>
+                <a:cs typeface="Arial"/>
+                <a:sym typeface="Arial"/>
               </a:defRPr>
             </a:pPr>
             <a:r>
@@ -33705,9 +33705,9 @@
             </a:endParaRPr>
           </a:p>
           <a:p>
-            <a:pPr marL="457200" indent="-317500" defTabSz="457200">
+            <a:pPr marL="393700" indent="-254000" defTabSz="457200">
               <a:lnSpc>
-                <a:spcPts val="2300"/>
+                <a:spcPts val="1700"/>
               </a:lnSpc>
               <a:spcBef>
                 <a:spcPts val="0"/>
@@ -33718,14 +33718,14 @@
               <a:buSzPct val="100000"/>
               <a:buFont typeface="Menlo"/>
               <a:buChar char="•"/>
-              <a:defRPr b="0" sz="900">
-                <a:solidFill>
-                  <a:srgbClr val="AA0D91"/>
-                </a:solidFill>
-                <a:latin typeface="Menlo"/>
-                <a:ea typeface="Menlo"/>
-                <a:cs typeface="Menlo"/>
-                <a:sym typeface="Menlo"/>
+              <a:defRPr b="0" sz="1100">
+                <a:solidFill>
+                  <a:srgbClr val="5C2699"/>
+                </a:solidFill>
+                <a:latin typeface="Arial"/>
+                <a:ea typeface="Arial"/>
+                <a:cs typeface="Arial"/>
+                <a:sym typeface="Arial"/>
               </a:defRPr>
             </a:pPr>
             <a:r>
@@ -33805,9 +33805,9 @@
             </a:endParaRPr>
           </a:p>
           <a:p>
-            <a:pPr marL="457200" indent="-317500" defTabSz="457200">
+            <a:pPr marL="393700" indent="-254000" defTabSz="457200">
               <a:lnSpc>
-                <a:spcPts val="2300"/>
+                <a:spcPts val="1700"/>
               </a:lnSpc>
               <a:spcBef>
                 <a:spcPts val="0"/>
@@ -33818,14 +33818,14 @@
               <a:buSzPct val="100000"/>
               <a:buFont typeface="Menlo"/>
               <a:buChar char="•"/>
-              <a:defRPr b="0" sz="900">
-                <a:solidFill>
-                  <a:srgbClr val="C41A16"/>
-                </a:solidFill>
-                <a:latin typeface="Menlo"/>
-                <a:ea typeface="Menlo"/>
-                <a:cs typeface="Menlo"/>
-                <a:sym typeface="Menlo"/>
+              <a:defRPr b="0" sz="1100">
+                <a:solidFill>
+                  <a:srgbClr val="5C2699"/>
+                </a:solidFill>
+                <a:latin typeface="Arial"/>
+                <a:ea typeface="Arial"/>
+                <a:cs typeface="Arial"/>
+                <a:sym typeface="Arial"/>
               </a:defRPr>
             </a:pPr>
             <a:r>
@@ -33956,9 +33956,9 @@
             </a:endParaRPr>
           </a:p>
           <a:p>
-            <a:pPr marL="457200" indent="-317500" defTabSz="457200">
+            <a:pPr marL="393700" indent="-254000" defTabSz="457200">
               <a:lnSpc>
-                <a:spcPts val="2300"/>
+                <a:spcPts val="1700"/>
               </a:lnSpc>
               <a:spcBef>
                 <a:spcPts val="0"/>
@@ -33969,14 +33969,14 @@
               <a:buSzPct val="100000"/>
               <a:buFont typeface="Menlo"/>
               <a:buChar char="•"/>
-              <a:defRPr b="0" sz="900">
-                <a:solidFill>
-                  <a:srgbClr val="333333"/>
-                </a:solidFill>
-                <a:latin typeface="Menlo"/>
-                <a:ea typeface="Menlo"/>
-                <a:cs typeface="Menlo"/>
-                <a:sym typeface="Menlo"/>
+              <a:defRPr b="0" sz="1100">
+                <a:solidFill>
+                  <a:srgbClr val="5C2699"/>
+                </a:solidFill>
+                <a:latin typeface="Arial"/>
+                <a:ea typeface="Arial"/>
+                <a:cs typeface="Arial"/>
+                <a:sym typeface="Arial"/>
               </a:defRPr>
             </a:pPr>
             <a:r>
@@ -33984,9 +33984,9 @@
             </a:r>
           </a:p>
           <a:p>
-            <a:pPr marL="457200" indent="-317500" defTabSz="457200">
+            <a:pPr marL="393700" indent="-254000" defTabSz="457200">
               <a:lnSpc>
-                <a:spcPts val="2300"/>
+                <a:spcPts val="1700"/>
               </a:lnSpc>
               <a:spcBef>
                 <a:spcPts val="0"/>
@@ -33997,14 +33997,14 @@
               <a:buSzPct val="100000"/>
               <a:buFont typeface="Menlo"/>
               <a:buChar char="•"/>
-              <a:defRPr b="0" sz="900">
-                <a:solidFill>
-                  <a:srgbClr val="007400"/>
-                </a:solidFill>
-                <a:latin typeface="Menlo"/>
-                <a:ea typeface="Menlo"/>
-                <a:cs typeface="Menlo"/>
-                <a:sym typeface="Menlo"/>
+              <a:defRPr b="0" sz="1100">
+                <a:solidFill>
+                  <a:srgbClr val="5C2699"/>
+                </a:solidFill>
+                <a:latin typeface="Arial"/>
+                <a:ea typeface="Arial"/>
+                <a:cs typeface="Arial"/>
+                <a:sym typeface="Arial"/>
               </a:defRPr>
             </a:pPr>
             <a:r>
@@ -34017,9 +34017,9 @@
             </a:endParaRPr>
           </a:p>
           <a:p>
-            <a:pPr marL="457200" indent="-317500" defTabSz="457200">
+            <a:pPr marL="393700" indent="-254000" defTabSz="457200">
               <a:lnSpc>
-                <a:spcPts val="2300"/>
+                <a:spcPts val="1700"/>
               </a:lnSpc>
               <a:spcBef>
                 <a:spcPts val="0"/>
@@ -34030,14 +34030,14 @@
               <a:buSzPct val="100000"/>
               <a:buFont typeface="Menlo"/>
               <a:buChar char="•"/>
-              <a:defRPr b="0" sz="900">
-                <a:solidFill>
-                  <a:srgbClr val="007400"/>
-                </a:solidFill>
-                <a:latin typeface="Menlo"/>
-                <a:ea typeface="Menlo"/>
-                <a:cs typeface="Menlo"/>
-                <a:sym typeface="Menlo"/>
+              <a:defRPr b="0" sz="1100">
+                <a:solidFill>
+                  <a:srgbClr val="5C2699"/>
+                </a:solidFill>
+                <a:latin typeface="Arial"/>
+                <a:ea typeface="Arial"/>
+                <a:cs typeface="Arial"/>
+                <a:sym typeface="Arial"/>
               </a:defRPr>
             </a:pPr>
             <a:r>
@@ -34050,9 +34050,9 @@
             </a:endParaRPr>
           </a:p>
           <a:p>
-            <a:pPr marL="457200" indent="-317500" defTabSz="457200">
+            <a:pPr marL="393700" indent="-254000" defTabSz="457200">
               <a:lnSpc>
-                <a:spcPts val="2300"/>
+                <a:spcPts val="1700"/>
               </a:lnSpc>
               <a:spcBef>
                 <a:spcPts val="0"/>
@@ -34063,14 +34063,14 @@
               <a:buSzPct val="100000"/>
               <a:buFont typeface="Menlo"/>
               <a:buChar char="•"/>
-              <a:defRPr b="0" sz="900">
-                <a:solidFill>
-                  <a:srgbClr val="007400"/>
-                </a:solidFill>
-                <a:latin typeface="Menlo"/>
-                <a:ea typeface="Menlo"/>
-                <a:cs typeface="Menlo"/>
-                <a:sym typeface="Menlo"/>
+              <a:defRPr b="0" sz="1100">
+                <a:solidFill>
+                  <a:srgbClr val="5C2699"/>
+                </a:solidFill>
+                <a:latin typeface="Arial"/>
+                <a:ea typeface="Arial"/>
+                <a:cs typeface="Arial"/>
+                <a:sym typeface="Arial"/>
               </a:defRPr>
             </a:pPr>
             <a:r>
@@ -34083,9 +34083,9 @@
             </a:endParaRPr>
           </a:p>
           <a:p>
-            <a:pPr marL="457200" indent="-317500" defTabSz="457200">
+            <a:pPr marL="393700" indent="-254000" defTabSz="457200">
               <a:lnSpc>
-                <a:spcPts val="2300"/>
+                <a:spcPts val="1700"/>
               </a:lnSpc>
               <a:spcBef>
                 <a:spcPts val="0"/>
@@ -34096,24 +34096,19 @@
               <a:buSzPct val="100000"/>
               <a:buFont typeface="Menlo"/>
               <a:buChar char="•"/>
-              <a:defRPr b="0" sz="900">
-                <a:solidFill>
-                  <a:srgbClr val="007400"/>
-                </a:solidFill>
-                <a:latin typeface="Menlo"/>
-                <a:ea typeface="Menlo"/>
-                <a:cs typeface="Menlo"/>
-                <a:sym typeface="Menlo"/>
+              <a:defRPr b="0" sz="1100">
+                <a:solidFill>
+                  <a:srgbClr val="5C2699"/>
+                </a:solidFill>
+                <a:latin typeface="Arial"/>
+                <a:ea typeface="Arial"/>
+                <a:cs typeface="Arial"/>
+                <a:sym typeface="Arial"/>
               </a:defRPr>
             </a:pPr>
             <a:r>
               <a:t>// Person 4 is called Jack</a:t>
             </a:r>
-            <a:endParaRPr>
-              <a:solidFill>
-                <a:srgbClr val="333333"/>
-              </a:solidFill>
-            </a:endParaRPr>
           </a:p>
         </p:txBody>
       </p:sp>
@@ -34125,8 +34120,8 @@
         </p:nvSpPr>
         <p:spPr>
           <a:xfrm>
-            <a:off x="4940816" y="991181"/>
-            <a:ext cx="2350516" cy="2199641"/>
+            <a:off x="4908075" y="944409"/>
+            <a:ext cx="2050844" cy="2668665"/>
           </a:xfrm>
           <a:prstGeom prst="rect">
             <a:avLst/>
@@ -34146,9 +34141,9 @@
           </a:bodyPr>
           <a:lstStyle/>
           <a:p>
-            <a:pPr marL="457200" indent="-317500" defTabSz="457200">
+            <a:pPr marL="393700" indent="-254000" defTabSz="457200">
               <a:lnSpc>
-                <a:spcPts val="2300"/>
+                <a:spcPts val="1700"/>
               </a:lnSpc>
               <a:spcBef>
                 <a:spcPts val="0"/>
@@ -34159,76 +34154,24 @@
               <a:buSzPct val="100000"/>
               <a:buFont typeface="Menlo"/>
               <a:buChar char="•"/>
-              <a:defRPr b="0" sz="900">
-                <a:solidFill>
-                  <a:srgbClr val="333333"/>
-                </a:solidFill>
-                <a:latin typeface="Menlo"/>
-                <a:ea typeface="Menlo"/>
-                <a:cs typeface="Menlo"/>
-                <a:sym typeface="Menlo"/>
+              <a:defRPr b="0" sz="1100">
+                <a:solidFill>
+                  <a:srgbClr val="5C2699"/>
+                </a:solidFill>
+                <a:latin typeface="Arial"/>
+                <a:ea typeface="Arial"/>
+                <a:cs typeface="Arial"/>
+                <a:sym typeface="Arial"/>
               </a:defRPr>
             </a:pPr>
             <a:r>
-              <a:rPr>
-                <a:solidFill>
-                  <a:srgbClr val="AA0D91"/>
-                </a:solidFill>
-              </a:rPr>
-              <a:t>for</a:t>
-            </a:r>
-            <a:r>
-              <a:t> </a:t>
-            </a:r>
-            <a:r>
-              <a:rPr>
-                <a:solidFill>
-                  <a:srgbClr val="3F6E74"/>
-                </a:solidFill>
-              </a:rPr>
-              <a:t>name</a:t>
-            </a:r>
-            <a:r>
-              <a:t> </a:t>
-            </a:r>
-            <a:r>
-              <a:rPr>
-                <a:solidFill>
-                  <a:srgbClr val="AA0D91"/>
-                </a:solidFill>
-              </a:rPr>
-              <a:t>in</a:t>
-            </a:r>
-            <a:r>
-              <a:t> </a:t>
-            </a:r>
-            <a:r>
-              <a:rPr>
-                <a:solidFill>
-                  <a:srgbClr val="3F6E74"/>
-                </a:solidFill>
-              </a:rPr>
-              <a:t>names</a:t>
-            </a:r>
-            <a:r>
-              <a:t>[</a:t>
-            </a:r>
-            <a:r>
-              <a:rPr>
-                <a:solidFill>
-                  <a:srgbClr val="1C00CF"/>
-                </a:solidFill>
-              </a:rPr>
-              <a:t>2</a:t>
-            </a:r>
-            <a:r>
-              <a:t>...] {</a:t>
+              <a:t>for name in names[2...] {</a:t>
             </a:r>
           </a:p>
           <a:p>
-            <a:pPr marL="457200" indent="-317500" defTabSz="457200">
+            <a:pPr marL="393700" indent="-254000" defTabSz="457200">
               <a:lnSpc>
-                <a:spcPts val="2300"/>
+                <a:spcPts val="1700"/>
               </a:lnSpc>
               <a:spcBef>
                 <a:spcPts val="0"/>
@@ -34239,46 +34182,24 @@
               <a:buSzPct val="100000"/>
               <a:buFont typeface="Menlo"/>
               <a:buChar char="•"/>
-              <a:defRPr b="0" sz="900">
-                <a:solidFill>
-                  <a:srgbClr val="333333"/>
-                </a:solidFill>
-                <a:latin typeface="Menlo"/>
-                <a:ea typeface="Menlo"/>
-                <a:cs typeface="Menlo"/>
-                <a:sym typeface="Menlo"/>
+              <a:defRPr b="0" sz="1100">
+                <a:solidFill>
+                  <a:srgbClr val="5C2699"/>
+                </a:solidFill>
+                <a:latin typeface="Arial"/>
+                <a:ea typeface="Arial"/>
+                <a:cs typeface="Arial"/>
+                <a:sym typeface="Arial"/>
               </a:defRPr>
             </a:pPr>
             <a:r>
-              <a:t>    </a:t>
-            </a:r>
-            <a:r>
-              <a:rPr>
-                <a:solidFill>
-                  <a:srgbClr val="3F6E74"/>
-                </a:solidFill>
-              </a:rPr>
-              <a:t>print</a:t>
-            </a:r>
-            <a:r>
-              <a:t>(</a:t>
-            </a:r>
-            <a:r>
-              <a:rPr>
-                <a:solidFill>
-                  <a:srgbClr val="3F6E74"/>
-                </a:solidFill>
-              </a:rPr>
-              <a:t>name</a:t>
-            </a:r>
-            <a:r>
-              <a:t>)</a:t>
+              <a:t>    print(name)</a:t>
             </a:r>
           </a:p>
           <a:p>
-            <a:pPr marL="457200" indent="-317500" defTabSz="457200">
+            <a:pPr marL="393700" indent="-254000" defTabSz="457200">
               <a:lnSpc>
-                <a:spcPts val="2300"/>
+                <a:spcPts val="1700"/>
               </a:lnSpc>
               <a:spcBef>
                 <a:spcPts val="0"/>
@@ -34289,14 +34210,14 @@
               <a:buSzPct val="100000"/>
               <a:buFont typeface="Menlo"/>
               <a:buChar char="•"/>
-              <a:defRPr b="0" sz="900">
-                <a:solidFill>
-                  <a:srgbClr val="333333"/>
-                </a:solidFill>
-                <a:latin typeface="Menlo"/>
-                <a:ea typeface="Menlo"/>
-                <a:cs typeface="Menlo"/>
-                <a:sym typeface="Menlo"/>
+              <a:defRPr b="0" sz="1100">
+                <a:solidFill>
+                  <a:srgbClr val="5C2699"/>
+                </a:solidFill>
+                <a:latin typeface="Arial"/>
+                <a:ea typeface="Arial"/>
+                <a:cs typeface="Arial"/>
+                <a:sym typeface="Arial"/>
               </a:defRPr>
             </a:pPr>
             <a:r>
@@ -34304,9 +34225,9 @@
             </a:r>
           </a:p>
           <a:p>
-            <a:pPr marL="457200" indent="-317500" defTabSz="457200">
+            <a:pPr marL="393700" indent="-254000" defTabSz="457200">
               <a:lnSpc>
-                <a:spcPts val="2300"/>
+                <a:spcPts val="1700"/>
               </a:lnSpc>
               <a:spcBef>
                 <a:spcPts val="0"/>
@@ -34317,29 +34238,24 @@
               <a:buSzPct val="100000"/>
               <a:buFont typeface="Menlo"/>
               <a:buChar char="•"/>
-              <a:defRPr b="0" sz="900">
-                <a:solidFill>
-                  <a:srgbClr val="007400"/>
-                </a:solidFill>
-                <a:latin typeface="Menlo"/>
-                <a:ea typeface="Menlo"/>
-                <a:cs typeface="Menlo"/>
-                <a:sym typeface="Menlo"/>
+              <a:defRPr b="0" sz="1100">
+                <a:solidFill>
+                  <a:srgbClr val="5C2699"/>
+                </a:solidFill>
+                <a:latin typeface="Arial"/>
+                <a:ea typeface="Arial"/>
+                <a:cs typeface="Arial"/>
+                <a:sym typeface="Arial"/>
               </a:defRPr>
             </a:pPr>
             <a:r>
               <a:t>// Brian</a:t>
             </a:r>
-            <a:endParaRPr>
-              <a:solidFill>
-                <a:srgbClr val="333333"/>
-              </a:solidFill>
-            </a:endParaRPr>
           </a:p>
           <a:p>
-            <a:pPr marL="457200" indent="-317500" defTabSz="457200">
+            <a:pPr marL="393700" indent="-254000" defTabSz="457200">
               <a:lnSpc>
-                <a:spcPts val="2300"/>
+                <a:spcPts val="1700"/>
               </a:lnSpc>
               <a:spcBef>
                 <a:spcPts val="0"/>
@@ -34350,29 +34266,24 @@
               <a:buSzPct val="100000"/>
               <a:buFont typeface="Menlo"/>
               <a:buChar char="•"/>
-              <a:defRPr b="0" sz="900">
-                <a:solidFill>
-                  <a:srgbClr val="007400"/>
-                </a:solidFill>
-                <a:latin typeface="Menlo"/>
-                <a:ea typeface="Menlo"/>
-                <a:cs typeface="Menlo"/>
-                <a:sym typeface="Menlo"/>
+              <a:defRPr b="0" sz="1100">
+                <a:solidFill>
+                  <a:srgbClr val="5C2699"/>
+                </a:solidFill>
+                <a:latin typeface="Arial"/>
+                <a:ea typeface="Arial"/>
+                <a:cs typeface="Arial"/>
+                <a:sym typeface="Arial"/>
               </a:defRPr>
             </a:pPr>
             <a:r>
               <a:t>// Jack</a:t>
             </a:r>
-            <a:endParaRPr>
-              <a:solidFill>
-                <a:srgbClr val="333333"/>
-              </a:solidFill>
-            </a:endParaRPr>
           </a:p>
           <a:p>
-            <a:pPr marL="457200" indent="-317500" defTabSz="457200">
+            <a:pPr marL="393700" indent="-254000" defTabSz="457200">
               <a:lnSpc>
-                <a:spcPts val="2300"/>
+                <a:spcPts val="1700"/>
               </a:lnSpc>
               <a:spcBef>
                 <a:spcPts val="0"/>
@@ -34383,21 +34294,21 @@
               <a:buSzPct val="100000"/>
               <a:buFont typeface="Menlo"/>
               <a:buChar char="•"/>
-              <a:defRPr b="0" sz="900">
-                <a:solidFill>
-                  <a:srgbClr val="333333"/>
-                </a:solidFill>
-                <a:latin typeface="Menlo"/>
-                <a:ea typeface="Menlo"/>
-                <a:cs typeface="Menlo"/>
-                <a:sym typeface="Menlo"/>
+              <a:defRPr b="0" sz="1100">
+                <a:solidFill>
+                  <a:srgbClr val="5C2699"/>
+                </a:solidFill>
+                <a:latin typeface="Arial"/>
+                <a:ea typeface="Arial"/>
+                <a:cs typeface="Arial"/>
+                <a:sym typeface="Arial"/>
               </a:defRPr>
             </a:pPr>
           </a:p>
           <a:p>
-            <a:pPr marL="457200" indent="-317500" defTabSz="457200">
+            <a:pPr marL="393700" indent="-254000" defTabSz="457200">
               <a:lnSpc>
-                <a:spcPts val="2300"/>
+                <a:spcPts val="1700"/>
               </a:lnSpc>
               <a:spcBef>
                 <a:spcPts val="0"/>
@@ -34408,96 +34319,24 @@
               <a:buSzPct val="100000"/>
               <a:buFont typeface="Menlo"/>
               <a:buChar char="•"/>
-              <a:defRPr b="0" sz="900">
-                <a:solidFill>
-                  <a:srgbClr val="AA0D91"/>
-                </a:solidFill>
-                <a:latin typeface="Menlo"/>
-                <a:ea typeface="Menlo"/>
-                <a:cs typeface="Menlo"/>
-                <a:sym typeface="Menlo"/>
+              <a:defRPr b="0" sz="1100">
+                <a:solidFill>
+                  <a:srgbClr val="5C2699"/>
+                </a:solidFill>
+                <a:latin typeface="Arial"/>
+                <a:ea typeface="Arial"/>
+                <a:cs typeface="Arial"/>
+                <a:sym typeface="Arial"/>
               </a:defRPr>
             </a:pPr>
             <a:r>
-              <a:t>for</a:t>
-            </a:r>
-            <a:r>
-              <a:rPr>
-                <a:solidFill>
-                  <a:srgbClr val="333333"/>
-                </a:solidFill>
-              </a:rPr>
-              <a:t> </a:t>
-            </a:r>
-            <a:r>
-              <a:rPr>
-                <a:solidFill>
-                  <a:srgbClr val="3F6E74"/>
-                </a:solidFill>
-              </a:rPr>
-              <a:t>name</a:t>
-            </a:r>
-            <a:r>
-              <a:rPr>
-                <a:solidFill>
-                  <a:srgbClr val="333333"/>
-                </a:solidFill>
-              </a:rPr>
-              <a:t> </a:t>
-            </a:r>
-            <a:r>
-              <a:t>in</a:t>
-            </a:r>
-            <a:r>
-              <a:rPr>
-                <a:solidFill>
-                  <a:srgbClr val="333333"/>
-                </a:solidFill>
-              </a:rPr>
-              <a:t> </a:t>
-            </a:r>
-            <a:r>
-              <a:rPr>
-                <a:solidFill>
-                  <a:srgbClr val="3F6E74"/>
-                </a:solidFill>
-              </a:rPr>
-              <a:t>names</a:t>
-            </a:r>
-            <a:r>
-              <a:rPr>
-                <a:solidFill>
-                  <a:srgbClr val="333333"/>
-                </a:solidFill>
-              </a:rPr>
-              <a:t>[...</a:t>
-            </a:r>
-            <a:r>
-              <a:rPr>
-                <a:solidFill>
-                  <a:srgbClr val="1C00CF"/>
-                </a:solidFill>
-              </a:rPr>
-              <a:t>2</a:t>
-            </a:r>
-            <a:r>
-              <a:rPr>
-                <a:solidFill>
-                  <a:srgbClr val="333333"/>
-                </a:solidFill>
-              </a:rPr>
-              <a:t>] {</a:t>
-            </a:r>
-            <a:endParaRPr>
-              <a:solidFill>
-                <a:srgbClr val="333333"/>
-              </a:solidFill>
-            </a:endParaRPr>
+              <a:t>for name in names[...2] {</a:t>
+            </a:r>
           </a:p>
           <a:p>
-            <a:pPr marL="457200" indent="-317500" defTabSz="457200">
+            <a:pPr marL="393700" indent="-254000" defTabSz="457200">
               <a:lnSpc>
-                <a:spcPts val="2300"/>
+                <a:spcPts val="1700"/>
               </a:lnSpc>
               <a:spcBef>
                 <a:spcPts val="0"/>
@@ -34508,46 +34347,24 @@
               <a:buSzPct val="100000"/>
               <a:buFont typeface="Menlo"/>
               <a:buChar char="•"/>
-              <a:defRPr b="0" sz="900">
-                <a:solidFill>
-                  <a:srgbClr val="333333"/>
-                </a:solidFill>
-                <a:latin typeface="Menlo"/>
-                <a:ea typeface="Menlo"/>
-                <a:cs typeface="Menlo"/>
-                <a:sym typeface="Menlo"/>
+              <a:defRPr b="0" sz="1100">
+                <a:solidFill>
+                  <a:srgbClr val="5C2699"/>
+                </a:solidFill>
+                <a:latin typeface="Arial"/>
+                <a:ea typeface="Arial"/>
+                <a:cs typeface="Arial"/>
+                <a:sym typeface="Arial"/>
               </a:defRPr>
             </a:pPr>
             <a:r>
-              <a:t>    </a:t>
-            </a:r>
-            <a:r>
-              <a:rPr>
-                <a:solidFill>
-                  <a:srgbClr val="3F6E74"/>
-                </a:solidFill>
-              </a:rPr>
-              <a:t>print</a:t>
-            </a:r>
-            <a:r>
-              <a:t>(</a:t>
-            </a:r>
-            <a:r>
-              <a:rPr>
-                <a:solidFill>
-                  <a:srgbClr val="3F6E74"/>
-                </a:solidFill>
-              </a:rPr>
-              <a:t>name</a:t>
-            </a:r>
-            <a:r>
-              <a:t>)</a:t>
+              <a:t>    print(name)</a:t>
             </a:r>
           </a:p>
           <a:p>
-            <a:pPr marL="457200" indent="-317500" defTabSz="457200">
+            <a:pPr marL="393700" indent="-254000" defTabSz="457200">
               <a:lnSpc>
-                <a:spcPts val="2300"/>
+                <a:spcPts val="1700"/>
               </a:lnSpc>
               <a:spcBef>
                 <a:spcPts val="0"/>
@@ -34558,14 +34375,14 @@
               <a:buSzPct val="100000"/>
               <a:buFont typeface="Menlo"/>
               <a:buChar char="•"/>
-              <a:defRPr b="0" sz="900">
-                <a:solidFill>
-                  <a:srgbClr val="333333"/>
-                </a:solidFill>
-                <a:latin typeface="Menlo"/>
-                <a:ea typeface="Menlo"/>
-                <a:cs typeface="Menlo"/>
-                <a:sym typeface="Menlo"/>
+              <a:defRPr b="0" sz="1100">
+                <a:solidFill>
+                  <a:srgbClr val="5C2699"/>
+                </a:solidFill>
+                <a:latin typeface="Arial"/>
+                <a:ea typeface="Arial"/>
+                <a:cs typeface="Arial"/>
+                <a:sym typeface="Arial"/>
               </a:defRPr>
             </a:pPr>
             <a:r>
@@ -34573,9 +34390,9 @@
             </a:r>
           </a:p>
           <a:p>
-            <a:pPr marL="457200" indent="-317500" defTabSz="457200">
+            <a:pPr marL="393700" indent="-254000" defTabSz="457200">
               <a:lnSpc>
-                <a:spcPts val="2300"/>
+                <a:spcPts val="1700"/>
               </a:lnSpc>
               <a:spcBef>
                 <a:spcPts val="0"/>
@@ -34586,29 +34403,24 @@
               <a:buSzPct val="100000"/>
               <a:buFont typeface="Menlo"/>
               <a:buChar char="•"/>
-              <a:defRPr b="0" sz="900">
-                <a:solidFill>
-                  <a:srgbClr val="007400"/>
-                </a:solidFill>
-                <a:latin typeface="Menlo"/>
-                <a:ea typeface="Menlo"/>
-                <a:cs typeface="Menlo"/>
-                <a:sym typeface="Menlo"/>
+              <a:defRPr b="0" sz="1100">
+                <a:solidFill>
+                  <a:srgbClr val="5C2699"/>
+                </a:solidFill>
+                <a:latin typeface="Arial"/>
+                <a:ea typeface="Arial"/>
+                <a:cs typeface="Arial"/>
+                <a:sym typeface="Arial"/>
               </a:defRPr>
             </a:pPr>
             <a:r>
               <a:t>// Anna</a:t>
             </a:r>
-            <a:endParaRPr>
-              <a:solidFill>
-                <a:srgbClr val="333333"/>
-              </a:solidFill>
-            </a:endParaRPr>
           </a:p>
           <a:p>
-            <a:pPr marL="457200" indent="-317500" defTabSz="457200">
+            <a:pPr marL="393700" indent="-254000" defTabSz="457200">
               <a:lnSpc>
-                <a:spcPts val="2300"/>
+                <a:spcPts val="1700"/>
               </a:lnSpc>
               <a:spcBef>
                 <a:spcPts val="0"/>
@@ -34619,29 +34431,24 @@
               <a:buSzPct val="100000"/>
               <a:buFont typeface="Menlo"/>
               <a:buChar char="•"/>
-              <a:defRPr b="0" sz="900">
-                <a:solidFill>
-                  <a:srgbClr val="007400"/>
-                </a:solidFill>
-                <a:latin typeface="Menlo"/>
-                <a:ea typeface="Menlo"/>
-                <a:cs typeface="Menlo"/>
-                <a:sym typeface="Menlo"/>
+              <a:defRPr b="0" sz="1100">
+                <a:solidFill>
+                  <a:srgbClr val="5C2699"/>
+                </a:solidFill>
+                <a:latin typeface="Arial"/>
+                <a:ea typeface="Arial"/>
+                <a:cs typeface="Arial"/>
+                <a:sym typeface="Arial"/>
               </a:defRPr>
             </a:pPr>
             <a:r>
               <a:t>// Alex</a:t>
             </a:r>
-            <a:endParaRPr>
-              <a:solidFill>
-                <a:srgbClr val="333333"/>
-              </a:solidFill>
-            </a:endParaRPr>
           </a:p>
           <a:p>
-            <a:pPr marL="457200" indent="-317500" defTabSz="457200">
+            <a:pPr marL="393700" indent="-254000" defTabSz="457200">
               <a:lnSpc>
-                <a:spcPts val="2300"/>
+                <a:spcPts val="1700"/>
               </a:lnSpc>
               <a:spcBef>
                 <a:spcPts val="0"/>
@@ -34652,24 +34459,19 @@
               <a:buSzPct val="100000"/>
               <a:buFont typeface="Menlo"/>
               <a:buChar char="•"/>
-              <a:defRPr b="0" sz="900">
-                <a:solidFill>
-                  <a:srgbClr val="007400"/>
-                </a:solidFill>
-                <a:latin typeface="Menlo"/>
-                <a:ea typeface="Menlo"/>
-                <a:cs typeface="Menlo"/>
-                <a:sym typeface="Menlo"/>
+              <a:defRPr b="0" sz="1100">
+                <a:solidFill>
+                  <a:srgbClr val="5C2699"/>
+                </a:solidFill>
+                <a:latin typeface="Arial"/>
+                <a:ea typeface="Arial"/>
+                <a:cs typeface="Arial"/>
+                <a:sym typeface="Arial"/>
               </a:defRPr>
             </a:pPr>
             <a:r>
               <a:t>// Brian</a:t>
             </a:r>
-            <a:endParaRPr>
-              <a:solidFill>
-                <a:srgbClr val="333333"/>
-              </a:solidFill>
-            </a:endParaRPr>
           </a:p>
         </p:txBody>
       </p:sp>
@@ -34681,8 +34483,8 @@
         </p:nvSpPr>
         <p:spPr>
           <a:xfrm>
-            <a:off x="4940816" y="3507535"/>
-            <a:ext cx="2350516" cy="1043941"/>
+            <a:off x="4903398" y="3666561"/>
+            <a:ext cx="2093614" cy="1373265"/>
           </a:xfrm>
           <a:prstGeom prst="rect">
             <a:avLst/>
@@ -34702,9 +34504,9 @@
           </a:bodyPr>
           <a:lstStyle/>
           <a:p>
-            <a:pPr marL="457200" indent="-317500" defTabSz="457200">
+            <a:pPr marL="393700" indent="-254000" defTabSz="457200">
               <a:lnSpc>
-                <a:spcPts val="2300"/>
+                <a:spcPts val="1700"/>
               </a:lnSpc>
               <a:spcBef>
                 <a:spcPts val="0"/>
@@ -34715,14 +34517,14 @@
               <a:buSzPct val="100000"/>
               <a:buFont typeface="Menlo"/>
               <a:buChar char="•"/>
-              <a:defRPr b="0" sz="900">
-                <a:solidFill>
-                  <a:srgbClr val="AA0D91"/>
-                </a:solidFill>
-                <a:latin typeface="Menlo"/>
-                <a:ea typeface="Menlo"/>
-                <a:cs typeface="Menlo"/>
-                <a:sym typeface="Menlo"/>
+              <a:defRPr b="0" sz="1100">
+                <a:solidFill>
+                  <a:srgbClr val="5C2699"/>
+                </a:solidFill>
+                <a:latin typeface="Arial"/>
+                <a:ea typeface="Arial"/>
+                <a:cs typeface="Arial"/>
+                <a:sym typeface="Arial"/>
               </a:defRPr>
             </a:pPr>
             <a:r>
@@ -34802,9 +34604,9 @@
             </a:endParaRPr>
           </a:p>
           <a:p>
-            <a:pPr marL="457200" indent="-317500" defTabSz="457200">
+            <a:pPr marL="393700" indent="-254000" defTabSz="457200">
               <a:lnSpc>
-                <a:spcPts val="2300"/>
+                <a:spcPts val="1700"/>
               </a:lnSpc>
               <a:spcBef>
                 <a:spcPts val="0"/>
@@ -34815,14 +34617,14 @@
               <a:buSzPct val="100000"/>
               <a:buFont typeface="Menlo"/>
               <a:buChar char="•"/>
-              <a:defRPr b="0" sz="900">
-                <a:solidFill>
-                  <a:srgbClr val="333333"/>
-                </a:solidFill>
-                <a:latin typeface="Menlo"/>
-                <a:ea typeface="Menlo"/>
-                <a:cs typeface="Menlo"/>
-                <a:sym typeface="Menlo"/>
+              <a:defRPr b="0" sz="1100">
+                <a:solidFill>
+                  <a:srgbClr val="5C2699"/>
+                </a:solidFill>
+                <a:latin typeface="Arial"/>
+                <a:ea typeface="Arial"/>
+                <a:cs typeface="Arial"/>
+                <a:sym typeface="Arial"/>
               </a:defRPr>
             </a:pPr>
             <a:r>
@@ -34852,9 +34654,9 @@
             </a:r>
           </a:p>
           <a:p>
-            <a:pPr marL="457200" indent="-317500" defTabSz="457200">
+            <a:pPr marL="393700" indent="-254000" defTabSz="457200">
               <a:lnSpc>
-                <a:spcPts val="2300"/>
+                <a:spcPts val="1700"/>
               </a:lnSpc>
               <a:spcBef>
                 <a:spcPts val="0"/>
@@ -34865,14 +34667,14 @@
               <a:buSzPct val="100000"/>
               <a:buFont typeface="Menlo"/>
               <a:buChar char="•"/>
-              <a:defRPr b="0" sz="900">
-                <a:solidFill>
-                  <a:srgbClr val="333333"/>
-                </a:solidFill>
-                <a:latin typeface="Menlo"/>
-                <a:ea typeface="Menlo"/>
-                <a:cs typeface="Menlo"/>
-                <a:sym typeface="Menlo"/>
+              <a:defRPr b="0" sz="1100">
+                <a:solidFill>
+                  <a:srgbClr val="5C2699"/>
+                </a:solidFill>
+                <a:latin typeface="Arial"/>
+                <a:ea typeface="Arial"/>
+                <a:cs typeface="Arial"/>
+                <a:sym typeface="Arial"/>
               </a:defRPr>
             </a:pPr>
             <a:r>
@@ -34880,9 +34682,9 @@
             </a:r>
           </a:p>
           <a:p>
-            <a:pPr marL="457200" indent="-317500" defTabSz="457200">
+            <a:pPr marL="393700" indent="-254000" defTabSz="457200">
               <a:lnSpc>
-                <a:spcPts val="2300"/>
+                <a:spcPts val="1700"/>
               </a:lnSpc>
               <a:spcBef>
                 <a:spcPts val="0"/>
@@ -34893,14 +34695,14 @@
               <a:buSzPct val="100000"/>
               <a:buFont typeface="Menlo"/>
               <a:buChar char="•"/>
-              <a:defRPr b="0" sz="900">
-                <a:solidFill>
-                  <a:srgbClr val="007400"/>
-                </a:solidFill>
-                <a:latin typeface="Menlo"/>
-                <a:ea typeface="Menlo"/>
-                <a:cs typeface="Menlo"/>
-                <a:sym typeface="Menlo"/>
+              <a:defRPr b="0" sz="1100">
+                <a:solidFill>
+                  <a:srgbClr val="5C2699"/>
+                </a:solidFill>
+                <a:latin typeface="Arial"/>
+                <a:ea typeface="Arial"/>
+                <a:cs typeface="Arial"/>
+                <a:sym typeface="Arial"/>
               </a:defRPr>
             </a:pPr>
             <a:r>
@@ -34913,9 +34715,9 @@
             </a:endParaRPr>
           </a:p>
           <a:p>
-            <a:pPr marL="457200" indent="-317500" defTabSz="457200">
+            <a:pPr marL="393700" indent="-254000" defTabSz="457200">
               <a:lnSpc>
-                <a:spcPts val="2300"/>
+                <a:spcPts val="1700"/>
               </a:lnSpc>
               <a:spcBef>
                 <a:spcPts val="0"/>
@@ -34926,14 +34728,14 @@
               <a:buSzPct val="100000"/>
               <a:buFont typeface="Menlo"/>
               <a:buChar char="•"/>
-              <a:defRPr b="0" sz="900">
-                <a:solidFill>
-                  <a:srgbClr val="007400"/>
-                </a:solidFill>
-                <a:latin typeface="Menlo"/>
-                <a:ea typeface="Menlo"/>
-                <a:cs typeface="Menlo"/>
-                <a:sym typeface="Menlo"/>
+              <a:defRPr b="0" sz="1100">
+                <a:solidFill>
+                  <a:srgbClr val="5C2699"/>
+                </a:solidFill>
+                <a:latin typeface="Arial"/>
+                <a:ea typeface="Arial"/>
+                <a:cs typeface="Arial"/>
+                <a:sym typeface="Arial"/>
               </a:defRPr>
             </a:pPr>
             <a:r>
@@ -35091,7 +34893,7 @@
         <p:spPr>
           <a:xfrm>
             <a:off x="530181" y="1158642"/>
-            <a:ext cx="2419330" cy="929641"/>
+            <a:ext cx="2431079" cy="1157366"/>
           </a:xfrm>
           <a:prstGeom prst="rect">
             <a:avLst/>
@@ -35111,9 +34913,9 @@
           </a:bodyPr>
           <a:lstStyle/>
           <a:p>
-            <a:pPr marL="457200" indent="-317500" defTabSz="457200">
+            <a:pPr marL="527755" indent="-388055" defTabSz="457200">
               <a:lnSpc>
-                <a:spcPts val="2400"/>
+                <a:spcPts val="1700"/>
               </a:lnSpc>
               <a:spcBef>
                 <a:spcPts val="0"/>
@@ -35124,14 +34926,14 @@
               <a:buSzPct val="100000"/>
               <a:buFont typeface="Menlo"/>
               <a:buChar char="•"/>
-              <a:defRPr b="0" sz="900">
-                <a:solidFill>
-                  <a:srgbClr val="3F6E74"/>
-                </a:solidFill>
-                <a:latin typeface="Menlo"/>
-                <a:ea typeface="Menlo"/>
-                <a:cs typeface="Menlo"/>
-                <a:sym typeface="Menlo"/>
+              <a:defRPr b="0" sz="1100">
+                <a:solidFill>
+                  <a:srgbClr val="5C2699"/>
+                </a:solidFill>
+                <a:latin typeface="Arial"/>
+                <a:ea typeface="Arial"/>
+                <a:cs typeface="Arial"/>
+                <a:sym typeface="Arial"/>
               </a:defRPr>
             </a:pPr>
             <a:r>
@@ -35176,9 +34978,9 @@
             </a:endParaRPr>
           </a:p>
           <a:p>
-            <a:pPr marL="457200" indent="-317500" defTabSz="457200">
+            <a:pPr marL="527755" indent="-388055" defTabSz="457200">
               <a:lnSpc>
-                <a:spcPts val="2400"/>
+                <a:spcPts val="1700"/>
               </a:lnSpc>
               <a:spcBef>
                 <a:spcPts val="0"/>
@@ -35189,14 +34991,14 @@
               <a:buSzPct val="100000"/>
               <a:buFont typeface="Menlo"/>
               <a:buChar char="•"/>
-              <a:defRPr b="0" sz="900">
-                <a:solidFill>
-                  <a:srgbClr val="3F6E74"/>
-                </a:solidFill>
-                <a:latin typeface="Menlo"/>
-                <a:ea typeface="Menlo"/>
-                <a:cs typeface="Menlo"/>
-                <a:sym typeface="Menlo"/>
+              <a:defRPr b="0" sz="1100">
+                <a:solidFill>
+                  <a:srgbClr val="5C2699"/>
+                </a:solidFill>
+                <a:latin typeface="Arial"/>
+                <a:ea typeface="Arial"/>
+                <a:cs typeface="Arial"/>
+                <a:sym typeface="Arial"/>
               </a:defRPr>
             </a:pPr>
             <a:r>
@@ -35233,9 +35035,9 @@
             </a:endParaRPr>
           </a:p>
           <a:p>
-            <a:pPr marL="457200" indent="-317500" defTabSz="457200">
+            <a:pPr marL="527755" indent="-388055" defTabSz="457200">
               <a:lnSpc>
-                <a:spcPts val="2400"/>
+                <a:spcPts val="1700"/>
               </a:lnSpc>
               <a:spcBef>
                 <a:spcPts val="0"/>
@@ -35246,14 +35048,14 @@
               <a:buSzPct val="100000"/>
               <a:buFont typeface="Menlo"/>
               <a:buChar char="•"/>
-              <a:defRPr b="0" sz="900">
-                <a:solidFill>
-                  <a:srgbClr val="C41A16"/>
-                </a:solidFill>
-                <a:latin typeface="Menlo"/>
-                <a:ea typeface="Menlo"/>
-                <a:cs typeface="Menlo"/>
-                <a:sym typeface="Menlo"/>
+              <a:defRPr b="0" sz="1100">
+                <a:solidFill>
+                  <a:srgbClr val="5C2699"/>
+                </a:solidFill>
+                <a:latin typeface="Arial"/>
+                <a:ea typeface="Arial"/>
+                <a:cs typeface="Arial"/>
+                <a:sym typeface="Arial"/>
               </a:defRPr>
             </a:pPr>
             <a:r>
@@ -35298,9 +35100,9 @@
             </a:endParaRPr>
           </a:p>
           <a:p>
-            <a:pPr marL="457200" indent="-317500" defTabSz="457200">
+            <a:pPr marL="527755" indent="-388055" defTabSz="457200">
               <a:lnSpc>
-                <a:spcPts val="2400"/>
+                <a:spcPts val="1700"/>
               </a:lnSpc>
               <a:spcBef>
                 <a:spcPts val="0"/>
@@ -35311,14 +35113,14 @@
               <a:buSzPct val="100000"/>
               <a:buFont typeface="Menlo"/>
               <a:buChar char="•"/>
-              <a:defRPr b="0" sz="900">
-                <a:solidFill>
-                  <a:srgbClr val="333333"/>
-                </a:solidFill>
-                <a:latin typeface="Menlo"/>
-                <a:ea typeface="Menlo"/>
-                <a:cs typeface="Menlo"/>
-                <a:sym typeface="Menlo"/>
+              <a:defRPr b="0" sz="1100">
+                <a:solidFill>
+                  <a:srgbClr val="5C2699"/>
+                </a:solidFill>
+                <a:latin typeface="Arial"/>
+                <a:ea typeface="Arial"/>
+                <a:cs typeface="Arial"/>
+                <a:sym typeface="Arial"/>
               </a:defRPr>
             </a:pPr>
             <a:r>
@@ -35326,9 +35128,9 @@
             </a:r>
           </a:p>
           <a:p>
-            <a:pPr marL="457200" indent="-317500" defTabSz="457200">
+            <a:pPr marL="527755" indent="-388055" defTabSz="457200">
               <a:lnSpc>
-                <a:spcPts val="2400"/>
+                <a:spcPts val="1700"/>
               </a:lnSpc>
               <a:spcBef>
                 <a:spcPts val="0"/>
@@ -35339,14 +35141,14 @@
               <a:buSzPct val="100000"/>
               <a:buFont typeface="Menlo"/>
               <a:buChar char="•"/>
-              <a:defRPr b="0" sz="900">
-                <a:solidFill>
-                  <a:srgbClr val="007400"/>
-                </a:solidFill>
-                <a:latin typeface="Menlo"/>
-                <a:ea typeface="Menlo"/>
-                <a:cs typeface="Menlo"/>
-                <a:sym typeface="Menlo"/>
+              <a:defRPr b="0" sz="1100">
+                <a:solidFill>
+                  <a:srgbClr val="5C2699"/>
+                </a:solidFill>
+                <a:latin typeface="Arial"/>
+                <a:ea typeface="Arial"/>
+                <a:cs typeface="Arial"/>
+                <a:sym typeface="Arial"/>
               </a:defRPr>
             </a:pPr>
             <a:r>
@@ -35364,7 +35166,7 @@
         <p:spPr>
           <a:xfrm>
             <a:off x="542054" y="2743885"/>
-            <a:ext cx="3382731" cy="1463041"/>
+            <a:ext cx="3412117" cy="1805065"/>
           </a:xfrm>
           <a:prstGeom prst="rect">
             <a:avLst/>
@@ -35384,9 +35186,9 @@
           </a:bodyPr>
           <a:lstStyle/>
           <a:p>
-            <a:pPr marL="457200" indent="-317500" defTabSz="457200">
+            <a:pPr marL="527755" indent="-388055" defTabSz="457200">
               <a:lnSpc>
-                <a:spcPts val="2400"/>
+                <a:spcPts val="1700"/>
               </a:lnSpc>
               <a:spcBef>
                 <a:spcPts val="0"/>
@@ -35397,14 +35199,14 @@
               <a:buSzPct val="100000"/>
               <a:buFont typeface="Menlo"/>
               <a:buChar char="•"/>
-              <a:defRPr b="0" sz="900">
-                <a:solidFill>
-                  <a:srgbClr val="3F6E74"/>
-                </a:solidFill>
-                <a:latin typeface="Menlo"/>
-                <a:ea typeface="Menlo"/>
-                <a:cs typeface="Menlo"/>
-                <a:sym typeface="Menlo"/>
+              <a:defRPr b="0" sz="1100">
+                <a:solidFill>
+                  <a:srgbClr val="5C2699"/>
+                </a:solidFill>
+                <a:latin typeface="Arial"/>
+                <a:ea typeface="Arial"/>
+                <a:cs typeface="Arial"/>
+                <a:sym typeface="Arial"/>
               </a:defRPr>
             </a:pPr>
             <a:r>
@@ -35449,9 +35251,9 @@
             </a:endParaRPr>
           </a:p>
           <a:p>
-            <a:pPr marL="457200" indent="-317500" defTabSz="457200">
+            <a:pPr marL="527755" indent="-388055" defTabSz="457200">
               <a:lnSpc>
-                <a:spcPts val="2400"/>
+                <a:spcPts val="1700"/>
               </a:lnSpc>
               <a:spcBef>
                 <a:spcPts val="0"/>
@@ -35462,14 +35264,14 @@
               <a:buSzPct val="100000"/>
               <a:buFont typeface="Menlo"/>
               <a:buChar char="•"/>
-              <a:defRPr b="0" sz="900">
-                <a:solidFill>
-                  <a:srgbClr val="3F6E74"/>
-                </a:solidFill>
-                <a:latin typeface="Menlo"/>
-                <a:ea typeface="Menlo"/>
-                <a:cs typeface="Menlo"/>
-                <a:sym typeface="Menlo"/>
+              <a:defRPr b="0" sz="1100">
+                <a:solidFill>
+                  <a:srgbClr val="5C2699"/>
+                </a:solidFill>
+                <a:latin typeface="Arial"/>
+                <a:ea typeface="Arial"/>
+                <a:cs typeface="Arial"/>
+                <a:sym typeface="Arial"/>
               </a:defRPr>
             </a:pPr>
             <a:r>
@@ -35514,9 +35316,9 @@
             </a:endParaRPr>
           </a:p>
           <a:p>
-            <a:pPr marL="457200" indent="-317500" defTabSz="457200">
+            <a:pPr marL="527755" indent="-388055" defTabSz="457200">
               <a:lnSpc>
-                <a:spcPts val="2400"/>
+                <a:spcPts val="1700"/>
               </a:lnSpc>
               <a:spcBef>
                 <a:spcPts val="0"/>
@@ -35527,14 +35329,14 @@
               <a:buSzPct val="100000"/>
               <a:buFont typeface="Menlo"/>
               <a:buChar char="•"/>
-              <a:defRPr b="0" sz="900">
-                <a:solidFill>
-                  <a:srgbClr val="3F6E74"/>
-                </a:solidFill>
-                <a:latin typeface="Menlo"/>
-                <a:ea typeface="Menlo"/>
-                <a:cs typeface="Menlo"/>
-                <a:sym typeface="Menlo"/>
+              <a:defRPr b="0" sz="1100">
+                <a:solidFill>
+                  <a:srgbClr val="5C2699"/>
+                </a:solidFill>
+                <a:latin typeface="Arial"/>
+                <a:ea typeface="Arial"/>
+                <a:cs typeface="Arial"/>
+                <a:sym typeface="Arial"/>
               </a:defRPr>
             </a:pPr>
             <a:r>
@@ -35582,9 +35384,9 @@
             </a:endParaRPr>
           </a:p>
           <a:p>
-            <a:pPr marL="457200" indent="-317500" defTabSz="457200">
+            <a:pPr marL="527755" indent="-388055" defTabSz="457200">
               <a:lnSpc>
-                <a:spcPts val="2400"/>
+                <a:spcPts val="1700"/>
               </a:lnSpc>
               <a:spcBef>
                 <a:spcPts val="0"/>
@@ -35595,14 +35397,14 @@
               <a:buSzPct val="100000"/>
               <a:buFont typeface="Menlo"/>
               <a:buChar char="•"/>
-              <a:defRPr b="0" sz="900">
-                <a:solidFill>
-                  <a:srgbClr val="C41A16"/>
-                </a:solidFill>
-                <a:latin typeface="Menlo"/>
-                <a:ea typeface="Menlo"/>
-                <a:cs typeface="Menlo"/>
-                <a:sym typeface="Menlo"/>
+              <a:defRPr b="0" sz="1100">
+                <a:solidFill>
+                  <a:srgbClr val="5C2699"/>
+                </a:solidFill>
+                <a:latin typeface="Arial"/>
+                <a:ea typeface="Arial"/>
+                <a:cs typeface="Arial"/>
+                <a:sym typeface="Arial"/>
               </a:defRPr>
             </a:pPr>
             <a:r>
@@ -35647,9 +35449,9 @@
             </a:endParaRPr>
           </a:p>
           <a:p>
-            <a:pPr marL="457200" indent="-317500" defTabSz="457200">
+            <a:pPr marL="527755" indent="-388055" defTabSz="457200">
               <a:lnSpc>
-                <a:spcPts val="2400"/>
+                <a:spcPts val="1700"/>
               </a:lnSpc>
               <a:spcBef>
                 <a:spcPts val="0"/>
@@ -35660,14 +35462,14 @@
               <a:buSzPct val="100000"/>
               <a:buFont typeface="Menlo"/>
               <a:buChar char="•"/>
-              <a:defRPr b="0" sz="900">
-                <a:solidFill>
-                  <a:srgbClr val="333333"/>
-                </a:solidFill>
-                <a:latin typeface="Menlo"/>
-                <a:ea typeface="Menlo"/>
-                <a:cs typeface="Menlo"/>
-                <a:sym typeface="Menlo"/>
+              <a:defRPr b="0" sz="1100">
+                <a:solidFill>
+                  <a:srgbClr val="5C2699"/>
+                </a:solidFill>
+                <a:latin typeface="Arial"/>
+                <a:ea typeface="Arial"/>
+                <a:cs typeface="Arial"/>
+                <a:sym typeface="Arial"/>
               </a:defRPr>
             </a:pPr>
             <a:r>
@@ -35686,9 +35488,9 @@
             </a:r>
           </a:p>
           <a:p>
-            <a:pPr marL="457200" indent="-317500" defTabSz="457200">
+            <a:pPr marL="527755" indent="-388055" defTabSz="457200">
               <a:lnSpc>
-                <a:spcPts val="2400"/>
+                <a:spcPts val="1700"/>
               </a:lnSpc>
               <a:spcBef>
                 <a:spcPts val="0"/>
@@ -35699,14 +35501,14 @@
               <a:buSzPct val="100000"/>
               <a:buFont typeface="Menlo"/>
               <a:buChar char="•"/>
-              <a:defRPr b="0" sz="900">
-                <a:solidFill>
-                  <a:srgbClr val="C41A16"/>
-                </a:solidFill>
-                <a:latin typeface="Menlo"/>
-                <a:ea typeface="Menlo"/>
-                <a:cs typeface="Menlo"/>
-                <a:sym typeface="Menlo"/>
+              <a:defRPr b="0" sz="1100">
+                <a:solidFill>
+                  <a:srgbClr val="5C2699"/>
+                </a:solidFill>
+                <a:latin typeface="Arial"/>
+                <a:ea typeface="Arial"/>
+                <a:cs typeface="Arial"/>
+                <a:sym typeface="Arial"/>
               </a:defRPr>
             </a:pPr>
             <a:r>
@@ -35751,9 +35553,9 @@
             </a:endParaRPr>
           </a:p>
           <a:p>
-            <a:pPr marL="457200" indent="-317500" defTabSz="457200">
+            <a:pPr marL="527755" indent="-388055" defTabSz="457200">
               <a:lnSpc>
-                <a:spcPts val="2400"/>
+                <a:spcPts val="1700"/>
               </a:lnSpc>
               <a:spcBef>
                 <a:spcPts val="0"/>
@@ -35764,14 +35566,14 @@
               <a:buSzPct val="100000"/>
               <a:buFont typeface="Menlo"/>
               <a:buChar char="•"/>
-              <a:defRPr b="0" sz="900">
-                <a:solidFill>
-                  <a:srgbClr val="333333"/>
-                </a:solidFill>
-                <a:latin typeface="Menlo"/>
-                <a:ea typeface="Menlo"/>
-                <a:cs typeface="Menlo"/>
-                <a:sym typeface="Menlo"/>
+              <a:defRPr b="0" sz="1100">
+                <a:solidFill>
+                  <a:srgbClr val="5C2699"/>
+                </a:solidFill>
+                <a:latin typeface="Arial"/>
+                <a:ea typeface="Arial"/>
+                <a:cs typeface="Arial"/>
+                <a:sym typeface="Arial"/>
               </a:defRPr>
             </a:pPr>
             <a:r>
@@ -35779,9 +35581,9 @@
             </a:r>
           </a:p>
           <a:p>
-            <a:pPr marL="457200" indent="-317500" defTabSz="457200">
+            <a:pPr marL="527755" indent="-388055" defTabSz="457200">
               <a:lnSpc>
-                <a:spcPts val="2400"/>
+                <a:spcPts val="1700"/>
               </a:lnSpc>
               <a:spcBef>
                 <a:spcPts val="0"/>
@@ -35792,14 +35594,14 @@
               <a:buSzPct val="100000"/>
               <a:buFont typeface="Menlo"/>
               <a:buChar char="•"/>
-              <a:defRPr b="0" sz="900">
-                <a:solidFill>
-                  <a:srgbClr val="007400"/>
-                </a:solidFill>
-                <a:latin typeface="Menlo"/>
-                <a:ea typeface="Menlo"/>
-                <a:cs typeface="Menlo"/>
-                <a:sym typeface="Menlo"/>
+              <a:defRPr b="0" sz="1100">
+                <a:solidFill>
+                  <a:srgbClr val="5C2699"/>
+                </a:solidFill>
+                <a:latin typeface="Arial"/>
+                <a:ea typeface="Arial"/>
+                <a:cs typeface="Arial"/>
+                <a:sym typeface="Arial"/>
               </a:defRPr>
             </a:pPr>
             <a:r>
@@ -35817,7 +35619,7 @@
         <p:spPr>
           <a:xfrm>
             <a:off x="4664859" y="2717082"/>
-            <a:ext cx="3382732" cy="1831341"/>
+            <a:ext cx="3328830" cy="2236865"/>
           </a:xfrm>
           <a:prstGeom prst="rect">
             <a:avLst/>
@@ -35837,9 +35639,9 @@
           </a:bodyPr>
           <a:lstStyle/>
           <a:p>
-            <a:pPr marL="457200" indent="-317500" defTabSz="457200">
+            <a:pPr marL="527755" indent="-388055" defTabSz="457200">
               <a:lnSpc>
-                <a:spcPts val="2400"/>
+                <a:spcPts val="1700"/>
               </a:lnSpc>
               <a:spcBef>
                 <a:spcPts val="0"/>
@@ -35850,14 +35652,14 @@
               <a:buSzPct val="100000"/>
               <a:buFont typeface="Menlo"/>
               <a:buChar char="•"/>
-              <a:defRPr b="0" sz="900">
-                <a:solidFill>
-                  <a:srgbClr val="3F6E74"/>
-                </a:solidFill>
-                <a:latin typeface="Menlo"/>
-                <a:ea typeface="Menlo"/>
-                <a:cs typeface="Menlo"/>
-                <a:sym typeface="Menlo"/>
+              <a:defRPr b="0" sz="1100">
+                <a:solidFill>
+                  <a:srgbClr val="5C2699"/>
+                </a:solidFill>
+                <a:latin typeface="Arial"/>
+                <a:ea typeface="Arial"/>
+                <a:cs typeface="Arial"/>
+                <a:sym typeface="Arial"/>
               </a:defRPr>
             </a:pPr>
             <a:r>
@@ -35902,9 +35704,9 @@
             </a:endParaRPr>
           </a:p>
           <a:p>
-            <a:pPr marL="457200" indent="-317500" defTabSz="457200">
+            <a:pPr marL="527755" indent="-388055" defTabSz="457200">
               <a:lnSpc>
-                <a:spcPts val="2400"/>
+                <a:spcPts val="1700"/>
               </a:lnSpc>
               <a:spcBef>
                 <a:spcPts val="0"/>
@@ -35915,14 +35717,14 @@
               <a:buSzPct val="100000"/>
               <a:buFont typeface="Menlo"/>
               <a:buChar char="•"/>
-              <a:defRPr b="0" sz="900">
-                <a:solidFill>
-                  <a:srgbClr val="3F6E74"/>
-                </a:solidFill>
-                <a:latin typeface="Menlo"/>
-                <a:ea typeface="Menlo"/>
-                <a:cs typeface="Menlo"/>
-                <a:sym typeface="Menlo"/>
+              <a:defRPr b="0" sz="1100">
+                <a:solidFill>
+                  <a:srgbClr val="5C2699"/>
+                </a:solidFill>
+                <a:latin typeface="Arial"/>
+                <a:ea typeface="Arial"/>
+                <a:cs typeface="Arial"/>
+                <a:sym typeface="Arial"/>
               </a:defRPr>
             </a:pPr>
             <a:r>
@@ -35967,9 +35769,9 @@
             </a:endParaRPr>
           </a:p>
           <a:p>
-            <a:pPr marL="457200" indent="-317500" defTabSz="457200">
+            <a:pPr marL="527755" indent="-388055" defTabSz="457200">
               <a:lnSpc>
-                <a:spcPts val="2400"/>
+                <a:spcPts val="1700"/>
               </a:lnSpc>
               <a:spcBef>
                 <a:spcPts val="0"/>
@@ -35980,14 +35782,14 @@
               <a:buSzPct val="100000"/>
               <a:buFont typeface="Menlo"/>
               <a:buChar char="•"/>
-              <a:defRPr b="0" sz="900">
-                <a:solidFill>
-                  <a:srgbClr val="3F6E74"/>
-                </a:solidFill>
-                <a:latin typeface="Menlo"/>
-                <a:ea typeface="Menlo"/>
-                <a:cs typeface="Menlo"/>
-                <a:sym typeface="Menlo"/>
+              <a:defRPr b="0" sz="1100">
+                <a:solidFill>
+                  <a:srgbClr val="5C2699"/>
+                </a:solidFill>
+                <a:latin typeface="Arial"/>
+                <a:ea typeface="Arial"/>
+                <a:cs typeface="Arial"/>
+                <a:sym typeface="Arial"/>
               </a:defRPr>
             </a:pPr>
             <a:r>
@@ -36035,9 +35837,9 @@
             </a:endParaRPr>
           </a:p>
           <a:p>
-            <a:pPr marL="457200" indent="-317500" defTabSz="457200">
+            <a:pPr marL="527755" indent="-388055" defTabSz="457200">
               <a:lnSpc>
-                <a:spcPts val="2400"/>
+                <a:spcPts val="1700"/>
               </a:lnSpc>
               <a:spcBef>
                 <a:spcPts val="0"/>
@@ -36048,14 +35850,14 @@
               <a:buSzPct val="100000"/>
               <a:buFont typeface="Menlo"/>
               <a:buChar char="•"/>
-              <a:defRPr b="0" sz="900">
-                <a:solidFill>
-                  <a:srgbClr val="C41A16"/>
-                </a:solidFill>
-                <a:latin typeface="Menlo"/>
-                <a:ea typeface="Menlo"/>
-                <a:cs typeface="Menlo"/>
-                <a:sym typeface="Menlo"/>
+              <a:defRPr b="0" sz="1100">
+                <a:solidFill>
+                  <a:srgbClr val="5C2699"/>
+                </a:solidFill>
+                <a:latin typeface="Arial"/>
+                <a:ea typeface="Arial"/>
+                <a:cs typeface="Arial"/>
+                <a:sym typeface="Arial"/>
               </a:defRPr>
             </a:pPr>
             <a:r>
@@ -36100,9 +35902,9 @@
             </a:endParaRPr>
           </a:p>
           <a:p>
-            <a:pPr marL="457200" indent="-317500" defTabSz="457200">
+            <a:pPr marL="527755" indent="-388055" defTabSz="457200">
               <a:lnSpc>
-                <a:spcPts val="2400"/>
+                <a:spcPts val="1700"/>
               </a:lnSpc>
               <a:spcBef>
                 <a:spcPts val="0"/>
@@ -36113,14 +35915,14 @@
               <a:buSzPct val="100000"/>
               <a:buFont typeface="Menlo"/>
               <a:buChar char="•"/>
-              <a:defRPr b="0" sz="900">
-                <a:solidFill>
-                  <a:srgbClr val="333333"/>
-                </a:solidFill>
-                <a:latin typeface="Menlo"/>
-                <a:ea typeface="Menlo"/>
-                <a:cs typeface="Menlo"/>
-                <a:sym typeface="Menlo"/>
+              <a:defRPr b="0" sz="1100">
+                <a:solidFill>
+                  <a:srgbClr val="5C2699"/>
+                </a:solidFill>
+                <a:latin typeface="Arial"/>
+                <a:ea typeface="Arial"/>
+                <a:cs typeface="Arial"/>
+                <a:sym typeface="Arial"/>
               </a:defRPr>
             </a:pPr>
             <a:r>
@@ -36139,9 +35941,9 @@
             </a:r>
           </a:p>
           <a:p>
-            <a:pPr marL="457200" indent="-317500" defTabSz="457200">
+            <a:pPr marL="527755" indent="-388055" defTabSz="457200">
               <a:lnSpc>
-                <a:spcPts val="2400"/>
+                <a:spcPts val="1700"/>
               </a:lnSpc>
               <a:spcBef>
                 <a:spcPts val="0"/>
@@ -36152,14 +35954,14 @@
               <a:buSzPct val="100000"/>
               <a:buFont typeface="Menlo"/>
               <a:buChar char="•"/>
-              <a:defRPr b="0" sz="900">
-                <a:solidFill>
-                  <a:srgbClr val="C41A16"/>
-                </a:solidFill>
-                <a:latin typeface="Menlo"/>
-                <a:ea typeface="Menlo"/>
-                <a:cs typeface="Menlo"/>
-                <a:sym typeface="Menlo"/>
+              <a:defRPr b="0" sz="1100">
+                <a:solidFill>
+                  <a:srgbClr val="5C2699"/>
+                </a:solidFill>
+                <a:latin typeface="Arial"/>
+                <a:ea typeface="Arial"/>
+                <a:cs typeface="Arial"/>
+                <a:sym typeface="Arial"/>
               </a:defRPr>
             </a:pPr>
             <a:r>
@@ -36204,9 +36006,9 @@
             </a:endParaRPr>
           </a:p>
           <a:p>
-            <a:pPr marL="457200" indent="-317500" defTabSz="457200">
+            <a:pPr marL="527755" indent="-388055" defTabSz="457200">
               <a:lnSpc>
-                <a:spcPts val="2400"/>
+                <a:spcPts val="1700"/>
               </a:lnSpc>
               <a:spcBef>
                 <a:spcPts val="0"/>
@@ -36217,14 +36019,14 @@
               <a:buSzPct val="100000"/>
               <a:buFont typeface="Menlo"/>
               <a:buChar char="•"/>
-              <a:defRPr b="0" sz="900">
-                <a:solidFill>
-                  <a:srgbClr val="333333"/>
-                </a:solidFill>
-                <a:latin typeface="Menlo"/>
-                <a:ea typeface="Menlo"/>
-                <a:cs typeface="Menlo"/>
-                <a:sym typeface="Menlo"/>
+              <a:defRPr b="0" sz="1100">
+                <a:solidFill>
+                  <a:srgbClr val="5C2699"/>
+                </a:solidFill>
+                <a:latin typeface="Arial"/>
+                <a:ea typeface="Arial"/>
+                <a:cs typeface="Arial"/>
+                <a:sym typeface="Arial"/>
               </a:defRPr>
             </a:pPr>
             <a:r>
@@ -36232,9 +36034,9 @@
             </a:r>
           </a:p>
           <a:p>
-            <a:pPr marL="457200" indent="-317500" defTabSz="457200">
+            <a:pPr marL="527755" indent="-388055" defTabSz="457200">
               <a:lnSpc>
-                <a:spcPts val="2400"/>
+                <a:spcPts val="1700"/>
               </a:lnSpc>
               <a:spcBef>
                 <a:spcPts val="0"/>
@@ -36245,14 +36047,14 @@
               <a:buSzPct val="100000"/>
               <a:buFont typeface="Menlo"/>
               <a:buChar char="•"/>
-              <a:defRPr b="0" sz="900">
-                <a:solidFill>
-                  <a:srgbClr val="007400"/>
-                </a:solidFill>
-                <a:latin typeface="Menlo"/>
-                <a:ea typeface="Menlo"/>
-                <a:cs typeface="Menlo"/>
-                <a:sym typeface="Menlo"/>
+              <a:defRPr b="0" sz="1100">
+                <a:solidFill>
+                  <a:srgbClr val="5C2699"/>
+                </a:solidFill>
+                <a:latin typeface="Arial"/>
+                <a:ea typeface="Arial"/>
+                <a:cs typeface="Arial"/>
+                <a:sym typeface="Arial"/>
               </a:defRPr>
             </a:pPr>
             <a:r>
@@ -36267,19 +36069,19 @@
           <a:p>
             <a:pPr defTabSz="457200">
               <a:lnSpc>
-                <a:spcPts val="2400"/>
+                <a:spcPts val="1700"/>
               </a:lnSpc>
               <a:spcBef>
                 <a:spcPts val="0"/>
               </a:spcBef>
-              <a:defRPr b="0" sz="900">
-                <a:solidFill>
-                  <a:srgbClr val="333333"/>
-                </a:solidFill>
-                <a:latin typeface="+mn-lt"/>
-                <a:ea typeface="+mn-ea"/>
-                <a:cs typeface="+mn-cs"/>
-                <a:sym typeface="Helvetica"/>
+              <a:defRPr b="0" sz="1100">
+                <a:solidFill>
+                  <a:srgbClr val="5C2699"/>
+                </a:solidFill>
+                <a:latin typeface="Arial"/>
+                <a:ea typeface="Arial"/>
+                <a:cs typeface="Arial"/>
+                <a:sym typeface="Arial"/>
               </a:defRPr>
             </a:pPr>
           </a:p>
@@ -36294,7 +36096,7 @@
         <p:spPr>
           <a:xfrm>
             <a:off x="3173306" y="1112789"/>
-            <a:ext cx="6066494" cy="1209041"/>
+            <a:ext cx="6026309" cy="1589166"/>
           </a:xfrm>
           <a:prstGeom prst="rect">
             <a:avLst/>
@@ -36314,9 +36116,9 @@
           </a:bodyPr>
           <a:lstStyle/>
           <a:p>
-            <a:pPr marL="457200" indent="-317500" defTabSz="457200">
+            <a:pPr marL="527755" indent="-388055" defTabSz="457200">
               <a:lnSpc>
-                <a:spcPts val="2300"/>
+                <a:spcPts val="1700"/>
               </a:lnSpc>
               <a:spcBef>
                 <a:spcPts val="0"/>
@@ -36327,14 +36129,14 @@
               <a:buSzPct val="100000"/>
               <a:buFont typeface="Menlo"/>
               <a:buChar char="•"/>
-              <a:defRPr b="0" sz="900">
-                <a:solidFill>
-                  <a:srgbClr val="3F6E74"/>
-                </a:solidFill>
-                <a:latin typeface="Menlo"/>
-                <a:ea typeface="Menlo"/>
-                <a:cs typeface="Menlo"/>
-                <a:sym typeface="Menlo"/>
+              <a:defRPr b="0" sz="1100">
+                <a:solidFill>
+                  <a:srgbClr val="5C2699"/>
+                </a:solidFill>
+                <a:latin typeface="Arial"/>
+                <a:ea typeface="Arial"/>
+                <a:cs typeface="Arial"/>
+                <a:sym typeface="Arial"/>
               </a:defRPr>
             </a:pPr>
             <a:r>
@@ -36404,9 +36206,9 @@
             </a:endParaRPr>
           </a:p>
           <a:p>
-            <a:pPr marL="457200" indent="-317500" defTabSz="457200">
+            <a:pPr marL="527755" indent="-388055" defTabSz="457200">
               <a:lnSpc>
-                <a:spcPts val="2300"/>
+                <a:spcPts val="1700"/>
               </a:lnSpc>
               <a:spcBef>
                 <a:spcPts val="0"/>
@@ -36417,14 +36219,14 @@
               <a:buSzPct val="100000"/>
               <a:buFont typeface="Menlo"/>
               <a:buChar char="•"/>
-              <a:defRPr b="0" sz="900">
-                <a:solidFill>
-                  <a:srgbClr val="C41A16"/>
-                </a:solidFill>
-                <a:latin typeface="Menlo"/>
-                <a:ea typeface="Menlo"/>
-                <a:cs typeface="Menlo"/>
-                <a:sym typeface="Menlo"/>
+              <a:defRPr b="0" sz="1100">
+                <a:solidFill>
+                  <a:srgbClr val="5C2699"/>
+                </a:solidFill>
+                <a:latin typeface="Arial"/>
+                <a:ea typeface="Arial"/>
+                <a:cs typeface="Arial"/>
+                <a:sym typeface="Arial"/>
               </a:defRPr>
             </a:pPr>
             <a:r>
@@ -36469,9 +36271,9 @@
             </a:endParaRPr>
           </a:p>
           <a:p>
-            <a:pPr marL="457200" indent="-317500" defTabSz="457200">
+            <a:pPr marL="527755" indent="-388055" defTabSz="457200">
               <a:lnSpc>
-                <a:spcPts val="2300"/>
+                <a:spcPts val="1700"/>
               </a:lnSpc>
               <a:spcBef>
                 <a:spcPts val="0"/>
@@ -36482,14 +36284,14 @@
               <a:buSzPct val="100000"/>
               <a:buFont typeface="Menlo"/>
               <a:buChar char="•"/>
-              <a:defRPr b="0" sz="900">
-                <a:solidFill>
-                  <a:srgbClr val="333333"/>
-                </a:solidFill>
-                <a:latin typeface="Menlo"/>
-                <a:ea typeface="Menlo"/>
-                <a:cs typeface="Menlo"/>
-                <a:sym typeface="Menlo"/>
+              <a:defRPr b="0" sz="1100">
+                <a:solidFill>
+                  <a:srgbClr val="5C2699"/>
+                </a:solidFill>
+                <a:latin typeface="Arial"/>
+                <a:ea typeface="Arial"/>
+                <a:cs typeface="Arial"/>
+                <a:sym typeface="Arial"/>
               </a:defRPr>
             </a:pPr>
             <a:r>
@@ -36508,9 +36310,9 @@
             </a:r>
           </a:p>
           <a:p>
-            <a:pPr marL="457200" indent="-317500" defTabSz="457200">
+            <a:pPr marL="527755" indent="-388055" defTabSz="457200">
               <a:lnSpc>
-                <a:spcPts val="2300"/>
+                <a:spcPts val="1700"/>
               </a:lnSpc>
               <a:spcBef>
                 <a:spcPts val="0"/>
@@ -36521,14 +36323,14 @@
               <a:buSzPct val="100000"/>
               <a:buFont typeface="Menlo"/>
               <a:buChar char="•"/>
-              <a:defRPr b="0" sz="900">
-                <a:solidFill>
-                  <a:srgbClr val="C41A16"/>
-                </a:solidFill>
-                <a:latin typeface="Menlo"/>
-                <a:ea typeface="Menlo"/>
-                <a:cs typeface="Menlo"/>
-                <a:sym typeface="Menlo"/>
+              <a:defRPr b="0" sz="1100">
+                <a:solidFill>
+                  <a:srgbClr val="5C2699"/>
+                </a:solidFill>
+                <a:latin typeface="Arial"/>
+                <a:ea typeface="Arial"/>
+                <a:cs typeface="Arial"/>
+                <a:sym typeface="Arial"/>
               </a:defRPr>
             </a:pPr>
             <a:r>
@@ -36573,9 +36375,9 @@
             </a:endParaRPr>
           </a:p>
           <a:p>
-            <a:pPr marL="457200" indent="-317500" defTabSz="457200">
+            <a:pPr marL="527755" indent="-388055" defTabSz="457200">
               <a:lnSpc>
-                <a:spcPts val="2300"/>
+                <a:spcPts val="1700"/>
               </a:lnSpc>
               <a:spcBef>
                 <a:spcPts val="0"/>
@@ -36586,14 +36388,14 @@
               <a:buSzPct val="100000"/>
               <a:buFont typeface="Menlo"/>
               <a:buChar char="•"/>
-              <a:defRPr b="0" sz="900">
-                <a:solidFill>
-                  <a:srgbClr val="333333"/>
-                </a:solidFill>
-                <a:latin typeface="Menlo"/>
-                <a:ea typeface="Menlo"/>
-                <a:cs typeface="Menlo"/>
-                <a:sym typeface="Menlo"/>
+              <a:defRPr b="0" sz="1100">
+                <a:solidFill>
+                  <a:srgbClr val="5C2699"/>
+                </a:solidFill>
+                <a:latin typeface="Arial"/>
+                <a:ea typeface="Arial"/>
+                <a:cs typeface="Arial"/>
+                <a:sym typeface="Arial"/>
               </a:defRPr>
             </a:pPr>
             <a:r>
@@ -36601,9 +36403,9 @@
             </a:r>
           </a:p>
           <a:p>
-            <a:pPr marL="457200" indent="-317500" defTabSz="457200">
+            <a:pPr marL="527755" indent="-388055" defTabSz="457200">
               <a:lnSpc>
-                <a:spcPts val="2300"/>
+                <a:spcPts val="1700"/>
               </a:lnSpc>
               <a:spcBef>
                 <a:spcPts val="0"/>
@@ -36614,14 +36416,14 @@
               <a:buSzPct val="100000"/>
               <a:buFont typeface="Menlo"/>
               <a:buChar char="•"/>
-              <a:defRPr b="0" sz="900">
-                <a:solidFill>
-                  <a:srgbClr val="007400"/>
-                </a:solidFill>
-                <a:latin typeface="Menlo"/>
-                <a:ea typeface="Menlo"/>
-                <a:cs typeface="Menlo"/>
-                <a:sym typeface="Menlo"/>
+              <a:defRPr b="0" sz="1100">
+                <a:solidFill>
+                  <a:srgbClr val="5C2699"/>
+                </a:solidFill>
+                <a:latin typeface="Arial"/>
+                <a:ea typeface="Arial"/>
+                <a:cs typeface="Arial"/>
+                <a:sym typeface="Arial"/>
               </a:defRPr>
             </a:pPr>
             <a:r>
@@ -36775,7 +36577,7 @@
         <p:spPr>
           <a:xfrm>
             <a:off x="521312" y="1239075"/>
-            <a:ext cx="5271305" cy="294641"/>
+            <a:ext cx="4449738" cy="388502"/>
           </a:xfrm>
           <a:prstGeom prst="rect">
             <a:avLst/>
@@ -36795,9 +36597,9 @@
           </a:bodyPr>
           <a:lstStyle/>
           <a:p>
-            <a:pPr marL="457200" indent="-317500" defTabSz="457200">
+            <a:pPr marL="502557" indent="-362857" defTabSz="457200">
               <a:lnSpc>
-                <a:spcPts val="3900"/>
+                <a:spcPts val="2500"/>
               </a:lnSpc>
               <a:spcBef>
                 <a:spcPts val="0"/>
@@ -36808,14 +36610,14 @@
               <a:buSzPct val="100000"/>
               <a:buFont typeface="Menlo"/>
               <a:buChar char="•"/>
-              <a:defRPr b="0">
-                <a:solidFill>
-                  <a:srgbClr val="C41A16"/>
-                </a:solidFill>
-                <a:latin typeface="Menlo"/>
-                <a:ea typeface="Menlo"/>
-                <a:cs typeface="Menlo"/>
-                <a:sym typeface="Menlo"/>
+              <a:defRPr b="0" sz="1600">
+                <a:solidFill>
+                  <a:srgbClr val="5C2699"/>
+                </a:solidFill>
+                <a:latin typeface="Arial"/>
+                <a:ea typeface="Arial"/>
+                <a:cs typeface="Arial"/>
+                <a:sym typeface="Arial"/>
               </a:defRPr>
             </a:pPr>
             <a:r>
@@ -36996,7 +36798,7 @@
         <p:spPr>
           <a:xfrm>
             <a:off x="540021" y="1281170"/>
-            <a:ext cx="4896649" cy="1374141"/>
+            <a:ext cx="4494111" cy="1805065"/>
           </a:xfrm>
           <a:prstGeom prst="rect">
             <a:avLst/>
@@ -37016,9 +36818,9 @@
           </a:bodyPr>
           <a:lstStyle/>
           <a:p>
-            <a:pPr marL="457200" indent="-317500" defTabSz="457200">
+            <a:pPr marL="527755" indent="-388055" defTabSz="457200">
               <a:lnSpc>
-                <a:spcPts val="2300"/>
+                <a:spcPts val="1700"/>
               </a:lnSpc>
               <a:spcBef>
                 <a:spcPts val="0"/>
@@ -37029,14 +36831,14 @@
               <a:buSzPct val="100000"/>
               <a:buFont typeface="Menlo"/>
               <a:buChar char="•"/>
-              <a:defRPr b="0" sz="900">
-                <a:solidFill>
-                  <a:srgbClr val="3F6E74"/>
-                </a:solidFill>
-                <a:latin typeface="Menlo"/>
-                <a:ea typeface="Menlo"/>
-                <a:cs typeface="Menlo"/>
-                <a:sym typeface="Menlo"/>
+              <a:defRPr b="0" sz="1100">
+                <a:solidFill>
+                  <a:srgbClr val="5C2699"/>
+                </a:solidFill>
+                <a:latin typeface="Arial"/>
+                <a:ea typeface="Arial"/>
+                <a:cs typeface="Arial"/>
+                <a:sym typeface="Arial"/>
               </a:defRPr>
             </a:pPr>
             <a:r>
@@ -37081,9 +36883,9 @@
             </a:endParaRPr>
           </a:p>
           <a:p>
-            <a:pPr marL="457200" indent="-317500" defTabSz="457200">
+            <a:pPr marL="527755" indent="-388055" defTabSz="457200">
               <a:lnSpc>
-                <a:spcPts val="2300"/>
+                <a:spcPts val="1700"/>
               </a:lnSpc>
               <a:spcBef>
                 <a:spcPts val="0"/>
@@ -37094,14 +36896,14 @@
               <a:buSzPct val="100000"/>
               <a:buFont typeface="Menlo"/>
               <a:buChar char="•"/>
-              <a:defRPr b="0" sz="900">
-                <a:solidFill>
-                  <a:srgbClr val="C41A16"/>
-                </a:solidFill>
-                <a:latin typeface="Menlo"/>
-                <a:ea typeface="Menlo"/>
-                <a:cs typeface="Menlo"/>
-                <a:sym typeface="Menlo"/>
+              <a:defRPr b="0" sz="1100">
+                <a:solidFill>
+                  <a:srgbClr val="5C2699"/>
+                </a:solidFill>
+                <a:latin typeface="Arial"/>
+                <a:ea typeface="Arial"/>
+                <a:cs typeface="Arial"/>
+                <a:sym typeface="Arial"/>
               </a:defRPr>
             </a:pPr>
             <a:r>
@@ -37114,9 +36916,9 @@
             </a:endParaRPr>
           </a:p>
           <a:p>
-            <a:pPr marL="457200" indent="-317500" defTabSz="457200">
+            <a:pPr marL="527755" indent="-388055" defTabSz="457200">
               <a:lnSpc>
-                <a:spcPts val="2300"/>
+                <a:spcPts val="1700"/>
               </a:lnSpc>
               <a:spcBef>
                 <a:spcPts val="0"/>
@@ -37127,14 +36929,14 @@
               <a:buSzPct val="100000"/>
               <a:buFont typeface="Menlo"/>
               <a:buChar char="•"/>
-              <a:defRPr b="0" sz="900">
-                <a:solidFill>
-                  <a:srgbClr val="C41A16"/>
-                </a:solidFill>
-                <a:latin typeface="Menlo"/>
-                <a:ea typeface="Menlo"/>
-                <a:cs typeface="Menlo"/>
-                <a:sym typeface="Menlo"/>
+              <a:defRPr b="0" sz="1100">
+                <a:solidFill>
+                  <a:srgbClr val="5C2699"/>
+                </a:solidFill>
+                <a:latin typeface="Arial"/>
+                <a:ea typeface="Arial"/>
+                <a:cs typeface="Arial"/>
+                <a:sym typeface="Arial"/>
               </a:defRPr>
             </a:pPr>
             <a:r>
@@ -37147,9 +36949,9 @@
             </a:endParaRPr>
           </a:p>
           <a:p>
-            <a:pPr marL="457200" indent="-317500" defTabSz="457200">
+            <a:pPr marL="527755" indent="-388055" defTabSz="457200">
               <a:lnSpc>
-                <a:spcPts val="2300"/>
+                <a:spcPts val="1700"/>
               </a:lnSpc>
               <a:spcBef>
                 <a:spcPts val="0"/>
@@ -37160,21 +36962,21 @@
               <a:buSzPct val="100000"/>
               <a:buFont typeface="Menlo"/>
               <a:buChar char="•"/>
-              <a:defRPr b="0" sz="900">
-                <a:solidFill>
-                  <a:srgbClr val="333333"/>
-                </a:solidFill>
-                <a:latin typeface="Menlo"/>
-                <a:ea typeface="Menlo"/>
-                <a:cs typeface="Menlo"/>
-                <a:sym typeface="Menlo"/>
+              <a:defRPr b="0" sz="1100">
+                <a:solidFill>
+                  <a:srgbClr val="5C2699"/>
+                </a:solidFill>
+                <a:latin typeface="Arial"/>
+                <a:ea typeface="Arial"/>
+                <a:cs typeface="Arial"/>
+                <a:sym typeface="Arial"/>
               </a:defRPr>
             </a:pPr>
           </a:p>
           <a:p>
-            <a:pPr marL="457200" indent="-317500" defTabSz="457200">
+            <a:pPr marL="527755" indent="-388055" defTabSz="457200">
               <a:lnSpc>
-                <a:spcPts val="2300"/>
+                <a:spcPts val="1700"/>
               </a:lnSpc>
               <a:spcBef>
                 <a:spcPts val="0"/>
@@ -37185,14 +36987,14 @@
               <a:buSzPct val="100000"/>
               <a:buFont typeface="Menlo"/>
               <a:buChar char="•"/>
-              <a:defRPr b="0" sz="900">
-                <a:solidFill>
-                  <a:srgbClr val="C41A16"/>
-                </a:solidFill>
-                <a:latin typeface="Menlo"/>
-                <a:ea typeface="Menlo"/>
-                <a:cs typeface="Menlo"/>
-                <a:sym typeface="Menlo"/>
+              <a:defRPr b="0" sz="1100">
+                <a:solidFill>
+                  <a:srgbClr val="5C2699"/>
+                </a:solidFill>
+                <a:latin typeface="Arial"/>
+                <a:ea typeface="Arial"/>
+                <a:cs typeface="Arial"/>
+                <a:sym typeface="Arial"/>
               </a:defRPr>
             </a:pPr>
             <a:r>
@@ -37205,9 +37007,9 @@
             </a:endParaRPr>
           </a:p>
           <a:p>
-            <a:pPr marL="457200" indent="-317500" defTabSz="457200">
+            <a:pPr marL="527755" indent="-388055" defTabSz="457200">
               <a:lnSpc>
-                <a:spcPts val="2300"/>
+                <a:spcPts val="1700"/>
               </a:lnSpc>
               <a:spcBef>
                 <a:spcPts val="0"/>
@@ -37218,14 +37020,14 @@
               <a:buSzPct val="100000"/>
               <a:buFont typeface="Menlo"/>
               <a:buChar char="•"/>
-              <a:defRPr b="0" sz="900">
-                <a:solidFill>
-                  <a:srgbClr val="C41A16"/>
-                </a:solidFill>
-                <a:latin typeface="Menlo"/>
-                <a:ea typeface="Menlo"/>
-                <a:cs typeface="Menlo"/>
-                <a:sym typeface="Menlo"/>
+              <a:defRPr b="0" sz="1100">
+                <a:solidFill>
+                  <a:srgbClr val="5C2699"/>
+                </a:solidFill>
+                <a:latin typeface="Arial"/>
+                <a:ea typeface="Arial"/>
+                <a:cs typeface="Arial"/>
+                <a:sym typeface="Arial"/>
               </a:defRPr>
             </a:pPr>
             <a:r>
@@ -37238,9 +37040,9 @@
             </a:endParaRPr>
           </a:p>
           <a:p>
-            <a:pPr marL="457200" indent="-317500" defTabSz="457200">
+            <a:pPr marL="527755" indent="-388055" defTabSz="457200">
               <a:lnSpc>
-                <a:spcPts val="2300"/>
+                <a:spcPts val="1700"/>
               </a:lnSpc>
               <a:spcBef>
                 <a:spcPts val="0"/>
@@ -37251,14 +37053,14 @@
               <a:buSzPct val="100000"/>
               <a:buFont typeface="Menlo"/>
               <a:buChar char="•"/>
-              <a:defRPr b="0" sz="900">
-                <a:solidFill>
-                  <a:srgbClr val="C41A16"/>
-                </a:solidFill>
-                <a:latin typeface="Menlo"/>
-                <a:ea typeface="Menlo"/>
-                <a:cs typeface="Menlo"/>
-                <a:sym typeface="Menlo"/>
+              <a:defRPr b="0" sz="1100">
+                <a:solidFill>
+                  <a:srgbClr val="5C2699"/>
+                </a:solidFill>
+                <a:latin typeface="Arial"/>
+                <a:ea typeface="Arial"/>
+                <a:cs typeface="Arial"/>
+                <a:sym typeface="Arial"/>
               </a:defRPr>
             </a:pPr>
             <a:r>
@@ -37280,8 +37082,8 @@
         </p:nvSpPr>
         <p:spPr>
           <a:xfrm>
-            <a:off x="572762" y="2934840"/>
-            <a:ext cx="5034277" cy="1209041"/>
+            <a:off x="572762" y="2953548"/>
+            <a:ext cx="4571737" cy="1589166"/>
           </a:xfrm>
           <a:prstGeom prst="rect">
             <a:avLst/>
@@ -37301,9 +37103,9 @@
           </a:bodyPr>
           <a:lstStyle/>
           <a:p>
-            <a:pPr marL="457200" indent="-317500" defTabSz="457200">
+            <a:pPr marL="527755" indent="-388055" defTabSz="457200">
               <a:lnSpc>
-                <a:spcPts val="2300"/>
+                <a:spcPts val="1700"/>
               </a:lnSpc>
               <a:spcBef>
                 <a:spcPts val="0"/>
@@ -37314,14 +37116,14 @@
               <a:buSzPct val="100000"/>
               <a:buFont typeface="Menlo"/>
               <a:buChar char="•"/>
-              <a:defRPr b="0" sz="900">
-                <a:solidFill>
-                  <a:srgbClr val="3F6E74"/>
-                </a:solidFill>
-                <a:latin typeface="Menlo"/>
-                <a:ea typeface="Menlo"/>
-                <a:cs typeface="Menlo"/>
-                <a:sym typeface="Menlo"/>
+              <a:defRPr b="0" sz="1100">
+                <a:solidFill>
+                  <a:srgbClr val="5C2699"/>
+                </a:solidFill>
+                <a:latin typeface="Arial"/>
+                <a:ea typeface="Arial"/>
+                <a:cs typeface="Arial"/>
+                <a:sym typeface="Arial"/>
               </a:defRPr>
             </a:pPr>
             <a:r>
@@ -37366,9 +37168,9 @@
             </a:endParaRPr>
           </a:p>
           <a:p>
-            <a:pPr marL="457200" indent="-317500" defTabSz="457200">
+            <a:pPr marL="527755" indent="-388055" defTabSz="457200">
               <a:lnSpc>
-                <a:spcPts val="2300"/>
+                <a:spcPts val="1700"/>
               </a:lnSpc>
               <a:spcBef>
                 <a:spcPts val="0"/>
@@ -37379,14 +37181,14 @@
               <a:buSzPct val="100000"/>
               <a:buFont typeface="Menlo"/>
               <a:buChar char="•"/>
-              <a:defRPr b="0" sz="900">
-                <a:solidFill>
-                  <a:srgbClr val="C41A16"/>
-                </a:solidFill>
-                <a:latin typeface="Menlo"/>
-                <a:ea typeface="Menlo"/>
-                <a:cs typeface="Menlo"/>
-                <a:sym typeface="Menlo"/>
+              <a:defRPr b="0" sz="1100">
+                <a:solidFill>
+                  <a:srgbClr val="5C2699"/>
+                </a:solidFill>
+                <a:latin typeface="Arial"/>
+                <a:ea typeface="Arial"/>
+                <a:cs typeface="Arial"/>
+                <a:sym typeface="Arial"/>
               </a:defRPr>
             </a:pPr>
             <a:r>
@@ -37399,9 +37201,9 @@
             </a:endParaRPr>
           </a:p>
           <a:p>
-            <a:pPr marL="457200" indent="-317500" defTabSz="457200">
+            <a:pPr marL="527755" indent="-388055" defTabSz="457200">
               <a:lnSpc>
-                <a:spcPts val="2300"/>
+                <a:spcPts val="1700"/>
               </a:lnSpc>
               <a:spcBef>
                 <a:spcPts val="0"/>
@@ -37412,14 +37214,14 @@
               <a:buSzPct val="100000"/>
               <a:buFont typeface="Menlo"/>
               <a:buChar char="•"/>
-              <a:defRPr b="0" sz="900">
-                <a:solidFill>
-                  <a:srgbClr val="C41A16"/>
-                </a:solidFill>
-                <a:latin typeface="Menlo"/>
-                <a:ea typeface="Menlo"/>
-                <a:cs typeface="Menlo"/>
-                <a:sym typeface="Menlo"/>
+              <a:defRPr b="0" sz="1100">
+                <a:solidFill>
+                  <a:srgbClr val="5C2699"/>
+                </a:solidFill>
+                <a:latin typeface="Arial"/>
+                <a:ea typeface="Arial"/>
+                <a:cs typeface="Arial"/>
+                <a:sym typeface="Arial"/>
               </a:defRPr>
             </a:pPr>
             <a:r>
@@ -37432,9 +37234,9 @@
             </a:endParaRPr>
           </a:p>
           <a:p>
-            <a:pPr marL="457200" indent="-317500" defTabSz="457200">
+            <a:pPr marL="527755" indent="-388055" defTabSz="457200">
               <a:lnSpc>
-                <a:spcPts val="2300"/>
+                <a:spcPts val="1700"/>
               </a:lnSpc>
               <a:spcBef>
                 <a:spcPts val="0"/>
@@ -37445,21 +37247,21 @@
               <a:buSzPct val="100000"/>
               <a:buFont typeface="Menlo"/>
               <a:buChar char="•"/>
-              <a:defRPr b="0" sz="900">
-                <a:solidFill>
-                  <a:srgbClr val="333333"/>
-                </a:solidFill>
-                <a:latin typeface="Menlo"/>
-                <a:ea typeface="Menlo"/>
-                <a:cs typeface="Menlo"/>
-                <a:sym typeface="Menlo"/>
+              <a:defRPr b="0" sz="1100">
+                <a:solidFill>
+                  <a:srgbClr val="5C2699"/>
+                </a:solidFill>
+                <a:latin typeface="Arial"/>
+                <a:ea typeface="Arial"/>
+                <a:cs typeface="Arial"/>
+                <a:sym typeface="Arial"/>
               </a:defRPr>
             </a:pPr>
           </a:p>
           <a:p>
-            <a:pPr marL="457200" indent="-317500" defTabSz="457200">
+            <a:pPr marL="527755" indent="-388055" defTabSz="457200">
               <a:lnSpc>
-                <a:spcPts val="2300"/>
+                <a:spcPts val="1700"/>
               </a:lnSpc>
               <a:spcBef>
                 <a:spcPts val="0"/>
@@ -37470,14 +37272,14 @@
               <a:buSzPct val="100000"/>
               <a:buFont typeface="Menlo"/>
               <a:buChar char="•"/>
-              <a:defRPr b="0" sz="900">
-                <a:solidFill>
-                  <a:srgbClr val="C41A16"/>
-                </a:solidFill>
-                <a:latin typeface="Menlo"/>
-                <a:ea typeface="Menlo"/>
-                <a:cs typeface="Menlo"/>
-                <a:sym typeface="Menlo"/>
+              <a:defRPr b="0" sz="1100">
+                <a:solidFill>
+                  <a:srgbClr val="5C2699"/>
+                </a:solidFill>
+                <a:latin typeface="Arial"/>
+                <a:ea typeface="Arial"/>
+                <a:cs typeface="Arial"/>
+                <a:sym typeface="Arial"/>
               </a:defRPr>
             </a:pPr>
             <a:r>
@@ -37490,9 +37292,9 @@
             </a:endParaRPr>
           </a:p>
           <a:p>
-            <a:pPr marL="457200" indent="-317500" defTabSz="457200">
+            <a:pPr marL="527755" indent="-388055" defTabSz="457200">
               <a:lnSpc>
-                <a:spcPts val="2300"/>
+                <a:spcPts val="1700"/>
               </a:lnSpc>
               <a:spcBef>
                 <a:spcPts val="0"/>
@@ -37503,14 +37305,14 @@
               <a:buSzPct val="100000"/>
               <a:buFont typeface="Menlo"/>
               <a:buChar char="•"/>
-              <a:defRPr b="0" sz="900">
-                <a:solidFill>
-                  <a:srgbClr val="C41A16"/>
-                </a:solidFill>
-                <a:latin typeface="Menlo"/>
-                <a:ea typeface="Menlo"/>
-                <a:cs typeface="Menlo"/>
-                <a:sym typeface="Menlo"/>
+              <a:defRPr b="0" sz="1100">
+                <a:solidFill>
+                  <a:srgbClr val="5C2699"/>
+                </a:solidFill>
+                <a:latin typeface="Arial"/>
+                <a:ea typeface="Arial"/>
+                <a:cs typeface="Arial"/>
+                <a:sym typeface="Arial"/>
               </a:defRPr>
             </a:pPr>
             <a:r>
@@ -37523,9 +37325,9 @@
             </a:endParaRPr>
           </a:p>
           <a:p>
-            <a:pPr marL="457200" indent="-317500" defTabSz="457200">
+            <a:pPr marL="527755" indent="-388055" defTabSz="457200">
               <a:lnSpc>
-                <a:spcPts val="2300"/>
+                <a:spcPts val="1700"/>
               </a:lnSpc>
               <a:spcBef>
                 <a:spcPts val="0"/>
@@ -37536,14 +37338,14 @@
               <a:buSzPct val="100000"/>
               <a:buFont typeface="Menlo"/>
               <a:buChar char="•"/>
-              <a:defRPr b="0" sz="900">
-                <a:solidFill>
-                  <a:srgbClr val="C41A16"/>
-                </a:solidFill>
-                <a:latin typeface="Menlo"/>
-                <a:ea typeface="Menlo"/>
-                <a:cs typeface="Menlo"/>
-                <a:sym typeface="Menlo"/>
+              <a:defRPr b="0" sz="1100">
+                <a:solidFill>
+                  <a:srgbClr val="5C2699"/>
+                </a:solidFill>
+                <a:latin typeface="Arial"/>
+                <a:ea typeface="Arial"/>
+                <a:cs typeface="Arial"/>
+                <a:sym typeface="Arial"/>
               </a:defRPr>
             </a:pPr>
             <a:r>
@@ -37692,7 +37494,7 @@
         <p:spPr>
           <a:xfrm>
             <a:off x="540021" y="1281170"/>
-            <a:ext cx="5378350" cy="713741"/>
+            <a:ext cx="6983165" cy="1341002"/>
           </a:xfrm>
           <a:prstGeom prst="rect">
             <a:avLst/>
@@ -37712,9 +37514,9 @@
           </a:bodyPr>
           <a:lstStyle/>
           <a:p>
-            <a:pPr marL="457200" indent="-317500" defTabSz="457200">
+            <a:pPr marL="704144" indent="-564444" defTabSz="457200">
               <a:lnSpc>
-                <a:spcPts val="2300"/>
+                <a:spcPts val="2500"/>
               </a:lnSpc>
               <a:spcBef>
                 <a:spcPts val="0"/>
@@ -37725,14 +37527,14 @@
               <a:buSzPct val="100000"/>
               <a:buFont typeface="Menlo"/>
               <a:buChar char="•"/>
-              <a:defRPr b="0" sz="900">
-                <a:solidFill>
-                  <a:srgbClr val="007400"/>
-                </a:solidFill>
-                <a:latin typeface="Menlo"/>
-                <a:ea typeface="Menlo"/>
-                <a:cs typeface="Menlo"/>
-                <a:sym typeface="Menlo"/>
+              <a:defRPr b="0" sz="1600">
+                <a:solidFill>
+                  <a:srgbClr val="5C2699"/>
+                </a:solidFill>
+                <a:latin typeface="Arial"/>
+                <a:ea typeface="Arial"/>
+                <a:cs typeface="Arial"/>
+                <a:sym typeface="Arial"/>
               </a:defRPr>
             </a:pPr>
             <a:r>
@@ -37793,9 +37595,9 @@
             </a:endParaRPr>
           </a:p>
           <a:p>
-            <a:pPr marL="457200" indent="-317500" defTabSz="457200">
+            <a:pPr marL="704144" indent="-564444" defTabSz="457200">
               <a:lnSpc>
-                <a:spcPts val="2300"/>
+                <a:spcPts val="2500"/>
               </a:lnSpc>
               <a:spcBef>
                 <a:spcPts val="0"/>
@@ -37806,14 +37608,14 @@
               <a:buSzPct val="100000"/>
               <a:buFont typeface="Menlo"/>
               <a:buChar char="•"/>
-              <a:defRPr b="0" sz="900">
-                <a:solidFill>
-                  <a:srgbClr val="007400"/>
-                </a:solidFill>
-                <a:latin typeface="Menlo"/>
-                <a:ea typeface="Menlo"/>
-                <a:cs typeface="Menlo"/>
-                <a:sym typeface="Menlo"/>
+              <a:defRPr b="0" sz="1600">
+                <a:solidFill>
+                  <a:srgbClr val="5C2699"/>
+                </a:solidFill>
+                <a:latin typeface="Arial"/>
+                <a:ea typeface="Arial"/>
+                <a:cs typeface="Arial"/>
+                <a:sym typeface="Arial"/>
               </a:defRPr>
             </a:pPr>
             <a:r>
@@ -37874,9 +37676,9 @@
             </a:endParaRPr>
           </a:p>
           <a:p>
-            <a:pPr marL="457200" indent="-317500" defTabSz="457200">
+            <a:pPr marL="704144" indent="-564444" defTabSz="457200">
               <a:lnSpc>
-                <a:spcPts val="2300"/>
+                <a:spcPts val="2500"/>
               </a:lnSpc>
               <a:spcBef>
                 <a:spcPts val="0"/>
@@ -37887,14 +37689,14 @@
               <a:buSzPct val="100000"/>
               <a:buFont typeface="Menlo"/>
               <a:buChar char="•"/>
-              <a:defRPr b="0" sz="900">
-                <a:solidFill>
-                  <a:srgbClr val="007400"/>
-                </a:solidFill>
-                <a:latin typeface="Menlo"/>
-                <a:ea typeface="Menlo"/>
-                <a:cs typeface="Menlo"/>
-                <a:sym typeface="Menlo"/>
+              <a:defRPr b="0" sz="1600">
+                <a:solidFill>
+                  <a:srgbClr val="5C2699"/>
+                </a:solidFill>
+                <a:latin typeface="Arial"/>
+                <a:ea typeface="Arial"/>
+                <a:cs typeface="Arial"/>
+                <a:sym typeface="Arial"/>
               </a:defRPr>
             </a:pPr>
             <a:r>
@@ -37916,8 +37718,8 @@
         </p:nvSpPr>
         <p:spPr>
           <a:xfrm>
-            <a:off x="563408" y="2345507"/>
-            <a:ext cx="2832216" cy="713741"/>
+            <a:off x="563408" y="2766459"/>
+            <a:ext cx="3538983" cy="1341002"/>
           </a:xfrm>
           <a:prstGeom prst="rect">
             <a:avLst/>
@@ -37937,9 +37739,9 @@
           </a:bodyPr>
           <a:lstStyle/>
           <a:p>
-            <a:pPr marL="457200" indent="-317500" defTabSz="457200">
+            <a:pPr marL="704144" indent="-564444" defTabSz="457200">
               <a:lnSpc>
-                <a:spcPts val="2300"/>
+                <a:spcPts val="2500"/>
               </a:lnSpc>
               <a:spcBef>
                 <a:spcPts val="0"/>
@@ -37950,14 +37752,14 @@
               <a:buSzPct val="100000"/>
               <a:buFont typeface="Menlo"/>
               <a:buChar char="•"/>
-              <a:defRPr b="0" sz="900">
-                <a:solidFill>
-                  <a:srgbClr val="3F6E74"/>
-                </a:solidFill>
-                <a:latin typeface="Menlo"/>
-                <a:ea typeface="Menlo"/>
-                <a:cs typeface="Menlo"/>
-                <a:sym typeface="Menlo"/>
+              <a:defRPr b="0" sz="1600">
+                <a:solidFill>
+                  <a:srgbClr val="5C2699"/>
+                </a:solidFill>
+                <a:latin typeface="Arial"/>
+                <a:ea typeface="Arial"/>
+                <a:cs typeface="Arial"/>
+                <a:sym typeface="Arial"/>
               </a:defRPr>
             </a:pPr>
             <a:r>
@@ -38005,9 +37807,9 @@
             </a:endParaRPr>
           </a:p>
           <a:p>
-            <a:pPr marL="457200" indent="-317500" defTabSz="457200">
+            <a:pPr marL="704144" indent="-564444" defTabSz="457200">
               <a:lnSpc>
-                <a:spcPts val="2300"/>
+                <a:spcPts val="2500"/>
               </a:lnSpc>
               <a:spcBef>
                 <a:spcPts val="0"/>
@@ -38018,14 +37820,14 @@
               <a:buSzPct val="100000"/>
               <a:buFont typeface="Menlo"/>
               <a:buChar char="•"/>
-              <a:defRPr b="0" sz="900">
-                <a:solidFill>
-                  <a:srgbClr val="C41A16"/>
-                </a:solidFill>
-                <a:latin typeface="Menlo"/>
-                <a:ea typeface="Menlo"/>
-                <a:cs typeface="Menlo"/>
-                <a:sym typeface="Menlo"/>
+              <a:defRPr b="0" sz="1600">
+                <a:solidFill>
+                  <a:srgbClr val="5C2699"/>
+                </a:solidFill>
+                <a:latin typeface="Arial"/>
+                <a:ea typeface="Arial"/>
+                <a:cs typeface="Arial"/>
+                <a:sym typeface="Arial"/>
               </a:defRPr>
             </a:pPr>
             <a:r>
@@ -38070,9 +37872,9 @@
             </a:endParaRPr>
           </a:p>
           <a:p>
-            <a:pPr marL="457200" indent="-317500" defTabSz="457200">
+            <a:pPr marL="704144" indent="-564444" defTabSz="457200">
               <a:lnSpc>
-                <a:spcPts val="2300"/>
+                <a:spcPts val="2500"/>
               </a:lnSpc>
               <a:spcBef>
                 <a:spcPts val="0"/>
@@ -38083,14 +37885,14 @@
               <a:buSzPct val="100000"/>
               <a:buFont typeface="Menlo"/>
               <a:buChar char="•"/>
-              <a:defRPr b="0" sz="900">
-                <a:solidFill>
-                  <a:srgbClr val="333333"/>
-                </a:solidFill>
-                <a:latin typeface="Menlo"/>
-                <a:ea typeface="Menlo"/>
-                <a:cs typeface="Menlo"/>
-                <a:sym typeface="Menlo"/>
+              <a:defRPr b="0" sz="1600">
+                <a:solidFill>
+                  <a:srgbClr val="5C2699"/>
+                </a:solidFill>
+                <a:latin typeface="Arial"/>
+                <a:ea typeface="Arial"/>
+                <a:cs typeface="Arial"/>
+                <a:sym typeface="Arial"/>
               </a:defRPr>
             </a:pPr>
             <a:r>
@@ -38098,9 +37900,9 @@
             </a:r>
           </a:p>
           <a:p>
-            <a:pPr marL="457200" indent="-317500" defTabSz="457200">
+            <a:pPr marL="704144" indent="-564444" defTabSz="457200">
               <a:lnSpc>
-                <a:spcPts val="2300"/>
+                <a:spcPts val="2500"/>
               </a:lnSpc>
               <a:spcBef>
                 <a:spcPts val="0"/>
@@ -38111,14 +37913,14 @@
               <a:buSzPct val="100000"/>
               <a:buFont typeface="Menlo"/>
               <a:buChar char="•"/>
-              <a:defRPr b="0" sz="900">
-                <a:solidFill>
-                  <a:srgbClr val="007400"/>
-                </a:solidFill>
-                <a:latin typeface="Menlo"/>
-                <a:ea typeface="Menlo"/>
-                <a:cs typeface="Menlo"/>
-                <a:sym typeface="Menlo"/>
+              <a:defRPr b="0" sz="1600">
+                <a:solidFill>
+                  <a:srgbClr val="5C2699"/>
+                </a:solidFill>
+                <a:latin typeface="Arial"/>
+                <a:ea typeface="Arial"/>
+                <a:cs typeface="Arial"/>
+                <a:sym typeface="Arial"/>
               </a:defRPr>
             </a:pPr>
             <a:r>
@@ -38267,7 +38069,7 @@
         <p:spPr>
           <a:xfrm>
             <a:off x="385672" y="1331210"/>
-            <a:ext cx="8696733" cy="2209801"/>
+            <a:ext cx="7145810" cy="2611002"/>
           </a:xfrm>
           <a:prstGeom prst="rect">
             <a:avLst/>
@@ -38287,9 +38089,9 @@
           </a:bodyPr>
           <a:lstStyle/>
           <a:p>
-            <a:pPr marL="457200" indent="-317500" defTabSz="457200">
+            <a:pPr marL="502557" indent="-362857" defTabSz="457200">
               <a:lnSpc>
-                <a:spcPts val="3900"/>
+                <a:spcPts val="2500"/>
               </a:lnSpc>
               <a:spcBef>
                 <a:spcPts val="0"/>
@@ -38300,14 +38102,14 @@
               <a:buSzPct val="100000"/>
               <a:buFont typeface="Menlo"/>
               <a:buChar char="•"/>
-              <a:defRPr b="0">
-                <a:solidFill>
-                  <a:srgbClr val="3F6E74"/>
-                </a:solidFill>
-                <a:latin typeface="Menlo"/>
-                <a:ea typeface="Menlo"/>
-                <a:cs typeface="Menlo"/>
-                <a:sym typeface="Menlo"/>
+              <a:defRPr b="0" sz="1600">
+                <a:solidFill>
+                  <a:srgbClr val="5C2699"/>
+                </a:solidFill>
+                <a:latin typeface="Arial"/>
+                <a:ea typeface="Arial"/>
+                <a:cs typeface="Arial"/>
+                <a:sym typeface="Arial"/>
               </a:defRPr>
             </a:pPr>
             <a:r>
@@ -38352,9 +38154,9 @@
             </a:endParaRPr>
           </a:p>
           <a:p>
-            <a:pPr marL="457200" indent="-317500" defTabSz="457200">
+            <a:pPr marL="502557" indent="-362857" defTabSz="457200">
               <a:lnSpc>
-                <a:spcPts val="3900"/>
+                <a:spcPts val="2500"/>
               </a:lnSpc>
               <a:spcBef>
                 <a:spcPts val="0"/>
@@ -38365,14 +38167,14 @@
               <a:buSzPct val="100000"/>
               <a:buFont typeface="Menlo"/>
               <a:buChar char="•"/>
-              <a:defRPr b="0">
-                <a:solidFill>
-                  <a:srgbClr val="3F6E74"/>
-                </a:solidFill>
-                <a:latin typeface="Menlo"/>
-                <a:ea typeface="Menlo"/>
-                <a:cs typeface="Menlo"/>
-                <a:sym typeface="Menlo"/>
+              <a:defRPr b="0" sz="1600">
+                <a:solidFill>
+                  <a:srgbClr val="5C2699"/>
+                </a:solidFill>
+                <a:latin typeface="Arial"/>
+                <a:ea typeface="Arial"/>
+                <a:cs typeface="Arial"/>
+                <a:sym typeface="Arial"/>
               </a:defRPr>
             </a:pPr>
             <a:r>
@@ -38401,9 +38203,9 @@
             </a:endParaRPr>
           </a:p>
           <a:p>
-            <a:pPr marL="457200" indent="-317500" defTabSz="457200">
+            <a:pPr marL="502557" indent="-362857" defTabSz="457200">
               <a:lnSpc>
-                <a:spcPts val="3900"/>
+                <a:spcPts val="2500"/>
               </a:lnSpc>
               <a:spcBef>
                 <a:spcPts val="0"/>
@@ -38414,14 +38216,14 @@
               <a:buSzPct val="100000"/>
               <a:buFont typeface="Menlo"/>
               <a:buChar char="•"/>
-              <a:defRPr b="0">
-                <a:solidFill>
-                  <a:srgbClr val="007400"/>
-                </a:solidFill>
-                <a:latin typeface="Menlo"/>
-                <a:ea typeface="Menlo"/>
-                <a:cs typeface="Menlo"/>
-                <a:sym typeface="Menlo"/>
+              <a:defRPr b="0" sz="1600">
+                <a:solidFill>
+                  <a:srgbClr val="5C2699"/>
+                </a:solidFill>
+                <a:latin typeface="Arial"/>
+                <a:ea typeface="Arial"/>
+                <a:cs typeface="Arial"/>
+                <a:sym typeface="Arial"/>
               </a:defRPr>
             </a:pPr>
             <a:r>
@@ -38434,9 +38236,9 @@
             </a:endParaRPr>
           </a:p>
           <a:p>
-            <a:pPr marL="457200" indent="-317500" defTabSz="457200">
+            <a:pPr marL="502557" indent="-362857" defTabSz="457200">
               <a:lnSpc>
-                <a:spcPts val="3900"/>
+                <a:spcPts val="2500"/>
               </a:lnSpc>
               <a:spcBef>
                 <a:spcPts val="0"/>
@@ -38447,21 +38249,21 @@
               <a:buSzPct val="100000"/>
               <a:buFont typeface="Menlo"/>
               <a:buChar char="•"/>
-              <a:defRPr b="0">
-                <a:solidFill>
-                  <a:srgbClr val="333333"/>
-                </a:solidFill>
-                <a:latin typeface="Menlo"/>
-                <a:ea typeface="Menlo"/>
-                <a:cs typeface="Menlo"/>
-                <a:sym typeface="Menlo"/>
+              <a:defRPr b="0" sz="1600">
+                <a:solidFill>
+                  <a:srgbClr val="5C2699"/>
+                </a:solidFill>
+                <a:latin typeface="Arial"/>
+                <a:ea typeface="Arial"/>
+                <a:cs typeface="Arial"/>
+                <a:sym typeface="Arial"/>
               </a:defRPr>
             </a:pPr>
           </a:p>
           <a:p>
-            <a:pPr marL="457200" indent="-317500" defTabSz="457200">
+            <a:pPr marL="502557" indent="-362857" defTabSz="457200">
               <a:lnSpc>
-                <a:spcPts val="3900"/>
+                <a:spcPts val="2500"/>
               </a:lnSpc>
               <a:spcBef>
                 <a:spcPts val="0"/>
@@ -38472,14 +38274,14 @@
               <a:buSzPct val="100000"/>
               <a:buFont typeface="Menlo"/>
               <a:buChar char="•"/>
-              <a:defRPr b="0">
-                <a:solidFill>
-                  <a:srgbClr val="3F6E74"/>
-                </a:solidFill>
-                <a:latin typeface="Menlo"/>
-                <a:ea typeface="Menlo"/>
-                <a:cs typeface="Menlo"/>
-                <a:sym typeface="Menlo"/>
+              <a:defRPr b="0" sz="1600">
+                <a:solidFill>
+                  <a:srgbClr val="5C2699"/>
+                </a:solidFill>
+                <a:latin typeface="Arial"/>
+                <a:ea typeface="Arial"/>
+                <a:cs typeface="Arial"/>
+                <a:sym typeface="Arial"/>
               </a:defRPr>
             </a:pPr>
             <a:r>
@@ -38524,9 +38326,9 @@
             </a:endParaRPr>
           </a:p>
           <a:p>
-            <a:pPr marL="457200" indent="-317500" defTabSz="457200">
+            <a:pPr marL="502557" indent="-362857" defTabSz="457200">
               <a:lnSpc>
-                <a:spcPts val="3900"/>
+                <a:spcPts val="2500"/>
               </a:lnSpc>
               <a:spcBef>
                 <a:spcPts val="0"/>
@@ -38537,14 +38339,14 @@
               <a:buSzPct val="100000"/>
               <a:buFont typeface="Menlo"/>
               <a:buChar char="•"/>
-              <a:defRPr b="0">
-                <a:solidFill>
-                  <a:srgbClr val="C41A16"/>
-                </a:solidFill>
-                <a:latin typeface="Menlo"/>
-                <a:ea typeface="Menlo"/>
-                <a:cs typeface="Menlo"/>
-                <a:sym typeface="Menlo"/>
+              <a:defRPr b="0" sz="1600">
+                <a:solidFill>
+                  <a:srgbClr val="5C2699"/>
+                </a:solidFill>
+                <a:latin typeface="Arial"/>
+                <a:ea typeface="Arial"/>
+                <a:cs typeface="Arial"/>
+                <a:sym typeface="Arial"/>
               </a:defRPr>
             </a:pPr>
             <a:r>
@@ -38573,9 +38375,9 @@
             </a:endParaRPr>
           </a:p>
           <a:p>
-            <a:pPr marL="457200" indent="-317500" defTabSz="457200">
+            <a:pPr marL="502557" indent="-362857" defTabSz="457200">
               <a:lnSpc>
-                <a:spcPts val="3900"/>
+                <a:spcPts val="2500"/>
               </a:lnSpc>
               <a:spcBef>
                 <a:spcPts val="0"/>
@@ -38586,14 +38388,14 @@
               <a:buSzPct val="100000"/>
               <a:buFont typeface="Menlo"/>
               <a:buChar char="•"/>
-              <a:defRPr b="0">
-                <a:solidFill>
-                  <a:srgbClr val="007400"/>
-                </a:solidFill>
-                <a:latin typeface="Menlo"/>
-                <a:ea typeface="Menlo"/>
-                <a:cs typeface="Menlo"/>
-                <a:sym typeface="Menlo"/>
+              <a:defRPr b="0" sz="1600">
+                <a:solidFill>
+                  <a:srgbClr val="5C2699"/>
+                </a:solidFill>
+                <a:latin typeface="Arial"/>
+                <a:ea typeface="Arial"/>
+                <a:cs typeface="Arial"/>
+                <a:sym typeface="Arial"/>
               </a:defRPr>
             </a:pPr>
             <a:r>
@@ -38740,14 +38542,14 @@
       </p:sp>
       <p:sp>
         <p:nvSpPr>
-          <p:cNvPr id="785" name="for character in &quot;Dog!🐶&quot; {…"/>
+          <p:cNvPr id="785" name="for character in &quot;Dog&quot; {…"/>
           <p:cNvSpPr txBox="1"/>
           <p:nvPr/>
         </p:nvSpPr>
         <p:spPr>
           <a:xfrm>
-            <a:off x="689207" y="1141583"/>
-            <a:ext cx="2502915" cy="1590041"/>
+            <a:off x="698561" y="1141583"/>
+            <a:ext cx="2082171" cy="1805066"/>
           </a:xfrm>
           <a:prstGeom prst="rect">
             <a:avLst/>
@@ -38767,9 +38569,9 @@
           </a:bodyPr>
           <a:lstStyle/>
           <a:p>
-            <a:pPr marL="457200" indent="-317500" defTabSz="457200">
+            <a:pPr marL="527755" indent="-388055" defTabSz="457200">
               <a:lnSpc>
-                <a:spcPts val="2300"/>
+                <a:spcPts val="1700"/>
               </a:lnSpc>
               <a:spcBef>
                 <a:spcPts val="0"/>
@@ -38780,14 +38582,14 @@
               <a:buSzPct val="100000"/>
               <a:buFont typeface="Menlo"/>
               <a:buChar char="•"/>
-              <a:defRPr b="0" sz="900">
-                <a:solidFill>
-                  <a:srgbClr val="3F6E74"/>
-                </a:solidFill>
-                <a:latin typeface="Menlo"/>
-                <a:ea typeface="Menlo"/>
-                <a:cs typeface="Menlo"/>
-                <a:sym typeface="Menlo"/>
+              <a:defRPr b="0" sz="1100">
+                <a:solidFill>
+                  <a:srgbClr val="5C2699"/>
+                </a:solidFill>
+                <a:latin typeface="Arial"/>
+                <a:ea typeface="Arial"/>
+                <a:cs typeface="Arial"/>
+                <a:sym typeface="Arial"/>
               </a:defRPr>
             </a:pPr>
             <a:r>
@@ -38839,7 +38641,7 @@
                   <a:srgbClr val="C41A16"/>
                 </a:solidFill>
               </a:rPr>
-              <a:t>"Dog!🐶"</a:t>
+              <a:t>"Dog"</a:t>
             </a:r>
             <a:r>
               <a:rPr>
@@ -38856,9 +38658,9 @@
             </a:endParaRPr>
           </a:p>
           <a:p>
-            <a:pPr marL="457200" indent="-317500" defTabSz="457200">
+            <a:pPr marL="527755" indent="-388055" defTabSz="457200">
               <a:lnSpc>
-                <a:spcPts val="2300"/>
+                <a:spcPts val="1700"/>
               </a:lnSpc>
               <a:spcBef>
                 <a:spcPts val="0"/>
@@ -38869,14 +38671,14 @@
               <a:buSzPct val="100000"/>
               <a:buFont typeface="Menlo"/>
               <a:buChar char="•"/>
-              <a:defRPr b="0" sz="900">
-                <a:solidFill>
-                  <a:srgbClr val="3F6E74"/>
-                </a:solidFill>
-                <a:latin typeface="Menlo"/>
-                <a:ea typeface="Menlo"/>
-                <a:cs typeface="Menlo"/>
-                <a:sym typeface="Menlo"/>
+              <a:defRPr b="0" sz="1100">
+                <a:solidFill>
+                  <a:srgbClr val="5C2699"/>
+                </a:solidFill>
+                <a:latin typeface="Arial"/>
+                <a:ea typeface="Arial"/>
+                <a:cs typeface="Arial"/>
+                <a:sym typeface="Arial"/>
               </a:defRPr>
             </a:pPr>
             <a:r>
@@ -38916,9 +38718,9 @@
             </a:endParaRPr>
           </a:p>
           <a:p>
-            <a:pPr marL="457200" indent="-317500" defTabSz="457200">
+            <a:pPr marL="527755" indent="-388055" defTabSz="457200">
               <a:lnSpc>
-                <a:spcPts val="2300"/>
+                <a:spcPts val="1700"/>
               </a:lnSpc>
               <a:spcBef>
                 <a:spcPts val="0"/>
@@ -38929,14 +38731,14 @@
               <a:buSzPct val="100000"/>
               <a:buFont typeface="Menlo"/>
               <a:buChar char="•"/>
-              <a:defRPr b="0" sz="900">
-                <a:solidFill>
-                  <a:srgbClr val="333333"/>
-                </a:solidFill>
-                <a:latin typeface="Menlo"/>
-                <a:ea typeface="Menlo"/>
-                <a:cs typeface="Menlo"/>
-                <a:sym typeface="Menlo"/>
+              <a:defRPr b="0" sz="1100">
+                <a:solidFill>
+                  <a:srgbClr val="5C2699"/>
+                </a:solidFill>
+                <a:latin typeface="Arial"/>
+                <a:ea typeface="Arial"/>
+                <a:cs typeface="Arial"/>
+                <a:sym typeface="Arial"/>
               </a:defRPr>
             </a:pPr>
             <a:r>
@@ -38944,9 +38746,9 @@
             </a:r>
           </a:p>
           <a:p>
-            <a:pPr marL="457200" indent="-317500" defTabSz="457200">
+            <a:pPr marL="527755" indent="-388055" defTabSz="457200">
               <a:lnSpc>
-                <a:spcPts val="2300"/>
+                <a:spcPts val="1700"/>
               </a:lnSpc>
               <a:spcBef>
                 <a:spcPts val="0"/>
@@ -38957,14 +38759,14 @@
               <a:buSzPct val="100000"/>
               <a:buFont typeface="Menlo"/>
               <a:buChar char="•"/>
-              <a:defRPr b="0" sz="900">
-                <a:solidFill>
-                  <a:srgbClr val="007400"/>
-                </a:solidFill>
-                <a:latin typeface="Menlo"/>
-                <a:ea typeface="Menlo"/>
-                <a:cs typeface="Menlo"/>
-                <a:sym typeface="Menlo"/>
+              <a:defRPr b="0" sz="1100">
+                <a:solidFill>
+                  <a:srgbClr val="5C2699"/>
+                </a:solidFill>
+                <a:latin typeface="Arial"/>
+                <a:ea typeface="Arial"/>
+                <a:cs typeface="Arial"/>
+                <a:sym typeface="Arial"/>
               </a:defRPr>
             </a:pPr>
             <a:r>
@@ -38977,9 +38779,9 @@
             </a:endParaRPr>
           </a:p>
           <a:p>
-            <a:pPr marL="457200" indent="-317500" defTabSz="457200">
+            <a:pPr marL="527755" indent="-388055" defTabSz="457200">
               <a:lnSpc>
-                <a:spcPts val="2300"/>
+                <a:spcPts val="1700"/>
               </a:lnSpc>
               <a:spcBef>
                 <a:spcPts val="0"/>
@@ -38990,14 +38792,14 @@
               <a:buSzPct val="100000"/>
               <a:buFont typeface="Menlo"/>
               <a:buChar char="•"/>
-              <a:defRPr b="0" sz="900">
-                <a:solidFill>
-                  <a:srgbClr val="007400"/>
-                </a:solidFill>
-                <a:latin typeface="Menlo"/>
-                <a:ea typeface="Menlo"/>
-                <a:cs typeface="Menlo"/>
-                <a:sym typeface="Menlo"/>
+              <a:defRPr b="0" sz="1100">
+                <a:solidFill>
+                  <a:srgbClr val="5C2699"/>
+                </a:solidFill>
+                <a:latin typeface="Arial"/>
+                <a:ea typeface="Arial"/>
+                <a:cs typeface="Arial"/>
+                <a:sym typeface="Arial"/>
               </a:defRPr>
             </a:pPr>
             <a:r>
@@ -39010,9 +38812,9 @@
             </a:endParaRPr>
           </a:p>
           <a:p>
-            <a:pPr marL="457200" indent="-317500" defTabSz="457200">
+            <a:pPr marL="527755" indent="-388055" defTabSz="457200">
               <a:lnSpc>
-                <a:spcPts val="2300"/>
+                <a:spcPts val="1700"/>
               </a:lnSpc>
               <a:spcBef>
                 <a:spcPts val="0"/>
@@ -39023,14 +38825,14 @@
               <a:buSzPct val="100000"/>
               <a:buFont typeface="Menlo"/>
               <a:buChar char="•"/>
-              <a:defRPr b="0" sz="900">
-                <a:solidFill>
-                  <a:srgbClr val="007400"/>
-                </a:solidFill>
-                <a:latin typeface="Menlo"/>
-                <a:ea typeface="Menlo"/>
-                <a:cs typeface="Menlo"/>
-                <a:sym typeface="Menlo"/>
+              <a:defRPr b="0" sz="1100">
+                <a:solidFill>
+                  <a:srgbClr val="5C2699"/>
+                </a:solidFill>
+                <a:latin typeface="Arial"/>
+                <a:ea typeface="Arial"/>
+                <a:cs typeface="Arial"/>
+                <a:sym typeface="Arial"/>
               </a:defRPr>
             </a:pPr>
             <a:r>
@@ -39043,9 +38845,9 @@
             </a:endParaRPr>
           </a:p>
           <a:p>
-            <a:pPr marL="457200" indent="-317500" defTabSz="457200">
+            <a:pPr marL="527755" indent="-388055" defTabSz="457200">
               <a:lnSpc>
-                <a:spcPts val="2300"/>
+                <a:spcPts val="1700"/>
               </a:lnSpc>
               <a:spcBef>
                 <a:spcPts val="0"/>
@@ -39056,51 +38858,18 @@
               <a:buSzPct val="100000"/>
               <a:buFont typeface="Menlo"/>
               <a:buChar char="•"/>
-              <a:defRPr b="0" sz="900">
-                <a:solidFill>
-                  <a:srgbClr val="007400"/>
-                </a:solidFill>
-                <a:latin typeface="Menlo"/>
-                <a:ea typeface="Menlo"/>
-                <a:cs typeface="Menlo"/>
-                <a:sym typeface="Menlo"/>
+              <a:defRPr b="0" sz="1100">
+                <a:solidFill>
+                  <a:srgbClr val="5C2699"/>
+                </a:solidFill>
+                <a:latin typeface="Arial"/>
+                <a:ea typeface="Arial"/>
+                <a:cs typeface="Arial"/>
+                <a:sym typeface="Arial"/>
               </a:defRPr>
             </a:pPr>
             <a:r>
               <a:t>// !</a:t>
-            </a:r>
-            <a:endParaRPr>
-              <a:solidFill>
-                <a:srgbClr val="333333"/>
-              </a:solidFill>
-            </a:endParaRPr>
-          </a:p>
-          <a:p>
-            <a:pPr marL="457200" indent="-317500" defTabSz="457200">
-              <a:lnSpc>
-                <a:spcPts val="2300"/>
-              </a:lnSpc>
-              <a:spcBef>
-                <a:spcPts val="0"/>
-              </a:spcBef>
-              <a:buClr>
-                <a:srgbClr val="007400"/>
-              </a:buClr>
-              <a:buSzPct val="100000"/>
-              <a:buFont typeface="Menlo"/>
-              <a:buChar char="•"/>
-              <a:defRPr b="0" sz="900">
-                <a:solidFill>
-                  <a:srgbClr val="007400"/>
-                </a:solidFill>
-                <a:latin typeface="Menlo"/>
-                <a:ea typeface="Menlo"/>
-                <a:cs typeface="Menlo"/>
-                <a:sym typeface="Menlo"/>
-              </a:defRPr>
-            </a:pPr>
-            <a:r>
-              <a:t>// 🐶</a:t>
             </a:r>
             <a:endParaRPr>
               <a:solidFill>
@@ -39112,14 +38881,14 @@
       </p:sp>
       <p:sp>
         <p:nvSpPr>
-          <p:cNvPr id="786" name="let catCharacters: [Character] = [&quot;C&quot;, &quot;a&quot;, &quot;t&quot;, &quot;!&quot;, &quot;🐱&quot;]…"/>
+          <p:cNvPr id="786" name="let catCharacters: [Character] = [&quot;C&quot;, &quot;a&quot;, &quot;t&quot;, &quot;!&quot;]…"/>
           <p:cNvSpPr txBox="1"/>
           <p:nvPr/>
         </p:nvSpPr>
         <p:spPr>
           <a:xfrm>
-            <a:off x="693884" y="3124138"/>
-            <a:ext cx="4704976" cy="739141"/>
+            <a:off x="726625" y="3287841"/>
+            <a:ext cx="3617916" cy="941465"/>
           </a:xfrm>
           <a:prstGeom prst="rect">
             <a:avLst/>
@@ -39139,9 +38908,9 @@
           </a:bodyPr>
           <a:lstStyle/>
           <a:p>
-            <a:pPr marL="457200" indent="-317500" defTabSz="457200">
+            <a:pPr marL="527755" indent="-388055" defTabSz="457200">
               <a:lnSpc>
-                <a:spcPts val="2300"/>
+                <a:spcPts val="1700"/>
               </a:lnSpc>
               <a:spcBef>
                 <a:spcPts val="0"/>
@@ -39152,14 +38921,14 @@
               <a:buSzPct val="100000"/>
               <a:buFont typeface="Menlo"/>
               <a:buChar char="•"/>
-              <a:defRPr b="0" sz="900">
-                <a:solidFill>
-                  <a:srgbClr val="3F6E74"/>
-                </a:solidFill>
-                <a:latin typeface="Menlo"/>
-                <a:ea typeface="Menlo"/>
-                <a:cs typeface="Menlo"/>
-                <a:sym typeface="Menlo"/>
+              <a:defRPr b="0" sz="1100">
+                <a:solidFill>
+                  <a:srgbClr val="5C2699"/>
+                </a:solidFill>
+                <a:latin typeface="Arial"/>
+                <a:ea typeface="Arial"/>
+                <a:cs typeface="Arial"/>
+                <a:sym typeface="Arial"/>
               </a:defRPr>
             </a:pPr>
             <a:r>
@@ -39190,11 +38959,6 @@
               <a:t>: [</a:t>
             </a:r>
             <a:r>
-              <a:rPr>
-                <a:solidFill>
-                  <a:srgbClr val="5C2699"/>
-                </a:solidFill>
-              </a:rPr>
               <a:t>Character</a:t>
             </a:r>
             <a:r>
@@ -39260,22 +39024,6 @@
                 </a:solidFill>
               </a:rPr>
               <a:t>"!"</a:t>
-            </a:r>
-            <a:r>
-              <a:rPr>
-                <a:solidFill>
-                  <a:srgbClr val="333333"/>
-                </a:solidFill>
-              </a:rPr>
-              <a:t>, </a:t>
-            </a:r>
-            <a:r>
-              <a:rPr>
-                <a:solidFill>
-                  <a:srgbClr val="C41A16"/>
-                </a:solidFill>
-              </a:rPr>
-              <a:t>"🐱"</a:t>
             </a:r>
             <a:r>
               <a:rPr>
@@ -39292,9 +39040,9 @@
             </a:endParaRPr>
           </a:p>
           <a:p>
-            <a:pPr marL="457200" indent="-317500" defTabSz="457200">
+            <a:pPr marL="527755" indent="-388055" defTabSz="457200">
               <a:lnSpc>
-                <a:spcPts val="2300"/>
+                <a:spcPts val="1700"/>
               </a:lnSpc>
               <a:spcBef>
                 <a:spcPts val="0"/>
@@ -39305,14 +39053,14 @@
               <a:buSzPct val="100000"/>
               <a:buFont typeface="Menlo"/>
               <a:buChar char="•"/>
-              <a:defRPr b="0" sz="900">
-                <a:solidFill>
-                  <a:srgbClr val="3F6E74"/>
-                </a:solidFill>
-                <a:latin typeface="Menlo"/>
-                <a:ea typeface="Menlo"/>
-                <a:cs typeface="Menlo"/>
-                <a:sym typeface="Menlo"/>
+              <a:defRPr b="0" sz="1100">
+                <a:solidFill>
+                  <a:srgbClr val="5C2699"/>
+                </a:solidFill>
+                <a:latin typeface="Arial"/>
+                <a:ea typeface="Arial"/>
+                <a:cs typeface="Arial"/>
+                <a:sym typeface="Arial"/>
               </a:defRPr>
             </a:pPr>
             <a:r>
@@ -39371,9 +39119,9 @@
             </a:endParaRPr>
           </a:p>
           <a:p>
-            <a:pPr marL="457200" indent="-317500" defTabSz="457200">
+            <a:pPr marL="527755" indent="-388055" defTabSz="457200">
               <a:lnSpc>
-                <a:spcPts val="2300"/>
+                <a:spcPts val="1700"/>
               </a:lnSpc>
               <a:spcBef>
                 <a:spcPts val="0"/>
@@ -39384,14 +39132,14 @@
               <a:buSzPct val="100000"/>
               <a:buFont typeface="Menlo"/>
               <a:buChar char="•"/>
-              <a:defRPr b="0" sz="900">
-                <a:solidFill>
-                  <a:srgbClr val="3F6E74"/>
-                </a:solidFill>
-                <a:latin typeface="Menlo"/>
-                <a:ea typeface="Menlo"/>
-                <a:cs typeface="Menlo"/>
-                <a:sym typeface="Menlo"/>
+              <a:defRPr b="0" sz="1100">
+                <a:solidFill>
+                  <a:srgbClr val="5C2699"/>
+                </a:solidFill>
+                <a:latin typeface="Arial"/>
+                <a:ea typeface="Arial"/>
+                <a:cs typeface="Arial"/>
+                <a:sym typeface="Arial"/>
               </a:defRPr>
             </a:pPr>
             <a:r>
@@ -39564,7 +39312,7 @@
         <p:spPr>
           <a:xfrm>
             <a:off x="689207" y="1141583"/>
-            <a:ext cx="2694587" cy="548641"/>
+            <a:ext cx="2573031" cy="725566"/>
           </a:xfrm>
           <a:prstGeom prst="rect">
             <a:avLst/>
@@ -39584,9 +39332,9 @@
           </a:bodyPr>
           <a:lstStyle/>
           <a:p>
-            <a:pPr marL="457200" indent="-317500" defTabSz="457200">
+            <a:pPr marL="527755" indent="-388055" defTabSz="457200">
               <a:lnSpc>
-                <a:spcPts val="2300"/>
+                <a:spcPts val="1700"/>
               </a:lnSpc>
               <a:spcBef>
                 <a:spcPts val="0"/>
@@ -39597,14 +39345,14 @@
               <a:buSzPct val="100000"/>
               <a:buFont typeface="Menlo"/>
               <a:buChar char="•"/>
-              <a:defRPr b="0" sz="900">
-                <a:solidFill>
-                  <a:srgbClr val="3F6E74"/>
-                </a:solidFill>
-                <a:latin typeface="Menlo"/>
-                <a:ea typeface="Menlo"/>
-                <a:cs typeface="Menlo"/>
-                <a:sym typeface="Menlo"/>
+              <a:defRPr b="0" sz="1100">
+                <a:solidFill>
+                  <a:srgbClr val="5C2699"/>
+                </a:solidFill>
+                <a:latin typeface="Arial"/>
+                <a:ea typeface="Arial"/>
+                <a:cs typeface="Arial"/>
+                <a:sym typeface="Arial"/>
               </a:defRPr>
             </a:pPr>
             <a:r>
@@ -39649,9 +39397,9 @@
             </a:endParaRPr>
           </a:p>
           <a:p>
-            <a:pPr marL="457200" indent="-317500" defTabSz="457200">
+            <a:pPr marL="527755" indent="-388055" defTabSz="457200">
               <a:lnSpc>
-                <a:spcPts val="2300"/>
+                <a:spcPts val="1700"/>
               </a:lnSpc>
               <a:spcBef>
                 <a:spcPts val="0"/>
@@ -39662,14 +39410,14 @@
               <a:buSzPct val="100000"/>
               <a:buFont typeface="Menlo"/>
               <a:buChar char="•"/>
-              <a:defRPr b="0" sz="900">
-                <a:solidFill>
-                  <a:srgbClr val="C41A16"/>
-                </a:solidFill>
-                <a:latin typeface="Menlo"/>
-                <a:ea typeface="Menlo"/>
-                <a:cs typeface="Menlo"/>
-                <a:sym typeface="Menlo"/>
+              <a:defRPr b="0" sz="1100">
+                <a:solidFill>
+                  <a:srgbClr val="5C2699"/>
+                </a:solidFill>
+                <a:latin typeface="Arial"/>
+                <a:ea typeface="Arial"/>
+                <a:cs typeface="Arial"/>
+                <a:sym typeface="Arial"/>
               </a:defRPr>
             </a:pPr>
             <a:r>
@@ -39714,9 +39462,9 @@
             </a:endParaRPr>
           </a:p>
           <a:p>
-            <a:pPr marL="457200" indent="-317500" defTabSz="457200">
+            <a:pPr marL="527755" indent="-388055" defTabSz="457200">
               <a:lnSpc>
-                <a:spcPts val="2300"/>
+                <a:spcPts val="1700"/>
               </a:lnSpc>
               <a:spcBef>
                 <a:spcPts val="0"/>
@@ -39727,14 +39475,14 @@
               <a:buSzPct val="100000"/>
               <a:buFont typeface="Menlo"/>
               <a:buChar char="•"/>
-              <a:defRPr b="0" sz="900">
-                <a:solidFill>
-                  <a:srgbClr val="3F6E74"/>
-                </a:solidFill>
-                <a:latin typeface="Menlo"/>
-                <a:ea typeface="Menlo"/>
-                <a:cs typeface="Menlo"/>
-                <a:sym typeface="Menlo"/>
+              <a:defRPr b="0" sz="1100">
+                <a:solidFill>
+                  <a:srgbClr val="5C2699"/>
+                </a:solidFill>
+                <a:latin typeface="Arial"/>
+                <a:ea typeface="Arial"/>
+                <a:cs typeface="Arial"/>
+                <a:sym typeface="Arial"/>
               </a:defRPr>
             </a:pPr>
             <a:r>
@@ -39790,7 +39538,7 @@
         <p:spPr>
           <a:xfrm>
             <a:off x="689207" y="2085791"/>
-            <a:ext cx="3520360" cy="548641"/>
+            <a:ext cx="3192676" cy="725565"/>
           </a:xfrm>
           <a:prstGeom prst="rect">
             <a:avLst/>
@@ -39810,9 +39558,9 @@
           </a:bodyPr>
           <a:lstStyle/>
           <a:p>
-            <a:pPr marL="457200" indent="-317500" defTabSz="457200">
+            <a:pPr marL="527755" indent="-388055" defTabSz="457200">
               <a:lnSpc>
-                <a:spcPts val="2300"/>
+                <a:spcPts val="1700"/>
               </a:lnSpc>
               <a:spcBef>
                 <a:spcPts val="0"/>
@@ -39823,14 +39571,14 @@
               <a:buSzPct val="100000"/>
               <a:buFont typeface="Menlo"/>
               <a:buChar char="•"/>
-              <a:defRPr b="0" sz="900">
-                <a:solidFill>
-                  <a:srgbClr val="3F6E74"/>
-                </a:solidFill>
-                <a:latin typeface="Menlo"/>
-                <a:ea typeface="Menlo"/>
-                <a:cs typeface="Menlo"/>
-                <a:sym typeface="Menlo"/>
+              <a:defRPr b="0" sz="1100">
+                <a:solidFill>
+                  <a:srgbClr val="5C2699"/>
+                </a:solidFill>
+                <a:latin typeface="Arial"/>
+                <a:ea typeface="Arial"/>
+                <a:cs typeface="Arial"/>
+                <a:sym typeface="Arial"/>
               </a:defRPr>
             </a:pPr>
             <a:r>
@@ -39875,9 +39623,9 @@
             </a:endParaRPr>
           </a:p>
           <a:p>
-            <a:pPr marL="457200" indent="-317500" defTabSz="457200">
+            <a:pPr marL="527755" indent="-388055" defTabSz="457200">
               <a:lnSpc>
-                <a:spcPts val="2300"/>
+                <a:spcPts val="1700"/>
               </a:lnSpc>
               <a:spcBef>
                 <a:spcPts val="0"/>
@@ -39888,14 +39636,14 @@
               <a:buSzPct val="100000"/>
               <a:buFont typeface="Menlo"/>
               <a:buChar char="•"/>
-              <a:defRPr b="0" sz="900">
-                <a:solidFill>
-                  <a:srgbClr val="3F6E74"/>
-                </a:solidFill>
-                <a:latin typeface="Menlo"/>
-                <a:ea typeface="Menlo"/>
-                <a:cs typeface="Menlo"/>
-                <a:sym typeface="Menlo"/>
+              <a:defRPr b="0" sz="1100">
+                <a:solidFill>
+                  <a:srgbClr val="5C2699"/>
+                </a:solidFill>
+                <a:latin typeface="Arial"/>
+                <a:ea typeface="Arial"/>
+                <a:cs typeface="Arial"/>
+                <a:sym typeface="Arial"/>
               </a:defRPr>
             </a:pPr>
             <a:r>
@@ -39919,9 +39667,9 @@
             </a:endParaRPr>
           </a:p>
           <a:p>
-            <a:pPr marL="457200" indent="-317500" defTabSz="457200">
+            <a:pPr marL="527755" indent="-388055" defTabSz="457200">
               <a:lnSpc>
-                <a:spcPts val="2300"/>
+                <a:spcPts val="1700"/>
               </a:lnSpc>
               <a:spcBef>
                 <a:spcPts val="0"/>
@@ -39932,14 +39680,14 @@
               <a:buSzPct val="100000"/>
               <a:buFont typeface="Menlo"/>
               <a:buChar char="•"/>
-              <a:defRPr b="0" sz="900">
-                <a:solidFill>
-                  <a:srgbClr val="007400"/>
-                </a:solidFill>
-                <a:latin typeface="Menlo"/>
-                <a:ea typeface="Menlo"/>
-                <a:cs typeface="Menlo"/>
-                <a:sym typeface="Menlo"/>
+              <a:defRPr b="0" sz="1100">
+                <a:solidFill>
+                  <a:srgbClr val="5C2699"/>
+                </a:solidFill>
+                <a:latin typeface="Arial"/>
+                <a:ea typeface="Arial"/>
+                <a:cs typeface="Arial"/>
+                <a:sym typeface="Arial"/>
               </a:defRPr>
             </a:pPr>
             <a:r>
@@ -39957,7 +39705,7 @@
         <p:spPr>
           <a:xfrm>
             <a:off x="689207" y="3029998"/>
-            <a:ext cx="3107474" cy="548641"/>
+            <a:ext cx="2901135" cy="725566"/>
           </a:xfrm>
           <a:prstGeom prst="rect">
             <a:avLst/>
@@ -39977,9 +39725,9 @@
           </a:bodyPr>
           <a:lstStyle/>
           <a:p>
-            <a:pPr marL="457200" indent="-317500" defTabSz="457200">
+            <a:pPr marL="527755" indent="-388055" defTabSz="457200">
               <a:lnSpc>
-                <a:spcPts val="2300"/>
+                <a:spcPts val="1700"/>
               </a:lnSpc>
               <a:spcBef>
                 <a:spcPts val="0"/>
@@ -39990,14 +39738,14 @@
               <a:buSzPct val="100000"/>
               <a:buFont typeface="Menlo"/>
               <a:buChar char="•"/>
-              <a:defRPr b="0" sz="900">
-                <a:solidFill>
-                  <a:srgbClr val="3F6E74"/>
-                </a:solidFill>
-                <a:latin typeface="Menlo"/>
-                <a:ea typeface="Menlo"/>
-                <a:cs typeface="Menlo"/>
-                <a:sym typeface="Menlo"/>
+              <a:defRPr b="0" sz="1100">
+                <a:solidFill>
+                  <a:srgbClr val="5C2699"/>
+                </a:solidFill>
+                <a:latin typeface="Arial"/>
+                <a:ea typeface="Arial"/>
+                <a:cs typeface="Arial"/>
+                <a:sym typeface="Arial"/>
               </a:defRPr>
             </a:pPr>
             <a:r>
@@ -40028,11 +39776,6 @@
               <a:t>: </a:t>
             </a:r>
             <a:r>
-              <a:rPr>
-                <a:solidFill>
-                  <a:srgbClr val="5C2699"/>
-                </a:solidFill>
-              </a:rPr>
               <a:t>Character</a:t>
             </a:r>
             <a:r>
@@ -40058,9 +39801,9 @@
             </a:endParaRPr>
           </a:p>
           <a:p>
-            <a:pPr marL="457200" indent="-317500" defTabSz="457200">
+            <a:pPr marL="527755" indent="-388055" defTabSz="457200">
               <a:lnSpc>
-                <a:spcPts val="2300"/>
+                <a:spcPts val="1700"/>
               </a:lnSpc>
               <a:spcBef>
                 <a:spcPts val="0"/>
@@ -40071,14 +39814,14 @@
               <a:buSzPct val="100000"/>
               <a:buFont typeface="Menlo"/>
               <a:buChar char="•"/>
-              <a:defRPr b="0" sz="900">
-                <a:solidFill>
-                  <a:srgbClr val="3F6E74"/>
-                </a:solidFill>
-                <a:latin typeface="Menlo"/>
-                <a:ea typeface="Menlo"/>
-                <a:cs typeface="Menlo"/>
-                <a:sym typeface="Menlo"/>
+              <a:defRPr b="0" sz="1100">
+                <a:solidFill>
+                  <a:srgbClr val="5C2699"/>
+                </a:solidFill>
+                <a:latin typeface="Arial"/>
+                <a:ea typeface="Arial"/>
+                <a:cs typeface="Arial"/>
+                <a:sym typeface="Arial"/>
               </a:defRPr>
             </a:pPr>
             <a:r>
@@ -40121,9 +39864,9 @@
             </a:endParaRPr>
           </a:p>
           <a:p>
-            <a:pPr marL="457200" indent="-317500" defTabSz="457200">
+            <a:pPr marL="527755" indent="-388055" defTabSz="457200">
               <a:lnSpc>
-                <a:spcPts val="2300"/>
+                <a:spcPts val="1700"/>
               </a:lnSpc>
               <a:spcBef>
                 <a:spcPts val="0"/>
@@ -40134,14 +39877,14 @@
               <a:buSzPct val="100000"/>
               <a:buFont typeface="Menlo"/>
               <a:buChar char="•"/>
-              <a:defRPr b="0" sz="900">
-                <a:solidFill>
-                  <a:srgbClr val="007400"/>
-                </a:solidFill>
-                <a:latin typeface="Menlo"/>
-                <a:ea typeface="Menlo"/>
-                <a:cs typeface="Menlo"/>
-                <a:sym typeface="Menlo"/>
+              <a:defRPr b="0" sz="1100">
+                <a:solidFill>
+                  <a:srgbClr val="5C2699"/>
+                </a:solidFill>
+                <a:latin typeface="Arial"/>
+                <a:ea typeface="Arial"/>
+                <a:cs typeface="Arial"/>
+                <a:sym typeface="Arial"/>
               </a:defRPr>
             </a:pPr>
             <a:r>
@@ -40290,7 +40033,7 @@
         <p:spPr>
           <a:xfrm>
             <a:off x="595662" y="1193033"/>
-            <a:ext cx="8161510" cy="863601"/>
+            <a:ext cx="4571345" cy="725565"/>
           </a:xfrm>
           <a:prstGeom prst="rect">
             <a:avLst/>
@@ -40310,9 +40053,9 @@
           </a:bodyPr>
           <a:lstStyle/>
           <a:p>
-            <a:pPr marL="457200" indent="-317500" defTabSz="457200">
+            <a:pPr marL="389164" indent="-249464" defTabSz="457200">
               <a:lnSpc>
-                <a:spcPts val="3900"/>
+                <a:spcPts val="1700"/>
               </a:lnSpc>
               <a:spcBef>
                 <a:spcPts val="0"/>
@@ -40323,14 +40066,14 @@
               <a:buSzPct val="100000"/>
               <a:buFont typeface="Menlo"/>
               <a:buChar char="•"/>
-              <a:defRPr b="0">
-                <a:solidFill>
-                  <a:srgbClr val="3F6E74"/>
-                </a:solidFill>
-                <a:latin typeface="Menlo"/>
-                <a:ea typeface="Menlo"/>
-                <a:cs typeface="Menlo"/>
-                <a:sym typeface="Menlo"/>
+              <a:defRPr b="0" sz="1100">
+                <a:solidFill>
+                  <a:srgbClr val="5C2699"/>
+                </a:solidFill>
+                <a:latin typeface="Arial"/>
+                <a:ea typeface="Arial"/>
+                <a:cs typeface="Arial"/>
+                <a:sym typeface="Arial"/>
               </a:defRPr>
             </a:pPr>
             <a:r>
@@ -40375,9 +40118,9 @@
             </a:endParaRPr>
           </a:p>
           <a:p>
-            <a:pPr marL="457200" indent="-317500" defTabSz="457200">
+            <a:pPr marL="389164" indent="-249464" defTabSz="457200">
               <a:lnSpc>
-                <a:spcPts val="3900"/>
+                <a:spcPts val="1700"/>
               </a:lnSpc>
               <a:spcBef>
                 <a:spcPts val="0"/>
@@ -40388,14 +40131,14 @@
               <a:buSzPct val="100000"/>
               <a:buFont typeface="Menlo"/>
               <a:buChar char="•"/>
-              <a:defRPr b="0">
-                <a:solidFill>
-                  <a:srgbClr val="C41A16"/>
-                </a:solidFill>
-                <a:latin typeface="Menlo"/>
-                <a:ea typeface="Menlo"/>
-                <a:cs typeface="Menlo"/>
-                <a:sym typeface="Menlo"/>
+              <a:defRPr b="0" sz="1100">
+                <a:solidFill>
+                  <a:srgbClr val="5C2699"/>
+                </a:solidFill>
+                <a:latin typeface="Arial"/>
+                <a:ea typeface="Arial"/>
+                <a:cs typeface="Arial"/>
+                <a:sym typeface="Arial"/>
               </a:defRPr>
             </a:pPr>
             <a:r>
@@ -40526,9 +40269,9 @@
             </a:endParaRPr>
           </a:p>
           <a:p>
-            <a:pPr marL="457200" indent="-317500" defTabSz="457200">
+            <a:pPr marL="389164" indent="-249464" defTabSz="457200">
               <a:lnSpc>
-                <a:spcPts val="3900"/>
+                <a:spcPts val="1700"/>
               </a:lnSpc>
               <a:spcBef>
                 <a:spcPts val="0"/>
@@ -40539,14 +40282,14 @@
               <a:buSzPct val="100000"/>
               <a:buFont typeface="Menlo"/>
               <a:buChar char="•"/>
-              <a:defRPr b="0">
-                <a:solidFill>
-                  <a:srgbClr val="007400"/>
-                </a:solidFill>
-                <a:latin typeface="Menlo"/>
-                <a:ea typeface="Menlo"/>
-                <a:cs typeface="Menlo"/>
-                <a:sym typeface="Menlo"/>
+              <a:defRPr b="0" sz="1100">
+                <a:solidFill>
+                  <a:srgbClr val="5C2699"/>
+                </a:solidFill>
+                <a:latin typeface="Arial"/>
+                <a:ea typeface="Arial"/>
+                <a:cs typeface="Arial"/>
+                <a:sym typeface="Arial"/>
               </a:defRPr>
             </a:pPr>
             <a:r>
@@ -40695,7 +40438,7 @@
         <p:spPr>
           <a:xfrm>
             <a:off x="558244" y="1141583"/>
-            <a:ext cx="4759020" cy="1704341"/>
+            <a:ext cx="4213142" cy="2236866"/>
           </a:xfrm>
           <a:prstGeom prst="rect">
             <a:avLst/>
@@ -40715,9 +40458,9 @@
           </a:bodyPr>
           <a:lstStyle/>
           <a:p>
-            <a:pPr marL="457200" indent="-317500" defTabSz="457200">
+            <a:pPr marL="527755" indent="-388055" defTabSz="457200">
               <a:lnSpc>
-                <a:spcPts val="2300"/>
+                <a:spcPts val="1700"/>
               </a:lnSpc>
               <a:spcBef>
                 <a:spcPts val="0"/>
@@ -40728,14 +40471,14 @@
               <a:buSzPct val="100000"/>
               <a:buFont typeface="Menlo"/>
               <a:buChar char="•"/>
-              <a:defRPr b="0" sz="900">
-                <a:solidFill>
-                  <a:srgbClr val="C41A16"/>
-                </a:solidFill>
-                <a:latin typeface="Menlo"/>
-                <a:ea typeface="Menlo"/>
-                <a:cs typeface="Menlo"/>
-                <a:sym typeface="Menlo"/>
+              <a:defRPr b="0" sz="1100">
+                <a:solidFill>
+                  <a:srgbClr val="5C2699"/>
+                </a:solidFill>
+                <a:latin typeface="Arial"/>
+                <a:ea typeface="Arial"/>
+                <a:cs typeface="Arial"/>
+                <a:sym typeface="Arial"/>
               </a:defRPr>
             </a:pPr>
             <a:r>
@@ -40780,9 +40523,9 @@
             </a:endParaRPr>
           </a:p>
           <a:p>
-            <a:pPr marL="457200" indent="-317500" defTabSz="457200">
+            <a:pPr marL="527755" indent="-388055" defTabSz="457200">
               <a:lnSpc>
-                <a:spcPts val="2300"/>
+                <a:spcPts val="1700"/>
               </a:lnSpc>
               <a:spcBef>
                 <a:spcPts val="0"/>
@@ -40793,14 +40536,14 @@
               <a:buSzPct val="100000"/>
               <a:buFont typeface="Menlo"/>
               <a:buChar char="•"/>
-              <a:defRPr b="0" sz="900">
-                <a:solidFill>
-                  <a:srgbClr val="3F6E74"/>
-                </a:solidFill>
-                <a:latin typeface="Menlo"/>
-                <a:ea typeface="Menlo"/>
-                <a:cs typeface="Menlo"/>
-                <a:sym typeface="Menlo"/>
+              <a:defRPr b="0" sz="1100">
+                <a:solidFill>
+                  <a:srgbClr val="5C2699"/>
+                </a:solidFill>
+                <a:latin typeface="Arial"/>
+                <a:ea typeface="Arial"/>
+                <a:cs typeface="Arial"/>
+                <a:sym typeface="Arial"/>
               </a:defRPr>
             </a:pPr>
             <a:r>
@@ -40843,9 +40586,9 @@
             </a:endParaRPr>
           </a:p>
           <a:p>
-            <a:pPr marL="457200" indent="-317500" defTabSz="457200">
+            <a:pPr marL="527755" indent="-388055" defTabSz="457200">
               <a:lnSpc>
-                <a:spcPts val="2300"/>
+                <a:spcPts val="1700"/>
               </a:lnSpc>
               <a:spcBef>
                 <a:spcPts val="0"/>
@@ -40856,14 +40599,14 @@
               <a:buSzPct val="100000"/>
               <a:buFont typeface="Menlo"/>
               <a:buChar char="•"/>
-              <a:defRPr b="0" sz="900">
-                <a:solidFill>
-                  <a:srgbClr val="007400"/>
-                </a:solidFill>
-                <a:latin typeface="Menlo"/>
-                <a:ea typeface="Menlo"/>
-                <a:cs typeface="Menlo"/>
-                <a:sym typeface="Menlo"/>
+              <a:defRPr b="0" sz="1100">
+                <a:solidFill>
+                  <a:srgbClr val="5C2699"/>
+                </a:solidFill>
+                <a:latin typeface="Arial"/>
+                <a:ea typeface="Arial"/>
+                <a:cs typeface="Arial"/>
+                <a:sym typeface="Arial"/>
               </a:defRPr>
             </a:pPr>
             <a:r>
@@ -40876,9 +40619,9 @@
             </a:endParaRPr>
           </a:p>
           <a:p>
-            <a:pPr marL="457200" indent="-317500" defTabSz="457200">
+            <a:pPr marL="527755" indent="-388055" defTabSz="457200">
               <a:lnSpc>
-                <a:spcPts val="2300"/>
+                <a:spcPts val="1700"/>
               </a:lnSpc>
               <a:spcBef>
                 <a:spcPts val="0"/>
@@ -40889,14 +40632,14 @@
               <a:buSzPct val="100000"/>
               <a:buFont typeface="Menlo"/>
               <a:buChar char="•"/>
-              <a:defRPr b="0" sz="900">
-                <a:solidFill>
-                  <a:srgbClr val="3F6E74"/>
-                </a:solidFill>
-                <a:latin typeface="Menlo"/>
-                <a:ea typeface="Menlo"/>
-                <a:cs typeface="Menlo"/>
-                <a:sym typeface="Menlo"/>
+              <a:defRPr b="0" sz="1100">
+                <a:solidFill>
+                  <a:srgbClr val="5C2699"/>
+                </a:solidFill>
+                <a:latin typeface="Arial"/>
+                <a:ea typeface="Arial"/>
+                <a:cs typeface="Arial"/>
+                <a:sym typeface="Arial"/>
               </a:defRPr>
             </a:pPr>
             <a:r>
@@ -40972,9 +40715,9 @@
             </a:endParaRPr>
           </a:p>
           <a:p>
-            <a:pPr marL="457200" indent="-317500" defTabSz="457200">
+            <a:pPr marL="527755" indent="-388055" defTabSz="457200">
               <a:lnSpc>
-                <a:spcPts val="2300"/>
+                <a:spcPts val="1700"/>
               </a:lnSpc>
               <a:spcBef>
                 <a:spcPts val="0"/>
@@ -40985,14 +40728,14 @@
               <a:buSzPct val="100000"/>
               <a:buFont typeface="Menlo"/>
               <a:buChar char="•"/>
-              <a:defRPr b="0" sz="900">
-                <a:solidFill>
-                  <a:srgbClr val="007400"/>
-                </a:solidFill>
-                <a:latin typeface="Menlo"/>
-                <a:ea typeface="Menlo"/>
-                <a:cs typeface="Menlo"/>
-                <a:sym typeface="Menlo"/>
+              <a:defRPr b="0" sz="1100">
+                <a:solidFill>
+                  <a:srgbClr val="5C2699"/>
+                </a:solidFill>
+                <a:latin typeface="Arial"/>
+                <a:ea typeface="Arial"/>
+                <a:cs typeface="Arial"/>
+                <a:sym typeface="Arial"/>
               </a:defRPr>
             </a:pPr>
             <a:r>
@@ -41005,9 +40748,9 @@
             </a:endParaRPr>
           </a:p>
           <a:p>
-            <a:pPr marL="457200" indent="-317500" defTabSz="457200">
+            <a:pPr marL="527755" indent="-388055" defTabSz="457200">
               <a:lnSpc>
-                <a:spcPts val="2300"/>
+                <a:spcPts val="1700"/>
               </a:lnSpc>
               <a:spcBef>
                 <a:spcPts val="0"/>
@@ -41018,14 +40761,14 @@
               <a:buSzPct val="100000"/>
               <a:buFont typeface="Menlo"/>
               <a:buChar char="•"/>
-              <a:defRPr b="0" sz="900">
-                <a:solidFill>
-                  <a:srgbClr val="3F6E74"/>
-                </a:solidFill>
-                <a:latin typeface="Menlo"/>
-                <a:ea typeface="Menlo"/>
-                <a:cs typeface="Menlo"/>
-                <a:sym typeface="Menlo"/>
+              <a:defRPr b="0" sz="1100">
+                <a:solidFill>
+                  <a:srgbClr val="5C2699"/>
+                </a:solidFill>
+                <a:latin typeface="Arial"/>
+                <a:ea typeface="Arial"/>
+                <a:cs typeface="Arial"/>
+                <a:sym typeface="Arial"/>
               </a:defRPr>
             </a:pPr>
             <a:r>
@@ -41101,9 +40844,9 @@
             </a:endParaRPr>
           </a:p>
           <a:p>
-            <a:pPr marL="457200" indent="-317500" defTabSz="457200">
+            <a:pPr marL="527755" indent="-388055" defTabSz="457200">
               <a:lnSpc>
-                <a:spcPts val="2300"/>
+                <a:spcPts val="1700"/>
               </a:lnSpc>
               <a:spcBef>
                 <a:spcPts val="0"/>
@@ -41114,14 +40857,14 @@
               <a:buSzPct val="100000"/>
               <a:buFont typeface="Menlo"/>
               <a:buChar char="•"/>
-              <a:defRPr b="0" sz="900">
-                <a:solidFill>
-                  <a:srgbClr val="007400"/>
-                </a:solidFill>
-                <a:latin typeface="Menlo"/>
-                <a:ea typeface="Menlo"/>
-                <a:cs typeface="Menlo"/>
-                <a:sym typeface="Menlo"/>
+              <a:defRPr b="0" sz="1100">
+                <a:solidFill>
+                  <a:srgbClr val="5C2699"/>
+                </a:solidFill>
+                <a:latin typeface="Arial"/>
+                <a:ea typeface="Arial"/>
+                <a:cs typeface="Arial"/>
+                <a:sym typeface="Arial"/>
               </a:defRPr>
             </a:pPr>
             <a:r>
@@ -41134,9 +40877,9 @@
             </a:endParaRPr>
           </a:p>
           <a:p>
-            <a:pPr marL="457200" indent="-317500" defTabSz="457200">
+            <a:pPr marL="527755" indent="-388055" defTabSz="457200">
               <a:lnSpc>
-                <a:spcPts val="2300"/>
+                <a:spcPts val="1700"/>
               </a:lnSpc>
               <a:spcBef>
                 <a:spcPts val="0"/>
@@ -41147,14 +40890,14 @@
               <a:buSzPct val="100000"/>
               <a:buFont typeface="Menlo"/>
               <a:buChar char="•"/>
-              <a:defRPr b="0" sz="900">
-                <a:solidFill>
-                  <a:srgbClr val="3F6E74"/>
-                </a:solidFill>
-                <a:latin typeface="Menlo"/>
-                <a:ea typeface="Menlo"/>
-                <a:cs typeface="Menlo"/>
-                <a:sym typeface="Menlo"/>
+              <a:defRPr b="0" sz="1100">
+                <a:solidFill>
+                  <a:srgbClr val="5C2699"/>
+                </a:solidFill>
+                <a:latin typeface="Arial"/>
+                <a:ea typeface="Arial"/>
+                <a:cs typeface="Arial"/>
+                <a:sym typeface="Arial"/>
               </a:defRPr>
             </a:pPr>
             <a:r>
@@ -41262,9 +41005,9 @@
             </a:endParaRPr>
           </a:p>
           <a:p>
-            <a:pPr marL="457200" indent="-317500" defTabSz="457200">
+            <a:pPr marL="527755" indent="-388055" defTabSz="457200">
               <a:lnSpc>
-                <a:spcPts val="2300"/>
+                <a:spcPts val="1700"/>
               </a:lnSpc>
               <a:spcBef>
                 <a:spcPts val="0"/>
@@ -41275,14 +41018,14 @@
               <a:buSzPct val="100000"/>
               <a:buFont typeface="Menlo"/>
               <a:buChar char="•"/>
-              <a:defRPr b="0" sz="900">
-                <a:solidFill>
-                  <a:srgbClr val="3F6E74"/>
-                </a:solidFill>
-                <a:latin typeface="Menlo"/>
-                <a:ea typeface="Menlo"/>
-                <a:cs typeface="Menlo"/>
-                <a:sym typeface="Menlo"/>
+              <a:defRPr b="0" sz="1100">
+                <a:solidFill>
+                  <a:srgbClr val="5C2699"/>
+                </a:solidFill>
+                <a:latin typeface="Arial"/>
+                <a:ea typeface="Arial"/>
+                <a:cs typeface="Arial"/>
+                <a:sym typeface="Arial"/>
               </a:defRPr>
             </a:pPr>
             <a:r>
@@ -41314,9 +41057,9 @@
             </a:endParaRPr>
           </a:p>
           <a:p>
-            <a:pPr marL="457200" indent="-317500" defTabSz="457200">
+            <a:pPr marL="527755" indent="-388055" defTabSz="457200">
               <a:lnSpc>
-                <a:spcPts val="2300"/>
+                <a:spcPts val="1700"/>
               </a:lnSpc>
               <a:spcBef>
                 <a:spcPts val="0"/>
@@ -41327,14 +41070,14 @@
               <a:buSzPct val="100000"/>
               <a:buFont typeface="Menlo"/>
               <a:buChar char="•"/>
-              <a:defRPr b="0" sz="900">
-                <a:solidFill>
-                  <a:srgbClr val="007400"/>
-                </a:solidFill>
-                <a:latin typeface="Menlo"/>
-                <a:ea typeface="Menlo"/>
-                <a:cs typeface="Menlo"/>
-                <a:sym typeface="Menlo"/>
+              <a:defRPr b="0" sz="1100">
+                <a:solidFill>
+                  <a:srgbClr val="5C2699"/>
+                </a:solidFill>
+                <a:latin typeface="Arial"/>
+                <a:ea typeface="Arial"/>
+                <a:cs typeface="Arial"/>
+                <a:sym typeface="Arial"/>
               </a:defRPr>
             </a:pPr>
             <a:r>
@@ -41351,8 +41094,8 @@
         </p:nvSpPr>
         <p:spPr>
           <a:xfrm>
-            <a:off x="572276" y="2985867"/>
-            <a:ext cx="3933247" cy="383541"/>
+            <a:off x="609694" y="3719853"/>
+            <a:ext cx="3543905" cy="509665"/>
           </a:xfrm>
           <a:prstGeom prst="rect">
             <a:avLst/>
@@ -41372,9 +41115,9 @@
           </a:bodyPr>
           <a:lstStyle/>
           <a:p>
-            <a:pPr marL="457200" indent="-317500" defTabSz="457200">
+            <a:pPr marL="527755" indent="-388055" defTabSz="457200">
               <a:lnSpc>
-                <a:spcPts val="2300"/>
+                <a:spcPts val="1700"/>
               </a:lnSpc>
               <a:spcBef>
                 <a:spcPts val="0"/>
@@ -41385,14 +41128,14 @@
               <a:buSzPct val="100000"/>
               <a:buFont typeface="Menlo"/>
               <a:buChar char="•"/>
-              <a:defRPr b="0" sz="900">
-                <a:solidFill>
-                  <a:srgbClr val="3F6E74"/>
-                </a:solidFill>
-                <a:latin typeface="Menlo"/>
-                <a:ea typeface="Menlo"/>
-                <a:cs typeface="Menlo"/>
-                <a:sym typeface="Menlo"/>
+              <a:defRPr b="0" sz="1100">
+                <a:solidFill>
+                  <a:srgbClr val="5C2699"/>
+                </a:solidFill>
+                <a:latin typeface="Arial"/>
+                <a:ea typeface="Arial"/>
+                <a:cs typeface="Arial"/>
+                <a:sym typeface="Arial"/>
               </a:defRPr>
             </a:pPr>
             <a:r>
@@ -41443,9 +41186,9 @@
             </a:endParaRPr>
           </a:p>
           <a:p>
-            <a:pPr marL="457200" indent="-317500" defTabSz="457200">
+            <a:pPr marL="527755" indent="-388055" defTabSz="457200">
               <a:lnSpc>
-                <a:spcPts val="2300"/>
+                <a:spcPts val="1700"/>
               </a:lnSpc>
               <a:spcBef>
                 <a:spcPts val="0"/>
@@ -41456,14 +41199,14 @@
               <a:buSzPct val="100000"/>
               <a:buFont typeface="Menlo"/>
               <a:buChar char="•"/>
-              <a:defRPr b="0" sz="900">
-                <a:solidFill>
-                  <a:srgbClr val="3F6E74"/>
-                </a:solidFill>
-                <a:latin typeface="Menlo"/>
-                <a:ea typeface="Menlo"/>
-                <a:cs typeface="Menlo"/>
-                <a:sym typeface="Menlo"/>
+              <a:defRPr b="0" sz="1100">
+                <a:solidFill>
+                  <a:srgbClr val="5C2699"/>
+                </a:solidFill>
+                <a:latin typeface="Arial"/>
+                <a:ea typeface="Arial"/>
+                <a:cs typeface="Arial"/>
+                <a:sym typeface="Arial"/>
               </a:defRPr>
             </a:pPr>
             <a:r>
@@ -41540,8 +41283,8 @@
         </p:nvSpPr>
         <p:spPr>
           <a:xfrm>
-            <a:off x="572276" y="3864820"/>
-            <a:ext cx="3933247" cy="713741"/>
+            <a:off x="5272900" y="1137990"/>
+            <a:ext cx="3260344" cy="941466"/>
           </a:xfrm>
           <a:prstGeom prst="rect">
             <a:avLst/>
@@ -41561,9 +41304,9 @@
           </a:bodyPr>
           <a:lstStyle/>
           <a:p>
-            <a:pPr marL="457200" indent="-317500" defTabSz="457200">
+            <a:pPr marL="527755" indent="-388055" defTabSz="457200">
               <a:lnSpc>
-                <a:spcPts val="2300"/>
+                <a:spcPts val="1700"/>
               </a:lnSpc>
               <a:spcBef>
                 <a:spcPts val="0"/>
@@ -41574,14 +41317,14 @@
               <a:buSzPct val="100000"/>
               <a:buFont typeface="Menlo"/>
               <a:buChar char="•"/>
-              <a:defRPr b="0" sz="900">
-                <a:solidFill>
-                  <a:srgbClr val="3F6E74"/>
-                </a:solidFill>
-                <a:latin typeface="Menlo"/>
-                <a:ea typeface="Menlo"/>
-                <a:cs typeface="Menlo"/>
-                <a:sym typeface="Menlo"/>
+              <a:defRPr b="0" sz="1100">
+                <a:solidFill>
+                  <a:srgbClr val="5C2699"/>
+                </a:solidFill>
+                <a:latin typeface="Arial"/>
+                <a:ea typeface="Arial"/>
+                <a:cs typeface="Arial"/>
+                <a:sym typeface="Arial"/>
               </a:defRPr>
             </a:pPr>
             <a:r>
@@ -41656,9 +41399,9 @@
             </a:endParaRPr>
           </a:p>
           <a:p>
-            <a:pPr marL="457200" indent="-317500" defTabSz="457200">
+            <a:pPr marL="527755" indent="-388055" defTabSz="457200">
               <a:lnSpc>
-                <a:spcPts val="2300"/>
+                <a:spcPts val="1700"/>
               </a:lnSpc>
               <a:spcBef>
                 <a:spcPts val="0"/>
@@ -41669,14 +41412,14 @@
               <a:buSzPct val="100000"/>
               <a:buFont typeface="Menlo"/>
               <a:buChar char="•"/>
-              <a:defRPr b="0" sz="900">
-                <a:solidFill>
-                  <a:srgbClr val="3F6E74"/>
-                </a:solidFill>
-                <a:latin typeface="Menlo"/>
-                <a:ea typeface="Menlo"/>
-                <a:cs typeface="Menlo"/>
-                <a:sym typeface="Menlo"/>
+              <a:defRPr b="0" sz="1100">
+                <a:solidFill>
+                  <a:srgbClr val="5C2699"/>
+                </a:solidFill>
+                <a:latin typeface="Arial"/>
+                <a:ea typeface="Arial"/>
+                <a:cs typeface="Arial"/>
+                <a:sym typeface="Arial"/>
               </a:defRPr>
             </a:pPr>
             <a:r>
@@ -41786,9 +41529,9 @@
             </a:endParaRPr>
           </a:p>
           <a:p>
-            <a:pPr marL="457200" indent="-317500" defTabSz="457200">
+            <a:pPr marL="527755" indent="-388055" defTabSz="457200">
               <a:lnSpc>
-                <a:spcPts val="2300"/>
+                <a:spcPts val="1700"/>
               </a:lnSpc>
               <a:spcBef>
                 <a:spcPts val="0"/>
@@ -41799,14 +41542,14 @@
               <a:buSzPct val="100000"/>
               <a:buFont typeface="Menlo"/>
               <a:buChar char="•"/>
-              <a:defRPr b="0" sz="900">
-                <a:solidFill>
-                  <a:srgbClr val="333333"/>
-                </a:solidFill>
-                <a:latin typeface="Menlo"/>
-                <a:ea typeface="Menlo"/>
-                <a:cs typeface="Menlo"/>
-                <a:sym typeface="Menlo"/>
+              <a:defRPr b="0" sz="1100">
+                <a:solidFill>
+                  <a:srgbClr val="5C2699"/>
+                </a:solidFill>
+                <a:latin typeface="Arial"/>
+                <a:ea typeface="Arial"/>
+                <a:cs typeface="Arial"/>
+                <a:sym typeface="Arial"/>
               </a:defRPr>
             </a:pPr>
             <a:r>
@@ -41814,9 +41557,9 @@
             </a:r>
           </a:p>
           <a:p>
-            <a:pPr marL="457200" indent="-317500" defTabSz="457200">
+            <a:pPr marL="527755" indent="-388055" defTabSz="457200">
               <a:lnSpc>
-                <a:spcPts val="2300"/>
+                <a:spcPts val="1700"/>
               </a:lnSpc>
               <a:spcBef>
                 <a:spcPts val="0"/>
@@ -41827,14 +41570,14 @@
               <a:buSzPct val="100000"/>
               <a:buFont typeface="Menlo"/>
               <a:buChar char="•"/>
-              <a:defRPr b="0" sz="900">
-                <a:solidFill>
-                  <a:srgbClr val="007400"/>
-                </a:solidFill>
-                <a:latin typeface="Menlo"/>
-                <a:ea typeface="Menlo"/>
-                <a:cs typeface="Menlo"/>
-                <a:sym typeface="Menlo"/>
+              <a:defRPr b="0" sz="1100">
+                <a:solidFill>
+                  <a:srgbClr val="5C2699"/>
+                </a:solidFill>
+                <a:latin typeface="Arial"/>
+                <a:ea typeface="Arial"/>
+                <a:cs typeface="Arial"/>
+                <a:sym typeface="Arial"/>
               </a:defRPr>
             </a:pPr>
             <a:r>
@@ -42421,7 +42164,7 @@
         <p:spPr>
           <a:xfrm>
             <a:off x="558244" y="1141583"/>
-            <a:ext cx="6204122" cy="1043941"/>
+            <a:ext cx="5832447" cy="1373266"/>
           </a:xfrm>
           <a:prstGeom prst="rect">
             <a:avLst/>
@@ -42441,9 +42184,9 @@
           </a:bodyPr>
           <a:lstStyle/>
           <a:p>
-            <a:pPr marL="457200" indent="-317500" defTabSz="457200">
+            <a:pPr marL="527755" indent="-388055" defTabSz="457200">
               <a:lnSpc>
-                <a:spcPts val="2300"/>
+                <a:spcPts val="1700"/>
               </a:lnSpc>
               <a:spcBef>
                 <a:spcPts val="0"/>
@@ -42454,14 +42197,14 @@
               <a:buSzPct val="100000"/>
               <a:buFont typeface="Menlo"/>
               <a:buChar char="•"/>
-              <a:defRPr b="0" sz="900">
-                <a:solidFill>
-                  <a:srgbClr val="3F6E74"/>
-                </a:solidFill>
-                <a:latin typeface="Menlo"/>
-                <a:ea typeface="Menlo"/>
-                <a:cs typeface="Menlo"/>
-                <a:sym typeface="Menlo"/>
+              <a:defRPr b="0" sz="1100">
+                <a:solidFill>
+                  <a:srgbClr val="5C2699"/>
+                </a:solidFill>
+                <a:latin typeface="Arial"/>
+                <a:ea typeface="Arial"/>
+                <a:cs typeface="Arial"/>
+                <a:sym typeface="Arial"/>
               </a:defRPr>
             </a:pPr>
             <a:r>
@@ -42506,9 +42249,9 @@
             </a:endParaRPr>
           </a:p>
           <a:p>
-            <a:pPr marL="457200" indent="-317500" defTabSz="457200">
+            <a:pPr marL="527755" indent="-388055" defTabSz="457200">
               <a:lnSpc>
-                <a:spcPts val="2300"/>
+                <a:spcPts val="1700"/>
               </a:lnSpc>
               <a:spcBef>
                 <a:spcPts val="0"/>
@@ -42519,14 +42262,14 @@
               <a:buSzPct val="100000"/>
               <a:buFont typeface="Menlo"/>
               <a:buChar char="•"/>
-              <a:defRPr b="0" sz="900">
-                <a:solidFill>
-                  <a:srgbClr val="3F6E74"/>
-                </a:solidFill>
-                <a:latin typeface="Menlo"/>
-                <a:ea typeface="Menlo"/>
-                <a:cs typeface="Menlo"/>
-                <a:sym typeface="Menlo"/>
+              <a:defRPr b="0" sz="1100">
+                <a:solidFill>
+                  <a:srgbClr val="5C2699"/>
+                </a:solidFill>
+                <a:latin typeface="Arial"/>
+                <a:ea typeface="Arial"/>
+                <a:cs typeface="Arial"/>
+                <a:sym typeface="Arial"/>
               </a:defRPr>
             </a:pPr>
             <a:r>
@@ -42607,9 +42350,9 @@
             </a:endParaRPr>
           </a:p>
           <a:p>
-            <a:pPr marL="457200" indent="-317500" defTabSz="457200">
+            <a:pPr marL="527755" indent="-388055" defTabSz="457200">
               <a:lnSpc>
-                <a:spcPts val="2300"/>
+                <a:spcPts val="1700"/>
               </a:lnSpc>
               <a:spcBef>
                 <a:spcPts val="0"/>
@@ -42620,14 +42363,14 @@
               <a:buSzPct val="100000"/>
               <a:buFont typeface="Menlo"/>
               <a:buChar char="•"/>
-              <a:defRPr b="0" sz="900">
-                <a:solidFill>
-                  <a:srgbClr val="007400"/>
-                </a:solidFill>
-                <a:latin typeface="Menlo"/>
-                <a:ea typeface="Menlo"/>
-                <a:cs typeface="Menlo"/>
-                <a:sym typeface="Menlo"/>
+              <a:defRPr b="0" sz="1100">
+                <a:solidFill>
+                  <a:srgbClr val="5C2699"/>
+                </a:solidFill>
+                <a:latin typeface="Arial"/>
+                <a:ea typeface="Arial"/>
+                <a:cs typeface="Arial"/>
+                <a:sym typeface="Arial"/>
               </a:defRPr>
             </a:pPr>
             <a:r>
@@ -42640,9 +42383,9 @@
             </a:endParaRPr>
           </a:p>
           <a:p>
-            <a:pPr marL="457200" indent="-317500" defTabSz="457200">
+            <a:pPr marL="527755" indent="-388055" defTabSz="457200">
               <a:lnSpc>
-                <a:spcPts val="2300"/>
+                <a:spcPts val="1700"/>
               </a:lnSpc>
               <a:spcBef>
                 <a:spcPts val="0"/>
@@ -42653,21 +42396,21 @@
               <a:buSzPct val="100000"/>
               <a:buFont typeface="Menlo"/>
               <a:buChar char="•"/>
-              <a:defRPr b="0" sz="900">
-                <a:solidFill>
-                  <a:srgbClr val="333333"/>
-                </a:solidFill>
-                <a:latin typeface="Menlo"/>
-                <a:ea typeface="Menlo"/>
-                <a:cs typeface="Menlo"/>
-                <a:sym typeface="Menlo"/>
+              <a:defRPr b="0" sz="1100">
+                <a:solidFill>
+                  <a:srgbClr val="5C2699"/>
+                </a:solidFill>
+                <a:latin typeface="Arial"/>
+                <a:ea typeface="Arial"/>
+                <a:cs typeface="Arial"/>
+                <a:sym typeface="Arial"/>
               </a:defRPr>
             </a:pPr>
           </a:p>
           <a:p>
-            <a:pPr marL="457200" indent="-317500" defTabSz="457200">
+            <a:pPr marL="527755" indent="-388055" defTabSz="457200">
               <a:lnSpc>
-                <a:spcPts val="2300"/>
+                <a:spcPts val="1700"/>
               </a:lnSpc>
               <a:spcBef>
                 <a:spcPts val="0"/>
@@ -42678,14 +42421,14 @@
               <a:buSzPct val="100000"/>
               <a:buFont typeface="Menlo"/>
               <a:buChar char="•"/>
-              <a:defRPr b="0" sz="900">
-                <a:solidFill>
-                  <a:srgbClr val="3F6E74"/>
-                </a:solidFill>
-                <a:latin typeface="Menlo"/>
-                <a:ea typeface="Menlo"/>
-                <a:cs typeface="Menlo"/>
-                <a:sym typeface="Menlo"/>
+              <a:defRPr b="0" sz="1100">
+                <a:solidFill>
+                  <a:srgbClr val="5C2699"/>
+                </a:solidFill>
+                <a:latin typeface="Arial"/>
+                <a:ea typeface="Arial"/>
+                <a:cs typeface="Arial"/>
+                <a:sym typeface="Arial"/>
               </a:defRPr>
             </a:pPr>
             <a:r>
@@ -42810,9 +42553,9 @@
             </a:endParaRPr>
           </a:p>
           <a:p>
-            <a:pPr marL="457200" indent="-317500" defTabSz="457200">
+            <a:pPr marL="527755" indent="-388055" defTabSz="457200">
               <a:lnSpc>
-                <a:spcPts val="2300"/>
+                <a:spcPts val="1700"/>
               </a:lnSpc>
               <a:spcBef>
                 <a:spcPts val="0"/>
@@ -42823,14 +42566,14 @@
               <a:buSzPct val="100000"/>
               <a:buFont typeface="Menlo"/>
               <a:buChar char="•"/>
-              <a:defRPr b="0" sz="900">
-                <a:solidFill>
-                  <a:srgbClr val="007400"/>
-                </a:solidFill>
-                <a:latin typeface="Menlo"/>
-                <a:ea typeface="Menlo"/>
-                <a:cs typeface="Menlo"/>
-                <a:sym typeface="Menlo"/>
+              <a:defRPr b="0" sz="1100">
+                <a:solidFill>
+                  <a:srgbClr val="5C2699"/>
+                </a:solidFill>
+                <a:latin typeface="Arial"/>
+                <a:ea typeface="Arial"/>
+                <a:cs typeface="Arial"/>
+                <a:sym typeface="Arial"/>
               </a:defRPr>
             </a:pPr>
             <a:r>
@@ -42848,7 +42591,7 @@
         <p:spPr>
           <a:xfrm>
             <a:off x="539535" y="2630397"/>
-            <a:ext cx="5860050" cy="1285240"/>
+            <a:ext cx="5661233" cy="1589165"/>
           </a:xfrm>
           <a:prstGeom prst="rect">
             <a:avLst/>
@@ -42868,9 +42611,9 @@
           </a:bodyPr>
           <a:lstStyle/>
           <a:p>
-            <a:pPr marL="457200" indent="-317500" defTabSz="457200">
+            <a:pPr marL="527755" indent="-388055" defTabSz="457200">
               <a:lnSpc>
-                <a:spcPts val="2400"/>
+                <a:spcPts val="1700"/>
               </a:lnSpc>
               <a:spcBef>
                 <a:spcPts val="0"/>
@@ -42881,14 +42624,14 @@
               <a:buSzPct val="100000"/>
               <a:buFont typeface="Menlo"/>
               <a:buChar char="•"/>
-              <a:defRPr b="0" sz="900">
-                <a:solidFill>
-                  <a:srgbClr val="3F6E74"/>
-                </a:solidFill>
-                <a:latin typeface="Menlo"/>
-                <a:ea typeface="Menlo"/>
-                <a:cs typeface="Menlo"/>
-                <a:sym typeface="Menlo"/>
+              <a:defRPr b="0" sz="1100">
+                <a:solidFill>
+                  <a:srgbClr val="5C2699"/>
+                </a:solidFill>
+                <a:latin typeface="Arial"/>
+                <a:ea typeface="Arial"/>
+                <a:cs typeface="Arial"/>
+                <a:sym typeface="Arial"/>
               </a:defRPr>
             </a:pPr>
             <a:r>
@@ -42986,9 +42729,9 @@
             </a:endParaRPr>
           </a:p>
           <a:p>
-            <a:pPr marL="457200" indent="-317500" defTabSz="457200">
+            <a:pPr marL="527755" indent="-388055" defTabSz="457200">
               <a:lnSpc>
-                <a:spcPts val="2400"/>
+                <a:spcPts val="1700"/>
               </a:lnSpc>
               <a:spcBef>
                 <a:spcPts val="0"/>
@@ -42999,14 +42742,14 @@
               <a:buSzPct val="100000"/>
               <a:buFont typeface="Menlo"/>
               <a:buChar char="•"/>
-              <a:defRPr b="0" sz="900">
-                <a:solidFill>
-                  <a:srgbClr val="007400"/>
-                </a:solidFill>
-                <a:latin typeface="Menlo"/>
-                <a:ea typeface="Menlo"/>
-                <a:cs typeface="Menlo"/>
-                <a:sym typeface="Menlo"/>
+              <a:defRPr b="0" sz="1100">
+                <a:solidFill>
+                  <a:srgbClr val="5C2699"/>
+                </a:solidFill>
+                <a:latin typeface="Arial"/>
+                <a:ea typeface="Arial"/>
+                <a:cs typeface="Arial"/>
+                <a:sym typeface="Arial"/>
               </a:defRPr>
             </a:pPr>
             <a:r>
@@ -43019,9 +42762,9 @@
             </a:endParaRPr>
           </a:p>
           <a:p>
-            <a:pPr marL="457200" indent="-317500" defTabSz="457200">
+            <a:pPr marL="527755" indent="-388055" defTabSz="457200">
               <a:lnSpc>
-                <a:spcPts val="2400"/>
+                <a:spcPts val="1700"/>
               </a:lnSpc>
               <a:spcBef>
                 <a:spcPts val="0"/>
@@ -43032,21 +42775,21 @@
               <a:buSzPct val="100000"/>
               <a:buFont typeface="Menlo"/>
               <a:buChar char="•"/>
-              <a:defRPr b="0" sz="900">
-                <a:solidFill>
-                  <a:srgbClr val="333333"/>
-                </a:solidFill>
-                <a:latin typeface="Menlo"/>
-                <a:ea typeface="Menlo"/>
-                <a:cs typeface="Menlo"/>
-                <a:sym typeface="Menlo"/>
+              <a:defRPr b="0" sz="1100">
+                <a:solidFill>
+                  <a:srgbClr val="5C2699"/>
+                </a:solidFill>
+                <a:latin typeface="Arial"/>
+                <a:ea typeface="Arial"/>
+                <a:cs typeface="Arial"/>
+                <a:sym typeface="Arial"/>
               </a:defRPr>
             </a:pPr>
           </a:p>
           <a:p>
-            <a:pPr marL="457200" indent="-317500" defTabSz="457200">
+            <a:pPr marL="527755" indent="-388055" defTabSz="457200">
               <a:lnSpc>
-                <a:spcPts val="2400"/>
+                <a:spcPts val="1700"/>
               </a:lnSpc>
               <a:spcBef>
                 <a:spcPts val="0"/>
@@ -43057,14 +42800,14 @@
               <a:buSzPct val="100000"/>
               <a:buFont typeface="Menlo"/>
               <a:buChar char="•"/>
-              <a:defRPr b="0" sz="900">
-                <a:solidFill>
-                  <a:srgbClr val="3F6E74"/>
-                </a:solidFill>
-                <a:latin typeface="Menlo"/>
-                <a:ea typeface="Menlo"/>
-                <a:cs typeface="Menlo"/>
-                <a:sym typeface="Menlo"/>
+              <a:defRPr b="0" sz="1100">
+                <a:solidFill>
+                  <a:srgbClr val="5C2699"/>
+                </a:solidFill>
+                <a:latin typeface="Arial"/>
+                <a:ea typeface="Arial"/>
+                <a:cs typeface="Arial"/>
+                <a:sym typeface="Arial"/>
               </a:defRPr>
             </a:pPr>
             <a:r>
@@ -43186,9 +42929,9 @@
             </a:endParaRPr>
           </a:p>
           <a:p>
-            <a:pPr marL="457200" indent="-317500" defTabSz="457200">
+            <a:pPr marL="527755" indent="-388055" defTabSz="457200">
               <a:lnSpc>
-                <a:spcPts val="2400"/>
+                <a:spcPts val="1700"/>
               </a:lnSpc>
               <a:spcBef>
                 <a:spcPts val="0"/>
@@ -43199,14 +42942,14 @@
               <a:buSzPct val="100000"/>
               <a:buFont typeface="Menlo"/>
               <a:buChar char="•"/>
-              <a:defRPr b="0" sz="900">
-                <a:solidFill>
-                  <a:srgbClr val="3F6E74"/>
-                </a:solidFill>
-                <a:latin typeface="Menlo"/>
-                <a:ea typeface="Menlo"/>
-                <a:cs typeface="Menlo"/>
-                <a:sym typeface="Menlo"/>
+              <a:defRPr b="0" sz="1100">
+                <a:solidFill>
+                  <a:srgbClr val="5C2699"/>
+                </a:solidFill>
+                <a:latin typeface="Arial"/>
+                <a:ea typeface="Arial"/>
+                <a:cs typeface="Arial"/>
+                <a:sym typeface="Arial"/>
               </a:defRPr>
             </a:pPr>
             <a:r>
@@ -43249,9 +42992,9 @@
             </a:endParaRPr>
           </a:p>
           <a:p>
-            <a:pPr marL="457200" indent="-317500" defTabSz="457200">
+            <a:pPr marL="527755" indent="-388055" defTabSz="457200">
               <a:lnSpc>
-                <a:spcPts val="2400"/>
+                <a:spcPts val="1700"/>
               </a:lnSpc>
               <a:spcBef>
                 <a:spcPts val="0"/>
@@ -43262,14 +43005,14 @@
               <a:buSzPct val="100000"/>
               <a:buFont typeface="Menlo"/>
               <a:buChar char="•"/>
-              <a:defRPr b="0" sz="900">
-                <a:solidFill>
-                  <a:srgbClr val="007400"/>
-                </a:solidFill>
-                <a:latin typeface="Menlo"/>
-                <a:ea typeface="Menlo"/>
-                <a:cs typeface="Menlo"/>
-                <a:sym typeface="Menlo"/>
+              <a:defRPr b="0" sz="1100">
+                <a:solidFill>
+                  <a:srgbClr val="5C2699"/>
+                </a:solidFill>
+                <a:latin typeface="Arial"/>
+                <a:ea typeface="Arial"/>
+                <a:cs typeface="Arial"/>
+                <a:sym typeface="Arial"/>
               </a:defRPr>
             </a:pPr>
             <a:r>
@@ -43423,7 +43166,7 @@
         <p:spPr>
           <a:xfrm>
             <a:off x="581630" y="1174324"/>
-            <a:ext cx="7198108" cy="2209801"/>
+            <a:ext cx="4098766" cy="1589165"/>
           </a:xfrm>
           <a:prstGeom prst="rect">
             <a:avLst/>
@@ -43443,9 +43186,9 @@
           </a:bodyPr>
           <a:lstStyle/>
           <a:p>
-            <a:pPr marL="457200" indent="-317500" defTabSz="457200">
+            <a:pPr marL="389164" indent="-249464" defTabSz="457200">
               <a:lnSpc>
-                <a:spcPts val="3900"/>
+                <a:spcPts val="1700"/>
               </a:lnSpc>
               <a:spcBef>
                 <a:spcPts val="0"/>
@@ -43456,14 +43199,14 @@
               <a:buSzPct val="100000"/>
               <a:buFont typeface="Menlo"/>
               <a:buChar char="•"/>
-              <a:defRPr b="0">
-                <a:solidFill>
-                  <a:srgbClr val="C41A16"/>
-                </a:solidFill>
-                <a:latin typeface="Menlo"/>
-                <a:ea typeface="Menlo"/>
-                <a:cs typeface="Menlo"/>
-                <a:sym typeface="Menlo"/>
+              <a:defRPr b="0" sz="1100">
+                <a:solidFill>
+                  <a:srgbClr val="5C2699"/>
+                </a:solidFill>
+                <a:latin typeface="Arial"/>
+                <a:ea typeface="Arial"/>
+                <a:cs typeface="Arial"/>
+                <a:sym typeface="Arial"/>
               </a:defRPr>
             </a:pPr>
             <a:r>
@@ -43508,9 +43251,9 @@
             </a:endParaRPr>
           </a:p>
           <a:p>
-            <a:pPr marL="457200" indent="-317500" defTabSz="457200">
+            <a:pPr marL="389164" indent="-249464" defTabSz="457200">
               <a:lnSpc>
-                <a:spcPts val="3900"/>
+                <a:spcPts val="1700"/>
               </a:lnSpc>
               <a:spcBef>
                 <a:spcPts val="0"/>
@@ -43521,14 +43264,14 @@
               <a:buSzPct val="100000"/>
               <a:buFont typeface="Menlo"/>
               <a:buChar char="•"/>
-              <a:defRPr b="0">
-                <a:solidFill>
-                  <a:srgbClr val="3F6E74"/>
-                </a:solidFill>
-                <a:latin typeface="Menlo"/>
-                <a:ea typeface="Menlo"/>
-                <a:cs typeface="Menlo"/>
-                <a:sym typeface="Menlo"/>
+              <a:defRPr b="0" sz="1100">
+                <a:solidFill>
+                  <a:srgbClr val="5C2699"/>
+                </a:solidFill>
+                <a:latin typeface="Arial"/>
+                <a:ea typeface="Arial"/>
+                <a:cs typeface="Arial"/>
+                <a:sym typeface="Arial"/>
               </a:defRPr>
             </a:pPr>
             <a:r>
@@ -43628,9 +43371,9 @@
             </a:endParaRPr>
           </a:p>
           <a:p>
-            <a:pPr marL="457200" indent="-317500" defTabSz="457200">
+            <a:pPr marL="389164" indent="-249464" defTabSz="457200">
               <a:lnSpc>
-                <a:spcPts val="3900"/>
+                <a:spcPts val="1700"/>
               </a:lnSpc>
               <a:spcBef>
                 <a:spcPts val="0"/>
@@ -43641,14 +43384,14 @@
               <a:buSzPct val="100000"/>
               <a:buFont typeface="Menlo"/>
               <a:buChar char="•"/>
-              <a:defRPr b="0">
-                <a:solidFill>
-                  <a:srgbClr val="3F6E74"/>
-                </a:solidFill>
-                <a:latin typeface="Menlo"/>
-                <a:ea typeface="Menlo"/>
-                <a:cs typeface="Menlo"/>
-                <a:sym typeface="Menlo"/>
+              <a:defRPr b="0" sz="1100">
+                <a:solidFill>
+                  <a:srgbClr val="5C2699"/>
+                </a:solidFill>
+                <a:latin typeface="Arial"/>
+                <a:ea typeface="Arial"/>
+                <a:cs typeface="Arial"/>
+                <a:sym typeface="Arial"/>
               </a:defRPr>
             </a:pPr>
             <a:r>
@@ -43707,9 +43450,9 @@
             </a:endParaRPr>
           </a:p>
           <a:p>
-            <a:pPr marL="457200" indent="-317500" defTabSz="457200">
+            <a:pPr marL="389164" indent="-249464" defTabSz="457200">
               <a:lnSpc>
-                <a:spcPts val="3900"/>
+                <a:spcPts val="1700"/>
               </a:lnSpc>
               <a:spcBef>
                 <a:spcPts val="0"/>
@@ -43720,14 +43463,14 @@
               <a:buSzPct val="100000"/>
               <a:buFont typeface="Menlo"/>
               <a:buChar char="•"/>
-              <a:defRPr b="0">
-                <a:solidFill>
-                  <a:srgbClr val="007400"/>
-                </a:solidFill>
-                <a:latin typeface="Menlo"/>
-                <a:ea typeface="Menlo"/>
-                <a:cs typeface="Menlo"/>
-                <a:sym typeface="Menlo"/>
+              <a:defRPr b="0" sz="1100">
+                <a:solidFill>
+                  <a:srgbClr val="5C2699"/>
+                </a:solidFill>
+                <a:latin typeface="Arial"/>
+                <a:ea typeface="Arial"/>
+                <a:cs typeface="Arial"/>
+                <a:sym typeface="Arial"/>
               </a:defRPr>
             </a:pPr>
             <a:r>
@@ -43740,9 +43483,9 @@
             </a:endParaRPr>
           </a:p>
           <a:p>
-            <a:pPr marL="457200" indent="-317500" defTabSz="457200">
+            <a:pPr marL="389164" indent="-249464" defTabSz="457200">
               <a:lnSpc>
-                <a:spcPts val="3900"/>
+                <a:spcPts val="1700"/>
               </a:lnSpc>
               <a:spcBef>
                 <a:spcPts val="0"/>
@@ -43753,21 +43496,21 @@
               <a:buSzPct val="100000"/>
               <a:buFont typeface="Menlo"/>
               <a:buChar char="•"/>
-              <a:defRPr b="0">
-                <a:solidFill>
-                  <a:srgbClr val="333333"/>
-                </a:solidFill>
-                <a:latin typeface="Menlo"/>
-                <a:ea typeface="Menlo"/>
-                <a:cs typeface="Menlo"/>
-                <a:sym typeface="Menlo"/>
+              <a:defRPr b="0" sz="1100">
+                <a:solidFill>
+                  <a:srgbClr val="5C2699"/>
+                </a:solidFill>
+                <a:latin typeface="Arial"/>
+                <a:ea typeface="Arial"/>
+                <a:cs typeface="Arial"/>
+                <a:sym typeface="Arial"/>
               </a:defRPr>
             </a:pPr>
           </a:p>
           <a:p>
-            <a:pPr marL="457200" indent="-317500" defTabSz="457200">
+            <a:pPr marL="389164" indent="-249464" defTabSz="457200">
               <a:lnSpc>
-                <a:spcPts val="3900"/>
+                <a:spcPts val="1700"/>
               </a:lnSpc>
               <a:spcBef>
                 <a:spcPts val="0"/>
@@ -43778,14 +43521,14 @@
               <a:buSzPct val="100000"/>
               <a:buFont typeface="Menlo"/>
               <a:buChar char="•"/>
-              <a:defRPr b="0">
-                <a:solidFill>
-                  <a:srgbClr val="007400"/>
-                </a:solidFill>
-                <a:latin typeface="Menlo"/>
-                <a:ea typeface="Menlo"/>
-                <a:cs typeface="Menlo"/>
-                <a:sym typeface="Menlo"/>
+              <a:defRPr b="0" sz="1100">
+                <a:solidFill>
+                  <a:srgbClr val="5C2699"/>
+                </a:solidFill>
+                <a:latin typeface="Arial"/>
+                <a:ea typeface="Arial"/>
+                <a:cs typeface="Arial"/>
+                <a:sym typeface="Arial"/>
               </a:defRPr>
             </a:pPr>
             <a:r>
@@ -43798,9 +43541,9 @@
             </a:endParaRPr>
           </a:p>
           <a:p>
-            <a:pPr marL="457200" indent="-317500" defTabSz="457200">
+            <a:pPr marL="389164" indent="-249464" defTabSz="457200">
               <a:lnSpc>
-                <a:spcPts val="3900"/>
+                <a:spcPts val="1700"/>
               </a:lnSpc>
               <a:spcBef>
                 <a:spcPts val="0"/>
@@ -43811,14 +43554,14 @@
               <a:buSzPct val="100000"/>
               <a:buFont typeface="Menlo"/>
               <a:buChar char="•"/>
-              <a:defRPr b="0">
-                <a:solidFill>
-                  <a:srgbClr val="3F6E74"/>
-                </a:solidFill>
-                <a:latin typeface="Menlo"/>
-                <a:ea typeface="Menlo"/>
-                <a:cs typeface="Menlo"/>
-                <a:sym typeface="Menlo"/>
+              <a:defRPr b="0" sz="1100">
+                <a:solidFill>
+                  <a:srgbClr val="5C2699"/>
+                </a:solidFill>
+                <a:latin typeface="Arial"/>
+                <a:ea typeface="Arial"/>
+                <a:cs typeface="Arial"/>
+                <a:sym typeface="Arial"/>
               </a:defRPr>
             </a:pPr>
             <a:r>
@@ -43870,11 +43613,6 @@
               </a:rPr>
               <a:t>)</a:t>
             </a:r>
-            <a:endParaRPr>
-              <a:solidFill>
-                <a:srgbClr val="333333"/>
-              </a:solidFill>
-            </a:endParaRPr>
           </a:p>
         </p:txBody>
       </p:sp>
@@ -44438,8 +44176,8 @@
         </p:nvSpPr>
         <p:spPr>
           <a:xfrm>
-            <a:off x="506105" y="945399"/>
-            <a:ext cx="3130412" cy="1788161"/>
+            <a:off x="600989" y="851854"/>
+            <a:ext cx="2639988" cy="1976002"/>
           </a:xfrm>
           <a:prstGeom prst="rect">
             <a:avLst/>
@@ -44459,28 +44197,28 @@
           </a:bodyPr>
           <a:lstStyle/>
           <a:p>
-            <a:pPr algn="r" defTabSz="457200">
+            <a:pPr defTabSz="457200">
               <a:lnSpc>
-                <a:spcPts val="4400"/>
+                <a:spcPts val="2500"/>
               </a:lnSpc>
               <a:spcBef>
                 <a:spcPts val="0"/>
               </a:spcBef>
               <a:defRPr b="0" sz="1600">
                 <a:solidFill>
-                  <a:srgbClr val="AAAAAA"/>
-                </a:solidFill>
-                <a:latin typeface="Courier"/>
-                <a:ea typeface="Courier"/>
-                <a:cs typeface="Courier"/>
-                <a:sym typeface="Courier"/>
+                  <a:srgbClr val="5C2699"/>
+                </a:solidFill>
+                <a:latin typeface="Arial"/>
+                <a:ea typeface="Arial"/>
+                <a:cs typeface="Arial"/>
+                <a:sym typeface="Arial"/>
               </a:defRPr>
             </a:pPr>
           </a:p>
           <a:p>
-            <a:pPr marL="457200" indent="-317500" defTabSz="457200">
+            <a:pPr marL="502557" indent="-362857" defTabSz="457200">
               <a:lnSpc>
-                <a:spcPts val="3900"/>
+                <a:spcPts val="2500"/>
               </a:lnSpc>
               <a:spcBef>
                 <a:spcPts val="0"/>
@@ -44491,61 +44229,24 @@
               <a:buSzPct val="100000"/>
               <a:buFont typeface="Menlo"/>
               <a:buChar char="•"/>
-              <a:defRPr b="0">
-                <a:solidFill>
-                  <a:srgbClr val="AA0D91"/>
-                </a:solidFill>
-                <a:latin typeface="Menlo"/>
-                <a:ea typeface="Menlo"/>
-                <a:cs typeface="Menlo"/>
-                <a:sym typeface="Menlo"/>
+              <a:defRPr b="0" sz="1600">
+                <a:solidFill>
+                  <a:srgbClr val="5C2699"/>
+                </a:solidFill>
+                <a:latin typeface="Arial"/>
+                <a:ea typeface="Arial"/>
+                <a:cs typeface="Arial"/>
+                <a:sym typeface="Arial"/>
               </a:defRPr>
             </a:pPr>
             <a:r>
-              <a:t>let</a:t>
-            </a:r>
-            <a:r>
-              <a:rPr>
-                <a:solidFill>
-                  <a:srgbClr val="333333"/>
-                </a:solidFill>
-              </a:rPr>
-              <a:t> </a:t>
-            </a:r>
-            <a:r>
-              <a:rPr>
-                <a:solidFill>
-                  <a:srgbClr val="3F6E74"/>
-                </a:solidFill>
-              </a:rPr>
-              <a:t>b</a:t>
-            </a:r>
-            <a:r>
-              <a:rPr>
-                <a:solidFill>
-                  <a:srgbClr val="333333"/>
-                </a:solidFill>
-              </a:rPr>
-              <a:t> = </a:t>
-            </a:r>
-            <a:r>
-              <a:rPr>
-                <a:solidFill>
-                  <a:srgbClr val="1C00CF"/>
-                </a:solidFill>
-              </a:rPr>
-              <a:t>10</a:t>
-            </a:r>
-            <a:endParaRPr>
-              <a:solidFill>
-                <a:srgbClr val="333333"/>
-              </a:solidFill>
-            </a:endParaRPr>
+              <a:t>let b = 10</a:t>
+            </a:r>
           </a:p>
           <a:p>
-            <a:pPr marL="457200" indent="-317500" defTabSz="457200">
+            <a:pPr marL="502557" indent="-362857" defTabSz="457200">
               <a:lnSpc>
-                <a:spcPts val="3900"/>
+                <a:spcPts val="2500"/>
               </a:lnSpc>
               <a:spcBef>
                 <a:spcPts val="0"/>
@@ -44556,61 +44257,24 @@
               <a:buSzPct val="100000"/>
               <a:buFont typeface="Menlo"/>
               <a:buChar char="•"/>
-              <a:defRPr b="0">
-                <a:solidFill>
-                  <a:srgbClr val="AA0D91"/>
-                </a:solidFill>
-                <a:latin typeface="Menlo"/>
-                <a:ea typeface="Menlo"/>
-                <a:cs typeface="Menlo"/>
-                <a:sym typeface="Menlo"/>
+              <a:defRPr b="0" sz="1600">
+                <a:solidFill>
+                  <a:srgbClr val="5C2699"/>
+                </a:solidFill>
+                <a:latin typeface="Arial"/>
+                <a:ea typeface="Arial"/>
+                <a:cs typeface="Arial"/>
+                <a:sym typeface="Arial"/>
               </a:defRPr>
             </a:pPr>
             <a:r>
-              <a:t>var</a:t>
-            </a:r>
-            <a:r>
-              <a:rPr>
-                <a:solidFill>
-                  <a:srgbClr val="333333"/>
-                </a:solidFill>
-              </a:rPr>
-              <a:t> </a:t>
-            </a:r>
-            <a:r>
-              <a:rPr>
-                <a:solidFill>
-                  <a:srgbClr val="3F6E74"/>
-                </a:solidFill>
-              </a:rPr>
-              <a:t>a</a:t>
-            </a:r>
-            <a:r>
-              <a:rPr>
-                <a:solidFill>
-                  <a:srgbClr val="333333"/>
-                </a:solidFill>
-              </a:rPr>
-              <a:t> = </a:t>
-            </a:r>
-            <a:r>
-              <a:rPr>
-                <a:solidFill>
-                  <a:srgbClr val="1C00CF"/>
-                </a:solidFill>
-              </a:rPr>
-              <a:t>5</a:t>
-            </a:r>
-            <a:endParaRPr>
-              <a:solidFill>
-                <a:srgbClr val="333333"/>
-              </a:solidFill>
-            </a:endParaRPr>
+              <a:t>var a = 5</a:t>
+            </a:r>
           </a:p>
           <a:p>
-            <a:pPr marL="457200" indent="-317500" defTabSz="457200">
+            <a:pPr marL="502557" indent="-362857" defTabSz="457200">
               <a:lnSpc>
-                <a:spcPts val="3900"/>
+                <a:spcPts val="2500"/>
               </a:lnSpc>
               <a:spcBef>
                 <a:spcPts val="0"/>
@@ -44621,40 +44285,24 @@
               <a:buSzPct val="100000"/>
               <a:buFont typeface="Menlo"/>
               <a:buChar char="•"/>
-              <a:defRPr b="0">
-                <a:solidFill>
-                  <a:srgbClr val="3F6E74"/>
-                </a:solidFill>
-                <a:latin typeface="Menlo"/>
-                <a:ea typeface="Menlo"/>
-                <a:cs typeface="Menlo"/>
-                <a:sym typeface="Menlo"/>
+              <a:defRPr b="0" sz="1600">
+                <a:solidFill>
+                  <a:srgbClr val="5C2699"/>
+                </a:solidFill>
+                <a:latin typeface="Arial"/>
+                <a:ea typeface="Arial"/>
+                <a:cs typeface="Arial"/>
+                <a:sym typeface="Arial"/>
               </a:defRPr>
             </a:pPr>
             <a:r>
-              <a:t>a</a:t>
-            </a:r>
-            <a:r>
-              <a:rPr>
-                <a:solidFill>
-                  <a:srgbClr val="333333"/>
-                </a:solidFill>
-              </a:rPr>
-              <a:t> = </a:t>
-            </a:r>
-            <a:r>
-              <a:t>b</a:t>
-            </a:r>
-            <a:endParaRPr>
-              <a:solidFill>
-                <a:srgbClr val="333333"/>
-              </a:solidFill>
-            </a:endParaRPr>
+              <a:t>a = b</a:t>
+            </a:r>
           </a:p>
           <a:p>
-            <a:pPr marL="457200" indent="-317500" defTabSz="457200">
+            <a:pPr marL="502557" indent="-362857" defTabSz="457200">
               <a:lnSpc>
-                <a:spcPts val="3900"/>
+                <a:spcPts val="2500"/>
               </a:lnSpc>
               <a:spcBef>
                 <a:spcPts val="0"/>
@@ -44665,24 +44313,19 @@
               <a:buSzPct val="100000"/>
               <a:buFont typeface="Menlo"/>
               <a:buChar char="•"/>
-              <a:defRPr b="0">
-                <a:solidFill>
-                  <a:srgbClr val="007400"/>
-                </a:solidFill>
-                <a:latin typeface="Menlo"/>
-                <a:ea typeface="Menlo"/>
-                <a:cs typeface="Menlo"/>
-                <a:sym typeface="Menlo"/>
+              <a:defRPr b="0" sz="1600">
+                <a:solidFill>
+                  <a:srgbClr val="5C2699"/>
+                </a:solidFill>
+                <a:latin typeface="Arial"/>
+                <a:ea typeface="Arial"/>
+                <a:cs typeface="Arial"/>
+                <a:sym typeface="Arial"/>
               </a:defRPr>
             </a:pPr>
             <a:r>
               <a:t>// a is now equal to 10</a:t>
             </a:r>
-            <a:endParaRPr>
-              <a:solidFill>
-                <a:srgbClr val="333333"/>
-              </a:solidFill>
-            </a:endParaRPr>
           </a:p>
         </p:txBody>
       </p:sp>
@@ -44695,7 +44338,7 @@
         <p:spPr>
           <a:xfrm>
             <a:off x="534858" y="3002393"/>
-            <a:ext cx="4843126" cy="863601"/>
+            <a:ext cx="3848571" cy="1023502"/>
           </a:xfrm>
           <a:prstGeom prst="rect">
             <a:avLst/>
@@ -44715,9 +44358,9 @@
           </a:bodyPr>
           <a:lstStyle/>
           <a:p>
-            <a:pPr marL="457200" indent="-317500" defTabSz="457200">
+            <a:pPr marL="502557" indent="-362857" defTabSz="457200">
               <a:lnSpc>
-                <a:spcPts val="3900"/>
+                <a:spcPts val="2500"/>
               </a:lnSpc>
               <a:spcBef>
                 <a:spcPts val="0"/>
@@ -44728,14 +44371,14 @@
               <a:buSzPct val="100000"/>
               <a:buFont typeface="Menlo"/>
               <a:buChar char="•"/>
-              <a:defRPr b="0">
-                <a:solidFill>
-                  <a:srgbClr val="AA0D91"/>
-                </a:solidFill>
-                <a:latin typeface="Menlo"/>
-                <a:ea typeface="Menlo"/>
-                <a:cs typeface="Menlo"/>
-                <a:sym typeface="Menlo"/>
+              <a:defRPr b="0" sz="1600">
+                <a:solidFill>
+                  <a:srgbClr val="5C2699"/>
+                </a:solidFill>
+                <a:latin typeface="Arial"/>
+                <a:ea typeface="Arial"/>
+                <a:cs typeface="Arial"/>
+                <a:sym typeface="Arial"/>
               </a:defRPr>
             </a:pPr>
             <a:r>
@@ -44820,9 +44463,9 @@
             </a:endParaRPr>
           </a:p>
           <a:p>
-            <a:pPr marL="457200" indent="-317500" defTabSz="457200">
+            <a:pPr marL="502557" indent="-362857" defTabSz="457200">
               <a:lnSpc>
-                <a:spcPts val="3900"/>
+                <a:spcPts val="2500"/>
               </a:lnSpc>
               <a:spcBef>
                 <a:spcPts val="0"/>
@@ -44833,14 +44476,14 @@
               <a:buSzPct val="100000"/>
               <a:buFont typeface="Menlo"/>
               <a:buChar char="•"/>
-              <a:defRPr b="0">
-                <a:solidFill>
-                  <a:srgbClr val="007400"/>
-                </a:solidFill>
-                <a:latin typeface="Menlo"/>
-                <a:ea typeface="Menlo"/>
-                <a:cs typeface="Menlo"/>
-                <a:sym typeface="Menlo"/>
+              <a:defRPr b="0" sz="1600">
+                <a:solidFill>
+                  <a:srgbClr val="5C2699"/>
+                </a:solidFill>
+                <a:latin typeface="Arial"/>
+                <a:ea typeface="Arial"/>
+                <a:cs typeface="Arial"/>
+                <a:sym typeface="Arial"/>
               </a:defRPr>
             </a:pPr>
             <a:r>
@@ -44993,8 +44636,8 @@
         </p:nvSpPr>
         <p:spPr>
           <a:xfrm>
-            <a:off x="292016" y="945399"/>
-            <a:ext cx="3344501" cy="1788161"/>
+            <a:off x="413899" y="819114"/>
+            <a:ext cx="2730476" cy="1976002"/>
           </a:xfrm>
           <a:prstGeom prst="rect">
             <a:avLst/>
@@ -45014,28 +44657,28 @@
           </a:bodyPr>
           <a:lstStyle/>
           <a:p>
-            <a:pPr algn="r" defTabSz="457200">
+            <a:pPr defTabSz="457200">
               <a:lnSpc>
-                <a:spcPts val="4400"/>
+                <a:spcPts val="2500"/>
               </a:lnSpc>
               <a:spcBef>
                 <a:spcPts val="0"/>
               </a:spcBef>
               <a:defRPr b="0" sz="1600">
                 <a:solidFill>
-                  <a:srgbClr val="AAAAAA"/>
-                </a:solidFill>
-                <a:latin typeface="Courier"/>
-                <a:ea typeface="Courier"/>
-                <a:cs typeface="Courier"/>
-                <a:sym typeface="Courier"/>
+                  <a:srgbClr val="5C2699"/>
+                </a:solidFill>
+                <a:latin typeface="Arial"/>
+                <a:ea typeface="Arial"/>
+                <a:cs typeface="Arial"/>
+                <a:sym typeface="Arial"/>
               </a:defRPr>
             </a:pPr>
           </a:p>
           <a:p>
-            <a:pPr marL="457200" indent="-317500" defTabSz="457200">
+            <a:pPr marL="502557" indent="-362857" defTabSz="457200">
               <a:lnSpc>
-                <a:spcPts val="3900"/>
+                <a:spcPts val="2500"/>
               </a:lnSpc>
               <a:spcBef>
                 <a:spcPts val="0"/>
@@ -45046,14 +44689,14 @@
               <a:buSzPct val="100000"/>
               <a:buFont typeface="Menlo"/>
               <a:buChar char="•"/>
-              <a:defRPr b="0">
-                <a:solidFill>
-                  <a:srgbClr val="007400"/>
-                </a:solidFill>
-                <a:latin typeface="Menlo"/>
-                <a:ea typeface="Menlo"/>
-                <a:cs typeface="Menlo"/>
-                <a:sym typeface="Menlo"/>
+              <a:defRPr b="0" sz="1600">
+                <a:solidFill>
+                  <a:srgbClr val="5C2699"/>
+                </a:solidFill>
+                <a:latin typeface="Arial"/>
+                <a:ea typeface="Arial"/>
+                <a:cs typeface="Arial"/>
+                <a:sym typeface="Arial"/>
               </a:defRPr>
             </a:pPr>
             <a:r>
@@ -45098,9 +44741,9 @@
             </a:endParaRPr>
           </a:p>
           <a:p>
-            <a:pPr marL="457200" indent="-317500" defTabSz="457200">
+            <a:pPr marL="502557" indent="-362857" defTabSz="457200">
               <a:lnSpc>
-                <a:spcPts val="3900"/>
+                <a:spcPts val="2500"/>
               </a:lnSpc>
               <a:spcBef>
                 <a:spcPts val="0"/>
@@ -45111,14 +44754,14 @@
               <a:buSzPct val="100000"/>
               <a:buFont typeface="Menlo"/>
               <a:buChar char="•"/>
-              <a:defRPr b="0">
-                <a:solidFill>
-                  <a:srgbClr val="007400"/>
-                </a:solidFill>
-                <a:latin typeface="Menlo"/>
-                <a:ea typeface="Menlo"/>
-                <a:cs typeface="Menlo"/>
-                <a:sym typeface="Menlo"/>
+              <a:defRPr b="0" sz="1600">
+                <a:solidFill>
+                  <a:srgbClr val="5C2699"/>
+                </a:solidFill>
+                <a:latin typeface="Arial"/>
+                <a:ea typeface="Arial"/>
+                <a:cs typeface="Arial"/>
+                <a:sym typeface="Arial"/>
               </a:defRPr>
             </a:pPr>
             <a:r>
@@ -45163,9 +44806,9 @@
             </a:endParaRPr>
           </a:p>
           <a:p>
-            <a:pPr marL="457200" indent="-317500" defTabSz="457200">
+            <a:pPr marL="502557" indent="-362857" defTabSz="457200">
               <a:lnSpc>
-                <a:spcPts val="3900"/>
+                <a:spcPts val="2500"/>
               </a:lnSpc>
               <a:spcBef>
                 <a:spcPts val="0"/>
@@ -45176,14 +44819,14 @@
               <a:buSzPct val="100000"/>
               <a:buFont typeface="Menlo"/>
               <a:buChar char="•"/>
-              <a:defRPr b="0">
-                <a:solidFill>
-                  <a:srgbClr val="007400"/>
-                </a:solidFill>
-                <a:latin typeface="Menlo"/>
-                <a:ea typeface="Menlo"/>
-                <a:cs typeface="Menlo"/>
-                <a:sym typeface="Menlo"/>
+              <a:defRPr b="0" sz="1600">
+                <a:solidFill>
+                  <a:srgbClr val="5C2699"/>
+                </a:solidFill>
+                <a:latin typeface="Arial"/>
+                <a:ea typeface="Arial"/>
+                <a:cs typeface="Arial"/>
+                <a:sym typeface="Arial"/>
               </a:defRPr>
             </a:pPr>
             <a:r>
@@ -45228,9 +44871,9 @@
             </a:endParaRPr>
           </a:p>
           <a:p>
-            <a:pPr marL="457200" indent="-317500" defTabSz="457200">
+            <a:pPr marL="502557" indent="-362857" defTabSz="457200">
               <a:lnSpc>
-                <a:spcPts val="3900"/>
+                <a:spcPts val="2500"/>
               </a:lnSpc>
               <a:spcBef>
                 <a:spcPts val="0"/>
@@ -45241,14 +44884,14 @@
               <a:buSzPct val="100000"/>
               <a:buFont typeface="Menlo"/>
               <a:buChar char="•"/>
-              <a:defRPr b="0">
-                <a:solidFill>
-                  <a:srgbClr val="007400"/>
-                </a:solidFill>
-                <a:latin typeface="Menlo"/>
-                <a:ea typeface="Menlo"/>
-                <a:cs typeface="Menlo"/>
-                <a:sym typeface="Menlo"/>
+              <a:defRPr b="0" sz="1600">
+                <a:solidFill>
+                  <a:srgbClr val="5C2699"/>
+                </a:solidFill>
+                <a:latin typeface="Arial"/>
+                <a:ea typeface="Arial"/>
+                <a:cs typeface="Arial"/>
+                <a:sym typeface="Arial"/>
               </a:defRPr>
             </a:pPr>
             <a:r>
@@ -45302,8 +44945,8 @@
         </p:nvSpPr>
         <p:spPr>
           <a:xfrm>
-            <a:off x="277610" y="2824658"/>
-            <a:ext cx="5378349" cy="294641"/>
+            <a:off x="300996" y="2927557"/>
+            <a:ext cx="4264199" cy="388502"/>
           </a:xfrm>
           <a:prstGeom prst="rect">
             <a:avLst/>
@@ -45323,9 +44966,9 @@
           </a:bodyPr>
           <a:lstStyle/>
           <a:p>
-            <a:pPr marL="457200" indent="-317500" defTabSz="457200">
+            <a:pPr marL="502557" indent="-362857" defTabSz="457200">
               <a:lnSpc>
-                <a:spcPts val="3900"/>
+                <a:spcPts val="2500"/>
               </a:lnSpc>
               <a:spcBef>
                 <a:spcPts val="0"/>
@@ -45336,14 +44979,14 @@
               <a:buSzPct val="100000"/>
               <a:buFont typeface="Menlo"/>
               <a:buChar char="•"/>
-              <a:defRPr b="0">
-                <a:solidFill>
-                  <a:srgbClr val="AA0D91"/>
-                </a:solidFill>
-                <a:latin typeface="Menlo"/>
-                <a:ea typeface="Menlo"/>
-                <a:cs typeface="Menlo"/>
-                <a:sym typeface="Menlo"/>
+              <a:defRPr b="0" sz="1600">
+                <a:solidFill>
+                  <a:srgbClr val="5C2699"/>
+                </a:solidFill>
+                <a:latin typeface="Arial"/>
+                <a:ea typeface="Arial"/>
+                <a:cs typeface="Arial"/>
+                <a:sym typeface="Arial"/>
               </a:defRPr>
             </a:pPr>
             <a:r>
@@ -45392,8 +45035,8 @@
         </p:nvSpPr>
         <p:spPr>
           <a:xfrm>
-            <a:off x="277610" y="3474794"/>
-            <a:ext cx="1203609" cy="294641"/>
+            <a:off x="375832" y="3601079"/>
+            <a:ext cx="1182762" cy="388502"/>
           </a:xfrm>
           <a:prstGeom prst="rect">
             <a:avLst/>
@@ -45413,9 +45056,9 @@
           </a:bodyPr>
           <a:lstStyle/>
           <a:p>
-            <a:pPr marL="457200" indent="-317500" defTabSz="457200">
+            <a:pPr marL="502557" indent="-362857" defTabSz="457200">
               <a:lnSpc>
-                <a:spcPts val="3900"/>
+                <a:spcPts val="2500"/>
               </a:lnSpc>
               <a:spcBef>
                 <a:spcPts val="0"/>
@@ -45426,14 +45069,14 @@
               <a:buSzPct val="100000"/>
               <a:buFont typeface="Menlo"/>
               <a:buChar char="•"/>
-              <a:defRPr b="0">
-                <a:solidFill>
-                  <a:srgbClr val="AA0D91"/>
-                </a:solidFill>
-                <a:latin typeface="Menlo"/>
-                <a:ea typeface="Menlo"/>
-                <a:cs typeface="Menlo"/>
-                <a:sym typeface="Menlo"/>
+              <a:defRPr b="0" sz="1600">
+                <a:solidFill>
+                  <a:srgbClr val="5C2699"/>
+                </a:solidFill>
+                <a:latin typeface="Arial"/>
+                <a:ea typeface="Arial"/>
+                <a:cs typeface="Arial"/>
+                <a:sym typeface="Arial"/>
               </a:defRPr>
             </a:pPr>
             <a:r>
@@ -45469,8 +45112,8 @@
         </p:nvSpPr>
         <p:spPr>
           <a:xfrm>
-            <a:off x="4310038" y="1274170"/>
-            <a:ext cx="5722422" cy="787401"/>
+            <a:off x="3641193" y="1124499"/>
+            <a:ext cx="5472396" cy="1012736"/>
           </a:xfrm>
           <a:prstGeom prst="rect">
             <a:avLst/>
@@ -45490,9 +45133,9 @@
           </a:bodyPr>
           <a:lstStyle/>
           <a:p>
-            <a:pPr marL="457200" indent="-317500" defTabSz="457200">
+            <a:pPr marL="292100" indent="-292100" defTabSz="457200">
               <a:lnSpc>
-                <a:spcPts val="3300"/>
+                <a:spcPts val="2500"/>
               </a:lnSpc>
               <a:spcBef>
                 <a:spcPts val="0"/>
@@ -45503,61 +45146,24 @@
               <a:buSzPct val="100000"/>
               <a:buFont typeface="Menlo"/>
               <a:buChar char="•"/>
-              <a:defRPr b="0" sz="900">
-                <a:solidFill>
-                  <a:srgbClr val="AA0D91"/>
-                </a:solidFill>
-                <a:latin typeface="Menlo"/>
-                <a:ea typeface="Menlo"/>
-                <a:cs typeface="Menlo"/>
-                <a:sym typeface="Menlo"/>
+              <a:defRPr b="0" sz="1200">
+                <a:solidFill>
+                  <a:srgbClr val="5C2699"/>
+                </a:solidFill>
+                <a:latin typeface="Arial"/>
+                <a:ea typeface="Arial"/>
+                <a:cs typeface="Arial"/>
+                <a:sym typeface="Arial"/>
               </a:defRPr>
             </a:pPr>
             <a:r>
-              <a:t>let</a:t>
-            </a:r>
-            <a:r>
-              <a:rPr>
-                <a:solidFill>
-                  <a:srgbClr val="333333"/>
-                </a:solidFill>
-              </a:rPr>
-              <a:t> </a:t>
-            </a:r>
-            <a:r>
-              <a:rPr>
-                <a:solidFill>
-                  <a:srgbClr val="3F6E74"/>
-                </a:solidFill>
-              </a:rPr>
-              <a:t>three</a:t>
-            </a:r>
-            <a:r>
-              <a:rPr>
-                <a:solidFill>
-                  <a:srgbClr val="333333"/>
-                </a:solidFill>
-              </a:rPr>
-              <a:t> = </a:t>
-            </a:r>
-            <a:r>
-              <a:rPr>
-                <a:solidFill>
-                  <a:srgbClr val="1C00CF"/>
-                </a:solidFill>
-              </a:rPr>
-              <a:t>3</a:t>
-            </a:r>
-            <a:endParaRPr>
-              <a:solidFill>
-                <a:srgbClr val="333333"/>
-              </a:solidFill>
-            </a:endParaRPr>
+              <a:t>let three = 3</a:t>
+            </a:r>
           </a:p>
           <a:p>
-            <a:pPr marL="457200" indent="-317500" defTabSz="457200">
+            <a:pPr marL="292100" indent="-292100" defTabSz="457200">
               <a:lnSpc>
-                <a:spcPts val="3300"/>
+                <a:spcPts val="2500"/>
               </a:lnSpc>
               <a:spcBef>
                 <a:spcPts val="0"/>
@@ -45568,77 +45174,24 @@
               <a:buSzPct val="100000"/>
               <a:buFont typeface="Menlo"/>
               <a:buChar char="•"/>
-              <a:defRPr b="0" sz="900">
-                <a:solidFill>
-                  <a:srgbClr val="007400"/>
-                </a:solidFill>
-                <a:latin typeface="Menlo"/>
-                <a:ea typeface="Menlo"/>
-                <a:cs typeface="Menlo"/>
-                <a:sym typeface="Menlo"/>
+              <a:defRPr b="0" sz="1200">
+                <a:solidFill>
+                  <a:srgbClr val="5C2699"/>
+                </a:solidFill>
+                <a:latin typeface="Arial"/>
+                <a:ea typeface="Arial"/>
+                <a:cs typeface="Arial"/>
+                <a:sym typeface="Arial"/>
               </a:defRPr>
             </a:pPr>
             <a:r>
-              <a:rPr>
-                <a:solidFill>
-                  <a:srgbClr val="AA0D91"/>
-                </a:solidFill>
-              </a:rPr>
-              <a:t>let</a:t>
-            </a:r>
-            <a:r>
-              <a:rPr>
-                <a:solidFill>
-                  <a:srgbClr val="333333"/>
-                </a:solidFill>
-              </a:rPr>
-              <a:t> </a:t>
-            </a:r>
-            <a:r>
-              <a:rPr>
-                <a:solidFill>
-                  <a:srgbClr val="3F6E74"/>
-                </a:solidFill>
-              </a:rPr>
-              <a:t>minusThree</a:t>
-            </a:r>
-            <a:r>
-              <a:rPr>
-                <a:solidFill>
-                  <a:srgbClr val="333333"/>
-                </a:solidFill>
-              </a:rPr>
-              <a:t> = -</a:t>
-            </a:r>
-            <a:r>
-              <a:rPr>
-                <a:solidFill>
-                  <a:srgbClr val="3F6E74"/>
-                </a:solidFill>
-              </a:rPr>
-              <a:t>three</a:t>
-            </a:r>
-            <a:r>
-              <a:rPr>
-                <a:solidFill>
-                  <a:srgbClr val="333333"/>
-                </a:solidFill>
-              </a:rPr>
-              <a:t>       </a:t>
-            </a:r>
-            <a:r>
-              <a:t>// minusThree equals -3</a:t>
-            </a:r>
-            <a:endParaRPr>
-              <a:solidFill>
-                <a:srgbClr val="333333"/>
-              </a:solidFill>
-            </a:endParaRPr>
+              <a:t>let minusThree = -three       // minusThree equals -3</a:t>
+            </a:r>
           </a:p>
           <a:p>
-            <a:pPr marL="457200" indent="-317500" defTabSz="457200">
+            <a:pPr marL="292100" indent="-292100" defTabSz="457200">
               <a:lnSpc>
-                <a:spcPts val="3300"/>
+                <a:spcPts val="2500"/>
               </a:lnSpc>
               <a:spcBef>
                 <a:spcPts val="0"/>
@@ -45649,66 +45202,18 @@
               <a:buSzPct val="100000"/>
               <a:buFont typeface="Menlo"/>
               <a:buChar char="•"/>
-              <a:defRPr b="0" sz="900">
-                <a:solidFill>
-                  <a:srgbClr val="007400"/>
-                </a:solidFill>
-                <a:latin typeface="Menlo"/>
-                <a:ea typeface="Menlo"/>
-                <a:cs typeface="Menlo"/>
-                <a:sym typeface="Menlo"/>
+              <a:defRPr b="0" sz="1200">
+                <a:solidFill>
+                  <a:srgbClr val="5C2699"/>
+                </a:solidFill>
+                <a:latin typeface="Arial"/>
+                <a:ea typeface="Arial"/>
+                <a:cs typeface="Arial"/>
+                <a:sym typeface="Arial"/>
               </a:defRPr>
             </a:pPr>
             <a:r>
-              <a:rPr>
-                <a:solidFill>
-                  <a:srgbClr val="AA0D91"/>
-                </a:solidFill>
-              </a:rPr>
-              <a:t>let</a:t>
-            </a:r>
-            <a:r>
-              <a:rPr>
-                <a:solidFill>
-                  <a:srgbClr val="333333"/>
-                </a:solidFill>
-              </a:rPr>
-              <a:t> </a:t>
-            </a:r>
-            <a:r>
-              <a:rPr>
-                <a:solidFill>
-                  <a:srgbClr val="3F6E74"/>
-                </a:solidFill>
-              </a:rPr>
-              <a:t>plusThree</a:t>
-            </a:r>
-            <a:r>
-              <a:rPr>
-                <a:solidFill>
-                  <a:srgbClr val="333333"/>
-                </a:solidFill>
-              </a:rPr>
-              <a:t> = -</a:t>
-            </a:r>
-            <a:r>
-              <a:rPr>
-                <a:solidFill>
-                  <a:srgbClr val="3F6E74"/>
-                </a:solidFill>
-              </a:rPr>
-              <a:t>minusThree</a:t>
-            </a:r>
-            <a:r>
-              <a:rPr>
-                <a:solidFill>
-                  <a:srgbClr val="333333"/>
-                </a:solidFill>
-              </a:rPr>
-              <a:t>   </a:t>
-            </a:r>
-            <a:r>
-              <a:t>// plusThree equals 3, or "minus minus three"</a:t>
+              <a:t>let plusThree = -minusThree   // plusThree equals 3, or "minus minus three"</a:t>
             </a:r>
           </a:p>
         </p:txBody>
@@ -45859,8 +45364,8 @@
         </p:nvSpPr>
         <p:spPr>
           <a:xfrm>
-            <a:off x="385836" y="1171281"/>
-            <a:ext cx="2916323" cy="863601"/>
+            <a:off x="413899" y="1129186"/>
+            <a:ext cx="2470523" cy="1023501"/>
           </a:xfrm>
           <a:prstGeom prst="rect">
             <a:avLst/>
@@ -45880,9 +45385,9 @@
           </a:bodyPr>
           <a:lstStyle/>
           <a:p>
-            <a:pPr marL="457200" indent="-317500" defTabSz="457200">
+            <a:pPr marL="502557" indent="-362857" defTabSz="457200">
               <a:lnSpc>
-                <a:spcPts val="3900"/>
+                <a:spcPts val="2500"/>
               </a:lnSpc>
               <a:spcBef>
                 <a:spcPts val="0"/>
@@ -45893,14 +45398,14 @@
               <a:buSzPct val="100000"/>
               <a:buFont typeface="Menlo"/>
               <a:buChar char="•"/>
-              <a:defRPr b="0">
-                <a:solidFill>
-                  <a:srgbClr val="AA0D91"/>
-                </a:solidFill>
-                <a:latin typeface="Menlo"/>
-                <a:ea typeface="Menlo"/>
-                <a:cs typeface="Menlo"/>
-                <a:sym typeface="Menlo"/>
+              <a:defRPr b="0" sz="1600">
+                <a:solidFill>
+                  <a:srgbClr val="5C2699"/>
+                </a:solidFill>
+                <a:latin typeface="Arial"/>
+                <a:ea typeface="Arial"/>
+                <a:cs typeface="Arial"/>
+                <a:sym typeface="Arial"/>
               </a:defRPr>
             </a:pPr>
             <a:r>
@@ -45945,9 +45450,9 @@
             </a:endParaRPr>
           </a:p>
           <a:p>
-            <a:pPr marL="457200" indent="-317500" defTabSz="457200">
+            <a:pPr marL="502557" indent="-362857" defTabSz="457200">
               <a:lnSpc>
-                <a:spcPts val="3900"/>
+                <a:spcPts val="2500"/>
               </a:lnSpc>
               <a:spcBef>
                 <a:spcPts val="0"/>
@@ -45958,14 +45463,14 @@
               <a:buSzPct val="100000"/>
               <a:buFont typeface="Menlo"/>
               <a:buChar char="•"/>
-              <a:defRPr b="0">
-                <a:solidFill>
-                  <a:srgbClr val="3F6E74"/>
-                </a:solidFill>
-                <a:latin typeface="Menlo"/>
-                <a:ea typeface="Menlo"/>
-                <a:cs typeface="Menlo"/>
-                <a:sym typeface="Menlo"/>
+              <a:defRPr b="0" sz="1600">
+                <a:solidFill>
+                  <a:srgbClr val="5C2699"/>
+                </a:solidFill>
+                <a:latin typeface="Arial"/>
+                <a:ea typeface="Arial"/>
+                <a:cs typeface="Arial"/>
+                <a:sym typeface="Arial"/>
               </a:defRPr>
             </a:pPr>
             <a:r>
@@ -45994,9 +45499,9 @@
             </a:endParaRPr>
           </a:p>
           <a:p>
-            <a:pPr marL="457200" indent="-317500" defTabSz="457200">
+            <a:pPr marL="502557" indent="-362857" defTabSz="457200">
               <a:lnSpc>
-                <a:spcPts val="3900"/>
+                <a:spcPts val="2500"/>
               </a:lnSpc>
               <a:spcBef>
                 <a:spcPts val="0"/>
@@ -46007,14 +45512,14 @@
               <a:buSzPct val="100000"/>
               <a:buFont typeface="Menlo"/>
               <a:buChar char="•"/>
-              <a:defRPr b="0">
-                <a:solidFill>
-                  <a:srgbClr val="007400"/>
-                </a:solidFill>
-                <a:latin typeface="Menlo"/>
-                <a:ea typeface="Menlo"/>
-                <a:cs typeface="Menlo"/>
-                <a:sym typeface="Menlo"/>
+              <a:defRPr b="0" sz="1600">
+                <a:solidFill>
+                  <a:srgbClr val="5C2699"/>
+                </a:solidFill>
+                <a:latin typeface="Arial"/>
+                <a:ea typeface="Arial"/>
+                <a:cs typeface="Arial"/>
+                <a:sym typeface="Arial"/>
               </a:defRPr>
             </a:pPr>
             <a:r>
@@ -46170,7 +45675,7 @@
         <p:spPr>
           <a:xfrm>
             <a:off x="385836" y="1133863"/>
-            <a:ext cx="6769929" cy="1717041"/>
+            <a:ext cx="4926075" cy="1675979"/>
           </a:xfrm>
           <a:prstGeom prst="rect">
             <a:avLst/>
@@ -46190,9 +45695,9 @@
           </a:bodyPr>
           <a:lstStyle/>
           <a:p>
-            <a:pPr marL="457200" indent="-317500" defTabSz="457200">
+            <a:pPr marL="502557" indent="-362857" defTabSz="457200">
               <a:lnSpc>
-                <a:spcPts val="3900"/>
+                <a:spcPts val="2100"/>
               </a:lnSpc>
               <a:spcBef>
                 <a:spcPts val="0"/>
@@ -46205,12 +45710,12 @@
               <a:buChar char="•"/>
               <a:defRPr b="0">
                 <a:solidFill>
-                  <a:srgbClr val="007400"/>
-                </a:solidFill>
-                <a:latin typeface="Menlo"/>
-                <a:ea typeface="Menlo"/>
-                <a:cs typeface="Menlo"/>
-                <a:sym typeface="Menlo"/>
+                  <a:srgbClr val="5C2699"/>
+                </a:solidFill>
+                <a:latin typeface="Arial"/>
+                <a:ea typeface="Arial"/>
+                <a:cs typeface="Arial"/>
+                <a:sym typeface="Arial"/>
               </a:defRPr>
             </a:pPr>
             <a:r>
@@ -46255,9 +45760,9 @@
             </a:endParaRPr>
           </a:p>
           <a:p>
-            <a:pPr marL="457200" indent="-317500" defTabSz="457200">
+            <a:pPr marL="502557" indent="-362857" defTabSz="457200">
               <a:lnSpc>
-                <a:spcPts val="3900"/>
+                <a:spcPts val="2100"/>
               </a:lnSpc>
               <a:spcBef>
                 <a:spcPts val="0"/>
@@ -46270,12 +45775,12 @@
               <a:buChar char="•"/>
               <a:defRPr b="0">
                 <a:solidFill>
-                  <a:srgbClr val="007400"/>
-                </a:solidFill>
-                <a:latin typeface="Menlo"/>
-                <a:ea typeface="Menlo"/>
-                <a:cs typeface="Menlo"/>
-                <a:sym typeface="Menlo"/>
+                  <a:srgbClr val="5C2699"/>
+                </a:solidFill>
+                <a:latin typeface="Arial"/>
+                <a:ea typeface="Arial"/>
+                <a:cs typeface="Arial"/>
+                <a:sym typeface="Arial"/>
               </a:defRPr>
             </a:pPr>
             <a:r>
@@ -46320,9 +45825,9 @@
             </a:endParaRPr>
           </a:p>
           <a:p>
-            <a:pPr marL="457200" indent="-317500" defTabSz="457200">
+            <a:pPr marL="502557" indent="-362857" defTabSz="457200">
               <a:lnSpc>
-                <a:spcPts val="3900"/>
+                <a:spcPts val="2100"/>
               </a:lnSpc>
               <a:spcBef>
                 <a:spcPts val="0"/>
@@ -46335,12 +45840,12 @@
               <a:buChar char="•"/>
               <a:defRPr b="0">
                 <a:solidFill>
-                  <a:srgbClr val="007400"/>
-                </a:solidFill>
-                <a:latin typeface="Menlo"/>
-                <a:ea typeface="Menlo"/>
-                <a:cs typeface="Menlo"/>
-                <a:sym typeface="Menlo"/>
+                  <a:srgbClr val="5C2699"/>
+                </a:solidFill>
+                <a:latin typeface="Arial"/>
+                <a:ea typeface="Arial"/>
+                <a:cs typeface="Arial"/>
+                <a:sym typeface="Arial"/>
               </a:defRPr>
             </a:pPr>
             <a:r>
@@ -46385,9 +45890,9 @@
             </a:endParaRPr>
           </a:p>
           <a:p>
-            <a:pPr marL="457200" indent="-317500" defTabSz="457200">
+            <a:pPr marL="502557" indent="-362857" defTabSz="457200">
               <a:lnSpc>
-                <a:spcPts val="3900"/>
+                <a:spcPts val="2100"/>
               </a:lnSpc>
               <a:spcBef>
                 <a:spcPts val="0"/>
@@ -46400,12 +45905,12 @@
               <a:buChar char="•"/>
               <a:defRPr b="0">
                 <a:solidFill>
-                  <a:srgbClr val="007400"/>
-                </a:solidFill>
-                <a:latin typeface="Menlo"/>
-                <a:ea typeface="Menlo"/>
-                <a:cs typeface="Menlo"/>
-                <a:sym typeface="Menlo"/>
+                  <a:srgbClr val="5C2699"/>
+                </a:solidFill>
+                <a:latin typeface="Arial"/>
+                <a:ea typeface="Arial"/>
+                <a:cs typeface="Arial"/>
+                <a:sym typeface="Arial"/>
               </a:defRPr>
             </a:pPr>
             <a:r>
@@ -46450,9 +45955,9 @@
             </a:endParaRPr>
           </a:p>
           <a:p>
-            <a:pPr marL="457200" indent="-317500" defTabSz="457200">
+            <a:pPr marL="502557" indent="-362857" defTabSz="457200">
               <a:lnSpc>
-                <a:spcPts val="3900"/>
+                <a:spcPts val="2100"/>
               </a:lnSpc>
               <a:spcBef>
                 <a:spcPts val="0"/>
@@ -46465,12 +45970,12 @@
               <a:buChar char="•"/>
               <a:defRPr b="0">
                 <a:solidFill>
-                  <a:srgbClr val="007400"/>
-                </a:solidFill>
-                <a:latin typeface="Menlo"/>
-                <a:ea typeface="Menlo"/>
-                <a:cs typeface="Menlo"/>
-                <a:sym typeface="Menlo"/>
+                  <a:srgbClr val="5C2699"/>
+                </a:solidFill>
+                <a:latin typeface="Arial"/>
+                <a:ea typeface="Arial"/>
+                <a:cs typeface="Arial"/>
+                <a:sym typeface="Arial"/>
               </a:defRPr>
             </a:pPr>
             <a:r>
@@ -46515,9 +46020,9 @@
             </a:endParaRPr>
           </a:p>
           <a:p>
-            <a:pPr marL="457200" indent="-317500" defTabSz="457200">
+            <a:pPr marL="502557" indent="-362857" defTabSz="457200">
               <a:lnSpc>
-                <a:spcPts val="3900"/>
+                <a:spcPts val="2100"/>
               </a:lnSpc>
               <a:spcBef>
                 <a:spcPts val="0"/>
@@ -46530,12 +46035,12 @@
               <a:buChar char="•"/>
               <a:defRPr b="0">
                 <a:solidFill>
-                  <a:srgbClr val="007400"/>
-                </a:solidFill>
-                <a:latin typeface="Menlo"/>
-                <a:ea typeface="Menlo"/>
-                <a:cs typeface="Menlo"/>
-                <a:sym typeface="Menlo"/>
+                  <a:srgbClr val="5C2699"/>
+                </a:solidFill>
+                <a:latin typeface="Arial"/>
+                <a:ea typeface="Arial"/>
+                <a:cs typeface="Arial"/>
+                <a:sym typeface="Arial"/>
               </a:defRPr>
             </a:pPr>
             <a:r>
@@ -46584,8 +46089,8 @@
         </p:nvSpPr>
         <p:spPr>
           <a:xfrm>
-            <a:off x="394541" y="3198278"/>
-            <a:ext cx="4598452" cy="1272541"/>
+            <a:off x="338414" y="2951418"/>
+            <a:ext cx="5914800" cy="2029040"/>
           </a:xfrm>
           <a:prstGeom prst="rect">
             <a:avLst/>
@@ -46605,9 +46110,9 @@
           </a:bodyPr>
           <a:lstStyle/>
           <a:p>
-            <a:pPr marL="457200" indent="-317500" defTabSz="457200">
+            <a:pPr marL="774700" indent="-635000" defTabSz="457200">
               <a:lnSpc>
-                <a:spcPts val="2300"/>
+                <a:spcPts val="2200"/>
               </a:lnSpc>
               <a:spcBef>
                 <a:spcPts val="0"/>
@@ -46618,14 +46123,14 @@
               <a:buSzPct val="100000"/>
               <a:buFont typeface="Menlo"/>
               <a:buChar char="•"/>
-              <a:defRPr b="0" sz="800">
-                <a:solidFill>
-                  <a:srgbClr val="C41A16"/>
-                </a:solidFill>
-                <a:latin typeface="Menlo"/>
-                <a:ea typeface="Menlo"/>
-                <a:cs typeface="Menlo"/>
-                <a:sym typeface="Menlo"/>
+              <a:defRPr b="0">
+                <a:solidFill>
+                  <a:srgbClr val="5C2699"/>
+                </a:solidFill>
+                <a:latin typeface="Arial"/>
+                <a:ea typeface="Arial"/>
+                <a:cs typeface="Arial"/>
+                <a:sym typeface="Arial"/>
               </a:defRPr>
             </a:pPr>
             <a:r>
@@ -46670,9 +46175,9 @@
             </a:endParaRPr>
           </a:p>
           <a:p>
-            <a:pPr marL="457200" indent="-317500" defTabSz="457200">
+            <a:pPr marL="774700" indent="-635000" defTabSz="457200">
               <a:lnSpc>
-                <a:spcPts val="2300"/>
+                <a:spcPts val="2200"/>
               </a:lnSpc>
               <a:spcBef>
                 <a:spcPts val="0"/>
@@ -46683,14 +46188,14 @@
               <a:buSzPct val="100000"/>
               <a:buFont typeface="Menlo"/>
               <a:buChar char="•"/>
-              <a:defRPr b="0" sz="800">
-                <a:solidFill>
-                  <a:srgbClr val="C41A16"/>
-                </a:solidFill>
-                <a:latin typeface="Menlo"/>
-                <a:ea typeface="Menlo"/>
-                <a:cs typeface="Menlo"/>
-                <a:sym typeface="Menlo"/>
+              <a:defRPr b="0">
+                <a:solidFill>
+                  <a:srgbClr val="5C2699"/>
+                </a:solidFill>
+                <a:latin typeface="Arial"/>
+                <a:ea typeface="Arial"/>
+                <a:cs typeface="Arial"/>
+                <a:sym typeface="Arial"/>
               </a:defRPr>
             </a:pPr>
             <a:r>
@@ -46743,9 +46248,9 @@
             </a:endParaRPr>
           </a:p>
           <a:p>
-            <a:pPr marL="457200" indent="-317500" defTabSz="457200">
+            <a:pPr marL="774700" indent="-635000" defTabSz="457200">
               <a:lnSpc>
-                <a:spcPts val="2300"/>
+                <a:spcPts val="2200"/>
               </a:lnSpc>
               <a:spcBef>
                 <a:spcPts val="0"/>
@@ -46756,14 +46261,14 @@
               <a:buSzPct val="100000"/>
               <a:buFont typeface="Menlo"/>
               <a:buChar char="•"/>
-              <a:defRPr b="0" sz="800">
-                <a:solidFill>
-                  <a:srgbClr val="C41A16"/>
-                </a:solidFill>
-                <a:latin typeface="Menlo"/>
-                <a:ea typeface="Menlo"/>
-                <a:cs typeface="Menlo"/>
-                <a:sym typeface="Menlo"/>
+              <a:defRPr b="0">
+                <a:solidFill>
+                  <a:srgbClr val="5C2699"/>
+                </a:solidFill>
+                <a:latin typeface="Arial"/>
+                <a:ea typeface="Arial"/>
+                <a:cs typeface="Arial"/>
+                <a:sym typeface="Arial"/>
               </a:defRPr>
             </a:pPr>
             <a:r>
@@ -46808,9 +46313,9 @@
             </a:endParaRPr>
           </a:p>
           <a:p>
-            <a:pPr marL="457200" indent="-317500" defTabSz="457200">
+            <a:pPr marL="774700" indent="-635000" defTabSz="457200">
               <a:lnSpc>
-                <a:spcPts val="2300"/>
+                <a:spcPts val="2200"/>
               </a:lnSpc>
               <a:spcBef>
                 <a:spcPts val="0"/>
@@ -46821,14 +46326,14 @@
               <a:buSzPct val="100000"/>
               <a:buFont typeface="Menlo"/>
               <a:buChar char="•"/>
-              <a:defRPr b="0" sz="800">
-                <a:solidFill>
-                  <a:srgbClr val="333333"/>
-                </a:solidFill>
-                <a:latin typeface="Menlo"/>
-                <a:ea typeface="Menlo"/>
-                <a:cs typeface="Menlo"/>
-                <a:sym typeface="Menlo"/>
+              <a:defRPr b="0">
+                <a:solidFill>
+                  <a:srgbClr val="5C2699"/>
+                </a:solidFill>
+                <a:latin typeface="Arial"/>
+                <a:ea typeface="Arial"/>
+                <a:cs typeface="Arial"/>
+                <a:sym typeface="Arial"/>
               </a:defRPr>
             </a:pPr>
             <a:r>
@@ -46847,9 +46352,9 @@
             </a:r>
           </a:p>
           <a:p>
-            <a:pPr marL="457200" indent="-317500" defTabSz="457200">
+            <a:pPr marL="774700" indent="-635000" defTabSz="457200">
               <a:lnSpc>
-                <a:spcPts val="2300"/>
+                <a:spcPts val="2200"/>
               </a:lnSpc>
               <a:spcBef>
                 <a:spcPts val="0"/>
@@ -46860,14 +46365,14 @@
               <a:buSzPct val="100000"/>
               <a:buFont typeface="Menlo"/>
               <a:buChar char="•"/>
-              <a:defRPr b="0" sz="800">
-                <a:solidFill>
-                  <a:srgbClr val="C41A16"/>
-                </a:solidFill>
-                <a:latin typeface="Menlo"/>
-                <a:ea typeface="Menlo"/>
-                <a:cs typeface="Menlo"/>
-                <a:sym typeface="Menlo"/>
+              <a:defRPr b="0">
+                <a:solidFill>
+                  <a:srgbClr val="5C2699"/>
+                </a:solidFill>
+                <a:latin typeface="Arial"/>
+                <a:ea typeface="Arial"/>
+                <a:cs typeface="Arial"/>
+                <a:sym typeface="Arial"/>
               </a:defRPr>
             </a:pPr>
             <a:r>
@@ -46939,9 +46444,9 @@
             </a:endParaRPr>
           </a:p>
           <a:p>
-            <a:pPr marL="457200" indent="-317500" defTabSz="457200">
+            <a:pPr marL="774700" indent="-635000" defTabSz="457200">
               <a:lnSpc>
-                <a:spcPts val="2300"/>
+                <a:spcPts val="2200"/>
               </a:lnSpc>
               <a:spcBef>
                 <a:spcPts val="0"/>
@@ -46952,14 +46457,14 @@
               <a:buSzPct val="100000"/>
               <a:buFont typeface="Menlo"/>
               <a:buChar char="•"/>
-              <a:defRPr b="0" sz="800">
-                <a:solidFill>
-                  <a:srgbClr val="333333"/>
-                </a:solidFill>
-                <a:latin typeface="Menlo"/>
-                <a:ea typeface="Menlo"/>
-                <a:cs typeface="Menlo"/>
-                <a:sym typeface="Menlo"/>
+              <a:defRPr b="0">
+                <a:solidFill>
+                  <a:srgbClr val="5C2699"/>
+                </a:solidFill>
+                <a:latin typeface="Arial"/>
+                <a:ea typeface="Arial"/>
+                <a:cs typeface="Arial"/>
+                <a:sym typeface="Arial"/>
               </a:defRPr>
             </a:pPr>
             <a:r>
@@ -46967,9 +46472,9 @@
             </a:r>
           </a:p>
           <a:p>
-            <a:pPr marL="457200" indent="-317500" defTabSz="457200">
+            <a:pPr marL="774700" indent="-635000" defTabSz="457200">
               <a:lnSpc>
-                <a:spcPts val="2300"/>
+                <a:spcPts val="2200"/>
               </a:lnSpc>
               <a:spcBef>
                 <a:spcPts val="0"/>
@@ -46980,14 +46485,14 @@
               <a:buSzPct val="100000"/>
               <a:buFont typeface="Menlo"/>
               <a:buChar char="•"/>
-              <a:defRPr b="0" sz="800">
-                <a:solidFill>
-                  <a:srgbClr val="007400"/>
-                </a:solidFill>
-                <a:latin typeface="Menlo"/>
-                <a:ea typeface="Menlo"/>
-                <a:cs typeface="Menlo"/>
-                <a:sym typeface="Menlo"/>
+              <a:defRPr b="0">
+                <a:solidFill>
+                  <a:srgbClr val="5C2699"/>
+                </a:solidFill>
+                <a:latin typeface="Arial"/>
+                <a:ea typeface="Arial"/>
+                <a:cs typeface="Arial"/>
+                <a:sym typeface="Arial"/>
               </a:defRPr>
             </a:pPr>
             <a:r>
@@ -47136,8 +46641,8 @@
         </p:nvSpPr>
         <p:spPr>
           <a:xfrm>
-            <a:off x="731952" y="3630169"/>
-            <a:ext cx="5103091" cy="866141"/>
+            <a:off x="731952" y="3517916"/>
+            <a:ext cx="5641792" cy="1341002"/>
           </a:xfrm>
           <a:prstGeom prst="rect">
             <a:avLst/>
@@ -47157,9 +46662,9 @@
           </a:bodyPr>
           <a:lstStyle/>
           <a:p>
-            <a:pPr marL="457200" indent="-317500" defTabSz="457200">
+            <a:pPr marL="601518" indent="-461818" defTabSz="457200">
               <a:lnSpc>
-                <a:spcPts val="2900"/>
+                <a:spcPts val="2500"/>
               </a:lnSpc>
               <a:spcBef>
                 <a:spcPts val="0"/>
@@ -47170,14 +46675,14 @@
               <a:buSzPct val="100000"/>
               <a:buFont typeface="Menlo"/>
               <a:buChar char="•"/>
-              <a:defRPr b="0" sz="1100">
-                <a:solidFill>
-                  <a:srgbClr val="3F6E74"/>
-                </a:solidFill>
-                <a:latin typeface="Menlo"/>
-                <a:ea typeface="Menlo"/>
-                <a:cs typeface="Menlo"/>
-                <a:sym typeface="Menlo"/>
+              <a:defRPr b="0" sz="1600">
+                <a:solidFill>
+                  <a:srgbClr val="5C2699"/>
+                </a:solidFill>
+                <a:latin typeface="Arial"/>
+                <a:ea typeface="Arial"/>
+                <a:cs typeface="Arial"/>
+                <a:sym typeface="Arial"/>
               </a:defRPr>
             </a:pPr>
             <a:r>
@@ -47222,9 +46727,9 @@
             </a:endParaRPr>
           </a:p>
           <a:p>
-            <a:pPr marL="457200" indent="-317500" defTabSz="457200">
+            <a:pPr marL="601518" indent="-461818" defTabSz="457200">
               <a:lnSpc>
-                <a:spcPts val="2900"/>
+                <a:spcPts val="2500"/>
               </a:lnSpc>
               <a:spcBef>
                 <a:spcPts val="0"/>
@@ -47235,14 +46740,14 @@
               <a:buSzPct val="100000"/>
               <a:buFont typeface="Menlo"/>
               <a:buChar char="•"/>
-              <a:defRPr b="0" sz="1100">
-                <a:solidFill>
-                  <a:srgbClr val="3F6E74"/>
-                </a:solidFill>
-                <a:latin typeface="Menlo"/>
-                <a:ea typeface="Menlo"/>
-                <a:cs typeface="Menlo"/>
-                <a:sym typeface="Menlo"/>
+              <a:defRPr b="0" sz="1600">
+                <a:solidFill>
+                  <a:srgbClr val="5C2699"/>
+                </a:solidFill>
+                <a:latin typeface="Arial"/>
+                <a:ea typeface="Arial"/>
+                <a:cs typeface="Arial"/>
+                <a:sym typeface="Arial"/>
               </a:defRPr>
             </a:pPr>
             <a:r>
@@ -47287,9 +46792,9 @@
             </a:endParaRPr>
           </a:p>
           <a:p>
-            <a:pPr marL="457200" indent="-317500" defTabSz="457200">
+            <a:pPr marL="601518" indent="-461818" defTabSz="457200">
               <a:lnSpc>
-                <a:spcPts val="2900"/>
+                <a:spcPts val="2500"/>
               </a:lnSpc>
               <a:spcBef>
                 <a:spcPts val="0"/>
@@ -47300,14 +46805,14 @@
               <a:buSzPct val="100000"/>
               <a:buFont typeface="Menlo"/>
               <a:buChar char="•"/>
-              <a:defRPr b="0" sz="1100">
-                <a:solidFill>
-                  <a:srgbClr val="3F6E74"/>
-                </a:solidFill>
-                <a:latin typeface="Menlo"/>
-                <a:ea typeface="Menlo"/>
-                <a:cs typeface="Menlo"/>
-                <a:sym typeface="Menlo"/>
+              <a:defRPr b="0" sz="1600">
+                <a:solidFill>
+                  <a:srgbClr val="5C2699"/>
+                </a:solidFill>
+                <a:latin typeface="Arial"/>
+                <a:ea typeface="Arial"/>
+                <a:cs typeface="Arial"/>
+                <a:sym typeface="Arial"/>
               </a:defRPr>
             </a:pPr>
             <a:r>
@@ -47398,9 +46903,9 @@
             </a:endParaRPr>
           </a:p>
           <a:p>
-            <a:pPr marL="457200" indent="-317500" defTabSz="457200">
+            <a:pPr marL="601518" indent="-461818" defTabSz="457200">
               <a:lnSpc>
-                <a:spcPts val="2900"/>
+                <a:spcPts val="2500"/>
               </a:lnSpc>
               <a:spcBef>
                 <a:spcPts val="0"/>
@@ -47411,14 +46916,14 @@
               <a:buSzPct val="100000"/>
               <a:buFont typeface="Menlo"/>
               <a:buChar char="•"/>
-              <a:defRPr b="0" sz="1100">
-                <a:solidFill>
-                  <a:srgbClr val="007400"/>
-                </a:solidFill>
-                <a:latin typeface="Menlo"/>
-                <a:ea typeface="Menlo"/>
-                <a:cs typeface="Menlo"/>
-                <a:sym typeface="Menlo"/>
+              <a:defRPr b="0" sz="1600">
+                <a:solidFill>
+                  <a:srgbClr val="5C2699"/>
+                </a:solidFill>
+                <a:latin typeface="Arial"/>
+                <a:ea typeface="Arial"/>
+                <a:cs typeface="Arial"/>
+                <a:sym typeface="Arial"/>
               </a:defRPr>
             </a:pPr>
             <a:r>
@@ -47436,7 +46941,7 @@
         <p:spPr>
           <a:xfrm>
             <a:off x="731302" y="1153965"/>
-            <a:ext cx="3505068" cy="2085341"/>
+            <a:ext cx="3845833" cy="2374782"/>
           </a:xfrm>
           <a:prstGeom prst="rect">
             <a:avLst/>
@@ -47456,9 +46961,9 @@
           </a:bodyPr>
           <a:lstStyle/>
           <a:p>
-            <a:pPr marL="457200" indent="-317500" defTabSz="457200">
+            <a:pPr marL="601518" indent="-461818" defTabSz="457200">
               <a:lnSpc>
-                <a:spcPts val="2900"/>
+                <a:spcPts val="1800"/>
               </a:lnSpc>
               <a:spcBef>
                 <a:spcPts val="0"/>
@@ -47469,14 +46974,14 @@
               <a:buSzPct val="100000"/>
               <a:buFont typeface="Menlo"/>
               <a:buChar char="•"/>
-              <a:defRPr b="0" sz="1100">
-                <a:solidFill>
-                  <a:srgbClr val="3F6E74"/>
-                </a:solidFill>
-                <a:latin typeface="Menlo"/>
-                <a:ea typeface="Menlo"/>
-                <a:cs typeface="Menlo"/>
-                <a:sym typeface="Menlo"/>
+              <a:defRPr b="0" sz="1600">
+                <a:solidFill>
+                  <a:srgbClr val="5C2699"/>
+                </a:solidFill>
+                <a:latin typeface="Arial"/>
+                <a:ea typeface="Arial"/>
+                <a:cs typeface="Arial"/>
+                <a:sym typeface="Arial"/>
               </a:defRPr>
             </a:pPr>
             <a:r>
@@ -47521,9 +47026,9 @@
             </a:endParaRPr>
           </a:p>
           <a:p>
-            <a:pPr marL="457200" indent="-317500" defTabSz="457200">
+            <a:pPr marL="601518" indent="-461818" defTabSz="457200">
               <a:lnSpc>
-                <a:spcPts val="2900"/>
+                <a:spcPts val="1800"/>
               </a:lnSpc>
               <a:spcBef>
                 <a:spcPts val="0"/>
@@ -47534,14 +47039,14 @@
               <a:buSzPct val="100000"/>
               <a:buFont typeface="Menlo"/>
               <a:buChar char="•"/>
-              <a:defRPr b="0" sz="1100">
-                <a:solidFill>
-                  <a:srgbClr val="3F6E74"/>
-                </a:solidFill>
-                <a:latin typeface="Menlo"/>
-                <a:ea typeface="Menlo"/>
-                <a:cs typeface="Menlo"/>
-                <a:sym typeface="Menlo"/>
+              <a:defRPr b="0" sz="1600">
+                <a:solidFill>
+                  <a:srgbClr val="5C2699"/>
+                </a:solidFill>
+                <a:latin typeface="Arial"/>
+                <a:ea typeface="Arial"/>
+                <a:cs typeface="Arial"/>
+                <a:sym typeface="Arial"/>
               </a:defRPr>
             </a:pPr>
             <a:r>
@@ -47586,9 +47091,9 @@
             </a:endParaRPr>
           </a:p>
           <a:p>
-            <a:pPr marL="457200" indent="-317500" defTabSz="457200">
+            <a:pPr marL="601518" indent="-461818" defTabSz="457200">
               <a:lnSpc>
-                <a:spcPts val="2900"/>
+                <a:spcPts val="1800"/>
               </a:lnSpc>
               <a:spcBef>
                 <a:spcPts val="0"/>
@@ -47599,14 +47104,14 @@
               <a:buSzPct val="100000"/>
               <a:buFont typeface="Menlo"/>
               <a:buChar char="•"/>
-              <a:defRPr b="0" sz="1100">
-                <a:solidFill>
-                  <a:srgbClr val="3F6E74"/>
-                </a:solidFill>
-                <a:latin typeface="Menlo"/>
-                <a:ea typeface="Menlo"/>
-                <a:cs typeface="Menlo"/>
-                <a:sym typeface="Menlo"/>
+              <a:defRPr b="0" sz="1600">
+                <a:solidFill>
+                  <a:srgbClr val="5C2699"/>
+                </a:solidFill>
+                <a:latin typeface="Arial"/>
+                <a:ea typeface="Arial"/>
+                <a:cs typeface="Arial"/>
+                <a:sym typeface="Arial"/>
               </a:defRPr>
             </a:pPr>
             <a:r>
@@ -47637,11 +47142,6 @@
               <a:t>: </a:t>
             </a:r>
             <a:r>
-              <a:rPr>
-                <a:solidFill>
-                  <a:srgbClr val="5C2699"/>
-                </a:solidFill>
-              </a:rPr>
               <a:t>Int</a:t>
             </a:r>
             <a:endParaRPr>
@@ -47651,9 +47151,9 @@
             </a:endParaRPr>
           </a:p>
           <a:p>
-            <a:pPr marL="457200" indent="-317500" defTabSz="457200">
+            <a:pPr marL="601518" indent="-461818" defTabSz="457200">
               <a:lnSpc>
-                <a:spcPts val="2900"/>
+                <a:spcPts val="1800"/>
               </a:lnSpc>
               <a:spcBef>
                 <a:spcPts val="0"/>
@@ -47664,14 +47164,14 @@
               <a:buSzPct val="100000"/>
               <a:buFont typeface="Menlo"/>
               <a:buChar char="•"/>
-              <a:defRPr b="0" sz="1100">
-                <a:solidFill>
-                  <a:srgbClr val="3F6E74"/>
-                </a:solidFill>
-                <a:latin typeface="Menlo"/>
-                <a:ea typeface="Menlo"/>
-                <a:cs typeface="Menlo"/>
-                <a:sym typeface="Menlo"/>
+              <a:defRPr b="0" sz="1600">
+                <a:solidFill>
+                  <a:srgbClr val="5C2699"/>
+                </a:solidFill>
+                <a:latin typeface="Arial"/>
+                <a:ea typeface="Arial"/>
+                <a:cs typeface="Arial"/>
+                <a:sym typeface="Arial"/>
               </a:defRPr>
             </a:pPr>
             <a:r>
@@ -47708,9 +47208,9 @@
             </a:endParaRPr>
           </a:p>
           <a:p>
-            <a:pPr marL="457200" indent="-317500" defTabSz="457200">
+            <a:pPr marL="601518" indent="-461818" defTabSz="457200">
               <a:lnSpc>
-                <a:spcPts val="2900"/>
+                <a:spcPts val="1800"/>
               </a:lnSpc>
               <a:spcBef>
                 <a:spcPts val="0"/>
@@ -47721,14 +47221,14 @@
               <a:buSzPct val="100000"/>
               <a:buFont typeface="Menlo"/>
               <a:buChar char="•"/>
-              <a:defRPr b="0" sz="1100">
-                <a:solidFill>
-                  <a:srgbClr val="3F6E74"/>
-                </a:solidFill>
-                <a:latin typeface="Menlo"/>
-                <a:ea typeface="Menlo"/>
-                <a:cs typeface="Menlo"/>
-                <a:sym typeface="Menlo"/>
+              <a:defRPr b="0" sz="1600">
+                <a:solidFill>
+                  <a:srgbClr val="5C2699"/>
+                </a:solidFill>
+                <a:latin typeface="Arial"/>
+                <a:ea typeface="Arial"/>
+                <a:cs typeface="Arial"/>
+                <a:sym typeface="Arial"/>
               </a:defRPr>
             </a:pPr>
             <a:r>
@@ -47776,9 +47276,9 @@
             </a:endParaRPr>
           </a:p>
           <a:p>
-            <a:pPr marL="457200" indent="-317500" defTabSz="457200">
+            <a:pPr marL="601518" indent="-461818" defTabSz="457200">
               <a:lnSpc>
-                <a:spcPts val="2900"/>
+                <a:spcPts val="1800"/>
               </a:lnSpc>
               <a:spcBef>
                 <a:spcPts val="0"/>
@@ -47789,14 +47289,14 @@
               <a:buSzPct val="100000"/>
               <a:buFont typeface="Menlo"/>
               <a:buChar char="•"/>
-              <a:defRPr b="0" sz="1100">
-                <a:solidFill>
-                  <a:srgbClr val="333333"/>
-                </a:solidFill>
-                <a:latin typeface="Menlo"/>
-                <a:ea typeface="Menlo"/>
-                <a:cs typeface="Menlo"/>
-                <a:sym typeface="Menlo"/>
+              <a:defRPr b="0" sz="1600">
+                <a:solidFill>
+                  <a:srgbClr val="5C2699"/>
+                </a:solidFill>
+                <a:latin typeface="Arial"/>
+                <a:ea typeface="Arial"/>
+                <a:cs typeface="Arial"/>
+                <a:sym typeface="Arial"/>
               </a:defRPr>
             </a:pPr>
             <a:r>
@@ -47815,9 +47315,9 @@
             </a:r>
           </a:p>
           <a:p>
-            <a:pPr marL="457200" indent="-317500" defTabSz="457200">
+            <a:pPr marL="601518" indent="-461818" defTabSz="457200">
               <a:lnSpc>
-                <a:spcPts val="2900"/>
+                <a:spcPts val="1800"/>
               </a:lnSpc>
               <a:spcBef>
                 <a:spcPts val="0"/>
@@ -47828,14 +47328,14 @@
               <a:buSzPct val="100000"/>
               <a:buFont typeface="Menlo"/>
               <a:buChar char="•"/>
-              <a:defRPr b="0" sz="1100">
-                <a:solidFill>
-                  <a:srgbClr val="3F6E74"/>
-                </a:solidFill>
-                <a:latin typeface="Menlo"/>
-                <a:ea typeface="Menlo"/>
-                <a:cs typeface="Menlo"/>
-                <a:sym typeface="Menlo"/>
+              <a:defRPr b="0" sz="1600">
+                <a:solidFill>
+                  <a:srgbClr val="5C2699"/>
+                </a:solidFill>
+                <a:latin typeface="Arial"/>
+                <a:ea typeface="Arial"/>
+                <a:cs typeface="Arial"/>
+                <a:sym typeface="Arial"/>
               </a:defRPr>
             </a:pPr>
             <a:r>
@@ -47883,9 +47383,9 @@
             </a:endParaRPr>
           </a:p>
           <a:p>
-            <a:pPr marL="457200" indent="-317500" defTabSz="457200">
+            <a:pPr marL="601518" indent="-461818" defTabSz="457200">
               <a:lnSpc>
-                <a:spcPts val="2900"/>
+                <a:spcPts val="1800"/>
               </a:lnSpc>
               <a:spcBef>
                 <a:spcPts val="0"/>
@@ -47896,14 +47396,14 @@
               <a:buSzPct val="100000"/>
               <a:buFont typeface="Menlo"/>
               <a:buChar char="•"/>
-              <a:defRPr b="0" sz="1100">
-                <a:solidFill>
-                  <a:srgbClr val="333333"/>
-                </a:solidFill>
-                <a:latin typeface="Menlo"/>
-                <a:ea typeface="Menlo"/>
-                <a:cs typeface="Menlo"/>
-                <a:sym typeface="Menlo"/>
+              <a:defRPr b="0" sz="1600">
+                <a:solidFill>
+                  <a:srgbClr val="5C2699"/>
+                </a:solidFill>
+                <a:latin typeface="Arial"/>
+                <a:ea typeface="Arial"/>
+                <a:cs typeface="Arial"/>
+                <a:sym typeface="Arial"/>
               </a:defRPr>
             </a:pPr>
             <a:r>
@@ -47911,9 +47411,9 @@
             </a:r>
           </a:p>
           <a:p>
-            <a:pPr marL="457200" indent="-317500" defTabSz="457200">
+            <a:pPr marL="601518" indent="-461818" defTabSz="457200">
               <a:lnSpc>
-                <a:spcPts val="2900"/>
+                <a:spcPts val="1800"/>
               </a:lnSpc>
               <a:spcBef>
                 <a:spcPts val="0"/>
@@ -47924,14 +47424,14 @@
               <a:buSzPct val="100000"/>
               <a:buFont typeface="Menlo"/>
               <a:buChar char="•"/>
-              <a:defRPr b="0" sz="1100">
-                <a:solidFill>
-                  <a:srgbClr val="007400"/>
-                </a:solidFill>
-                <a:latin typeface="Menlo"/>
-                <a:ea typeface="Menlo"/>
-                <a:cs typeface="Menlo"/>
-                <a:sym typeface="Menlo"/>
+              <a:defRPr b="0" sz="1600">
+                <a:solidFill>
+                  <a:srgbClr val="5C2699"/>
+                </a:solidFill>
+                <a:latin typeface="Arial"/>
+                <a:ea typeface="Arial"/>
+                <a:cs typeface="Arial"/>
+                <a:sym typeface="Arial"/>
               </a:defRPr>
             </a:pPr>
             <a:r>
@@ -48089,7 +47589,7 @@
         <p:spPr>
           <a:xfrm>
             <a:off x="519308" y="2741494"/>
-            <a:ext cx="7075772" cy="726441"/>
+            <a:ext cx="7181183" cy="1023502"/>
           </a:xfrm>
           <a:prstGeom prst="rect">
             <a:avLst/>
@@ -48109,9 +47609,9 @@
           </a:bodyPr>
           <a:lstStyle/>
           <a:p>
-            <a:pPr marL="457200" indent="-317500" defTabSz="457200">
+            <a:pPr marL="563033" indent="-423333" defTabSz="457200">
               <a:lnSpc>
-                <a:spcPts val="3200"/>
+                <a:spcPts val="2500"/>
               </a:lnSpc>
               <a:spcBef>
                 <a:spcPts val="0"/>
@@ -48122,14 +47622,14 @@
               <a:buSzPct val="100000"/>
               <a:buFont typeface="Menlo"/>
               <a:buChar char="•"/>
-              <a:defRPr b="0" sz="1200">
-                <a:solidFill>
-                  <a:srgbClr val="3F6E74"/>
-                </a:solidFill>
-                <a:latin typeface="Menlo"/>
-                <a:ea typeface="Menlo"/>
-                <a:cs typeface="Menlo"/>
-                <a:sym typeface="Menlo"/>
+              <a:defRPr b="0" sz="1600">
+                <a:solidFill>
+                  <a:srgbClr val="5C2699"/>
+                </a:solidFill>
+                <a:latin typeface="Arial"/>
+                <a:ea typeface="Arial"/>
+                <a:cs typeface="Arial"/>
+                <a:sym typeface="Arial"/>
               </a:defRPr>
             </a:pPr>
             <a:r>
@@ -48158,9 +47658,9 @@
             </a:endParaRPr>
           </a:p>
           <a:p>
-            <a:pPr marL="457200" indent="-317500" defTabSz="457200">
+            <a:pPr marL="563033" indent="-423333" defTabSz="457200">
               <a:lnSpc>
-                <a:spcPts val="3200"/>
+                <a:spcPts val="2500"/>
               </a:lnSpc>
               <a:spcBef>
                 <a:spcPts val="0"/>
@@ -48171,14 +47671,14 @@
               <a:buSzPct val="100000"/>
               <a:buFont typeface="Menlo"/>
               <a:buChar char="•"/>
-              <a:defRPr b="0" sz="1200">
-                <a:solidFill>
-                  <a:srgbClr val="3F6E74"/>
-                </a:solidFill>
-                <a:latin typeface="Menlo"/>
-                <a:ea typeface="Menlo"/>
-                <a:cs typeface="Menlo"/>
-                <a:sym typeface="Menlo"/>
+              <a:defRPr b="0" sz="1600">
+                <a:solidFill>
+                  <a:srgbClr val="5C2699"/>
+                </a:solidFill>
+                <a:latin typeface="Arial"/>
+                <a:ea typeface="Arial"/>
+                <a:cs typeface="Arial"/>
+                <a:sym typeface="Arial"/>
               </a:defRPr>
             </a:pPr>
             <a:r>
@@ -48213,9 +47713,9 @@
             </a:endParaRPr>
           </a:p>
           <a:p>
-            <a:pPr marL="457200" indent="-317500" defTabSz="457200">
+            <a:pPr marL="563033" indent="-423333" defTabSz="457200">
               <a:lnSpc>
-                <a:spcPts val="3200"/>
+                <a:spcPts val="2500"/>
               </a:lnSpc>
               <a:spcBef>
                 <a:spcPts val="0"/>
@@ -48226,14 +47726,14 @@
               <a:buSzPct val="100000"/>
               <a:buFont typeface="Menlo"/>
               <a:buChar char="•"/>
-              <a:defRPr b="0" sz="1200">
-                <a:solidFill>
-                  <a:srgbClr val="007400"/>
-                </a:solidFill>
-                <a:latin typeface="Menlo"/>
-                <a:ea typeface="Menlo"/>
-                <a:cs typeface="Menlo"/>
-                <a:sym typeface="Menlo"/>
+              <a:defRPr b="0" sz="1600">
+                <a:solidFill>
+                  <a:srgbClr val="5C2699"/>
+                </a:solidFill>
+                <a:latin typeface="Arial"/>
+                <a:ea typeface="Arial"/>
+                <a:cs typeface="Arial"/>
+                <a:sym typeface="Arial"/>
               </a:defRPr>
             </a:pPr>
             <a:r>
@@ -48251,7 +47751,7 @@
         <p:spPr>
           <a:xfrm>
             <a:off x="427281" y="1158642"/>
-            <a:ext cx="7901545" cy="955041"/>
+            <a:ext cx="7847636" cy="1341002"/>
           </a:xfrm>
           <a:prstGeom prst="rect">
             <a:avLst/>
@@ -48271,9 +47771,9 @@
           </a:bodyPr>
           <a:lstStyle/>
           <a:p>
-            <a:pPr marL="457200" indent="-317500" defTabSz="457200">
+            <a:pPr marL="563033" indent="-423333" defTabSz="457200">
               <a:lnSpc>
-                <a:spcPts val="3200"/>
+                <a:spcPts val="2500"/>
               </a:lnSpc>
               <a:spcBef>
                 <a:spcPts val="0"/>
@@ -48284,14 +47784,14 @@
               <a:buSzPct val="100000"/>
               <a:buFont typeface="Menlo"/>
               <a:buChar char="•"/>
-              <a:defRPr b="0" sz="1200">
-                <a:solidFill>
-                  <a:srgbClr val="3F6E74"/>
-                </a:solidFill>
-                <a:latin typeface="Menlo"/>
-                <a:ea typeface="Menlo"/>
-                <a:cs typeface="Menlo"/>
-                <a:sym typeface="Menlo"/>
+              <a:defRPr b="0" sz="1600">
+                <a:solidFill>
+                  <a:srgbClr val="5C2699"/>
+                </a:solidFill>
+                <a:latin typeface="Arial"/>
+                <a:ea typeface="Arial"/>
+                <a:cs typeface="Arial"/>
+                <a:sym typeface="Arial"/>
               </a:defRPr>
             </a:pPr>
             <a:r>
@@ -48336,9 +47836,9 @@
             </a:endParaRPr>
           </a:p>
           <a:p>
-            <a:pPr marL="457200" indent="-317500" defTabSz="457200">
+            <a:pPr marL="563033" indent="-423333" defTabSz="457200">
               <a:lnSpc>
-                <a:spcPts val="3200"/>
+                <a:spcPts val="2500"/>
               </a:lnSpc>
               <a:spcBef>
                 <a:spcPts val="0"/>
@@ -48349,14 +47849,14 @@
               <a:buSzPct val="100000"/>
               <a:buFont typeface="Menlo"/>
               <a:buChar char="•"/>
-              <a:defRPr b="0" sz="1200">
-                <a:solidFill>
-                  <a:srgbClr val="3F6E74"/>
-                </a:solidFill>
-                <a:latin typeface="Menlo"/>
-                <a:ea typeface="Menlo"/>
-                <a:cs typeface="Menlo"/>
-                <a:sym typeface="Menlo"/>
+              <a:defRPr b="0" sz="1600">
+                <a:solidFill>
+                  <a:srgbClr val="5C2699"/>
+                </a:solidFill>
+                <a:latin typeface="Arial"/>
+                <a:ea typeface="Arial"/>
+                <a:cs typeface="Arial"/>
+                <a:sym typeface="Arial"/>
               </a:defRPr>
             </a:pPr>
             <a:r>
@@ -48387,11 +47887,6 @@
               <a:t>: </a:t>
             </a:r>
             <a:r>
-              <a:rPr>
-                <a:solidFill>
-                  <a:srgbClr val="5C2699"/>
-                </a:solidFill>
-              </a:rPr>
               <a:t>String</a:t>
             </a:r>
             <a:r>
@@ -48412,9 +47907,9 @@
             </a:r>
           </a:p>
           <a:p>
-            <a:pPr marL="457200" indent="-317500" defTabSz="457200">
+            <a:pPr marL="563033" indent="-423333" defTabSz="457200">
               <a:lnSpc>
-                <a:spcPts val="3200"/>
+                <a:spcPts val="2500"/>
               </a:lnSpc>
               <a:spcBef>
                 <a:spcPts val="0"/>
@@ -48425,14 +47920,14 @@
               <a:buSzPct val="100000"/>
               <a:buFont typeface="Menlo"/>
               <a:buChar char="•"/>
-              <a:defRPr b="0" sz="1200">
-                <a:solidFill>
-                  <a:srgbClr val="3F6E74"/>
-                </a:solidFill>
-                <a:latin typeface="Menlo"/>
-                <a:ea typeface="Menlo"/>
-                <a:cs typeface="Menlo"/>
-                <a:sym typeface="Menlo"/>
+              <a:defRPr b="0" sz="1600">
+                <a:solidFill>
+                  <a:srgbClr val="5C2699"/>
+                </a:solidFill>
+                <a:latin typeface="Arial"/>
+                <a:ea typeface="Arial"/>
+                <a:cs typeface="Arial"/>
+                <a:sym typeface="Arial"/>
               </a:defRPr>
             </a:pPr>
             <a:r>
@@ -48483,9 +47978,9 @@
             </a:endParaRPr>
           </a:p>
           <a:p>
-            <a:pPr marL="457200" indent="-317500" defTabSz="457200">
+            <a:pPr marL="563033" indent="-423333" defTabSz="457200">
               <a:lnSpc>
-                <a:spcPts val="3200"/>
+                <a:spcPts val="2500"/>
               </a:lnSpc>
               <a:spcBef>
                 <a:spcPts val="0"/>
@@ -48496,14 +47991,14 @@
               <a:buSzPct val="100000"/>
               <a:buFont typeface="Menlo"/>
               <a:buChar char="•"/>
-              <a:defRPr b="0" sz="1200">
-                <a:solidFill>
-                  <a:srgbClr val="007400"/>
-                </a:solidFill>
-                <a:latin typeface="Menlo"/>
-                <a:ea typeface="Menlo"/>
-                <a:cs typeface="Menlo"/>
-                <a:sym typeface="Menlo"/>
+              <a:defRPr b="0" sz="1600">
+                <a:solidFill>
+                  <a:srgbClr val="5C2699"/>
+                </a:solidFill>
+                <a:latin typeface="Arial"/>
+                <a:ea typeface="Arial"/>
+                <a:cs typeface="Arial"/>
+                <a:sym typeface="Arial"/>
               </a:defRPr>
             </a:pPr>
             <a:r>
